--- a/lectures/L9_multilayer_nn_forward_and_backward.pptx
+++ b/lectures/L9_multilayer_nn_forward_and_backward.pptx
@@ -5,13 +5,18 @@
     <p:sldMasterId id="2147483660" r:id="rId1"/>
   </p:sldMasterIdLst>
   <p:notesMasterIdLst>
-    <p:notesMasterId r:id="rId6"/>
+    <p:notesMasterId r:id="rId11"/>
   </p:notesMasterIdLst>
   <p:sldIdLst>
     <p:sldId id="256" r:id="rId2"/>
     <p:sldId id="285" r:id="rId3"/>
     <p:sldId id="293" r:id="rId4"/>
     <p:sldId id="294" r:id="rId5"/>
+    <p:sldId id="296" r:id="rId6"/>
+    <p:sldId id="295" r:id="rId7"/>
+    <p:sldId id="297" r:id="rId8"/>
+    <p:sldId id="298" r:id="rId9"/>
+    <p:sldId id="299" r:id="rId10"/>
   </p:sldIdLst>
   <p:sldSz cx="9144000" cy="6858000" type="screen4x3"/>
   <p:notesSz cx="6858000" cy="9144000"/>
@@ -4484,8 +4489,8 @@
           </a:p>
         </p:txBody>
       </p:sp>
-      <mc:AlternateContent xmlns:mc="http://schemas.openxmlformats.org/markup-compatibility/2006" xmlns:a14="http://schemas.microsoft.com/office/drawing/2010/main">
-        <mc:Choice Requires="a14">
+      <mc:AlternateContent xmlns:mc="http://schemas.openxmlformats.org/markup-compatibility/2006">
+        <mc:Choice xmlns:a14="http://schemas.microsoft.com/office/drawing/2010/main" Requires="a14">
           <p:sp>
             <p:nvSpPr>
               <p:cNvPr id="3" name="Объект 2"/>
@@ -4845,51 +4850,31 @@
                         </m:ctrlPr>
                       </m:sSupPr>
                       <m:e>
-                        <m:sSup>
-                          <m:sSupPr>
-                            <m:ctrlPr>
-                              <a:rPr lang="ru-RU" b="1" i="1">
-                                <a:latin typeface="Cambria Math"/>
-                              </a:rPr>
-                            </m:ctrlPr>
-                          </m:sSupPr>
-                          <m:e>
-                            <m:r>
-                              <a:rPr lang="en-US" b="1" i="1">
-                                <a:latin typeface="Cambria Math"/>
-                              </a:rPr>
-                              <m:t>𝒃</m:t>
-                            </m:r>
-                          </m:e>
-                          <m:sup>
-                            <m:d>
-                              <m:dPr>
-                                <m:begChr m:val="["/>
-                                <m:endChr m:val="]"/>
-                                <m:ctrlPr>
-                                  <a:rPr lang="en-US" b="1" i="1">
-                                    <a:latin typeface="Cambria Math"/>
-                                  </a:rPr>
-                                </m:ctrlPr>
-                              </m:dPr>
-                              <m:e>
-                                <m:r>
-                                  <a:rPr lang="en-US" b="1" i="1">
-                                    <a:latin typeface="Cambria Math"/>
-                                  </a:rPr>
-                                  <m:t>𝟏</m:t>
-                                </m:r>
-                              </m:e>
-                            </m:d>
-                          </m:sup>
-                        </m:sSup>
+                        <m:r>
+                          <a:rPr lang="en-US" b="1" i="1" smtClean="0">
+                            <a:latin typeface="Cambria Math"/>
+                          </a:rPr>
+                          <m:t>𝒃</m:t>
+                        </m:r>
                       </m:e>
                       <m:sup>
                         <m:r>
                           <a:rPr lang="en-US" b="1" i="1" smtClean="0">
                             <a:latin typeface="Cambria Math"/>
                           </a:rPr>
-                          <m:t>𝑻</m:t>
+                          <m:t>[</m:t>
+                        </m:r>
+                        <m:r>
+                          <a:rPr lang="en-US" b="1" i="1" smtClean="0">
+                            <a:latin typeface="Cambria Math"/>
+                          </a:rPr>
+                          <m:t>𝟏</m:t>
+                        </m:r>
+                        <m:r>
+                          <a:rPr lang="en-US" b="1" i="1" smtClean="0">
+                            <a:latin typeface="Cambria Math"/>
+                          </a:rPr>
+                          <m:t>]</m:t>
                         </m:r>
                       </m:sup>
                     </m:sSup>
@@ -4900,12 +4885,31 @@
                       </a:rPr>
                       <m:t>∙</m:t>
                     </m:r>
-                    <m:r>
-                      <a:rPr lang="en-US" b="1" i="1" smtClean="0">
-                        <a:latin typeface="Cambria Math"/>
-                      </a:rPr>
-                      <m:t>𝟏</m:t>
-                    </m:r>
+                    <m:sSup>
+                      <m:sSupPr>
+                        <m:ctrlPr>
+                          <a:rPr lang="en-US" b="1" i="1" smtClean="0">
+                            <a:latin typeface="Cambria Math"/>
+                          </a:rPr>
+                        </m:ctrlPr>
+                      </m:sSupPr>
+                      <m:e>
+                        <m:r>
+                          <a:rPr lang="en-US" b="1" i="1" smtClean="0">
+                            <a:latin typeface="Cambria Math"/>
+                          </a:rPr>
+                          <m:t>𝟏</m:t>
+                        </m:r>
+                      </m:e>
+                      <m:sup>
+                        <m:r>
+                          <a:rPr lang="en-US" b="1" i="1" smtClean="0">
+                            <a:latin typeface="Cambria Math"/>
+                          </a:rPr>
+                          <m:t>𝑻</m:t>
+                        </m:r>
+                      </m:sup>
+                    </m:sSup>
                   </m:oMath>
                 </a14:m>
                 <a:r>
@@ -5083,7 +5087,15 @@
                 </a:r>
                 <a:r>
                   <a:rPr lang="en-US" b="1" dirty="0" smtClean="0"/>
-                  <a:t>                 (</a:t>
+                  <a:t>           </a:t>
+                </a:r>
+                <a:r>
+                  <a:rPr lang="en-US" b="1" dirty="0" smtClean="0"/>
+                  <a:t>         </a:t>
+                </a:r>
+                <a:r>
+                  <a:rPr lang="en-US" b="1" dirty="0" smtClean="0"/>
+                  <a:t>(</a:t>
                 </a:r>
                 <a14:m>
                   <m:oMath xmlns:m="http://schemas.openxmlformats.org/officeDocument/2006/math">
@@ -5300,51 +5312,31 @@
                         </m:ctrlPr>
                       </m:sSupPr>
                       <m:e>
-                        <m:sSup>
-                          <m:sSupPr>
-                            <m:ctrlPr>
-                              <a:rPr lang="ru-RU" b="1" i="1">
-                                <a:latin typeface="Cambria Math"/>
-                              </a:rPr>
-                            </m:ctrlPr>
-                          </m:sSupPr>
-                          <m:e>
-                            <m:r>
-                              <a:rPr lang="en-US" b="1" i="1">
-                                <a:latin typeface="Cambria Math"/>
-                              </a:rPr>
-                              <m:t>𝒃</m:t>
-                            </m:r>
-                          </m:e>
-                          <m:sup>
-                            <m:d>
-                              <m:dPr>
-                                <m:begChr m:val="["/>
-                                <m:endChr m:val="]"/>
-                                <m:ctrlPr>
-                                  <a:rPr lang="en-US" b="1" i="1">
-                                    <a:latin typeface="Cambria Math"/>
-                                  </a:rPr>
-                                </m:ctrlPr>
-                              </m:dPr>
-                              <m:e>
-                                <m:r>
-                                  <a:rPr lang="en-US" b="1" i="1">
-                                    <a:latin typeface="Cambria Math"/>
-                                  </a:rPr>
-                                  <m:t>𝒍</m:t>
-                                </m:r>
-                              </m:e>
-                            </m:d>
-                          </m:sup>
-                        </m:sSup>
+                        <m:r>
+                          <a:rPr lang="en-US" b="1" i="1" smtClean="0">
+                            <a:latin typeface="Cambria Math"/>
+                          </a:rPr>
+                          <m:t>𝒃</m:t>
+                        </m:r>
                       </m:e>
                       <m:sup>
                         <m:r>
                           <a:rPr lang="en-US" b="1" i="1" smtClean="0">
                             <a:latin typeface="Cambria Math"/>
                           </a:rPr>
-                          <m:t>𝑻</m:t>
+                          <m:t>[</m:t>
+                        </m:r>
+                        <m:r>
+                          <a:rPr lang="en-US" b="1" i="1" smtClean="0">
+                            <a:latin typeface="Cambria Math"/>
+                          </a:rPr>
+                          <m:t>𝒍</m:t>
+                        </m:r>
+                        <m:r>
+                          <a:rPr lang="en-US" b="1" i="1" smtClean="0">
+                            <a:latin typeface="Cambria Math"/>
+                          </a:rPr>
+                          <m:t>]</m:t>
                         </m:r>
                       </m:sup>
                     </m:sSup>
@@ -5355,12 +5347,31 @@
                       </a:rPr>
                       <m:t>∙</m:t>
                     </m:r>
-                    <m:r>
-                      <a:rPr lang="en-US" b="1" i="1">
-                        <a:latin typeface="Cambria Math"/>
-                      </a:rPr>
-                      <m:t>𝟏</m:t>
-                    </m:r>
+                    <m:sSup>
+                      <m:sSupPr>
+                        <m:ctrlPr>
+                          <a:rPr lang="en-US" b="1" i="1" smtClean="0">
+                            <a:latin typeface="Cambria Math"/>
+                          </a:rPr>
+                        </m:ctrlPr>
+                      </m:sSupPr>
+                      <m:e>
+                        <m:r>
+                          <a:rPr lang="en-US" b="1" i="1">
+                            <a:latin typeface="Cambria Math"/>
+                          </a:rPr>
+                          <m:t>𝟏</m:t>
+                        </m:r>
+                      </m:e>
+                      <m:sup>
+                        <m:r>
+                          <a:rPr lang="en-US" b="1" i="1" smtClean="0">
+                            <a:latin typeface="Cambria Math"/>
+                          </a:rPr>
+                          <m:t>𝑻</m:t>
+                        </m:r>
+                      </m:sup>
+                    </m:sSup>
                   </m:oMath>
                 </a14:m>
                 <a:r>
@@ -5604,7 +5615,7 @@
             </p:txBody>
           </p:sp>
         </mc:Choice>
-        <mc:Fallback xmlns="">
+        <mc:Fallback>
           <p:sp>
             <p:nvSpPr>
               <p:cNvPr id="3" name="Объект 2"/>
@@ -5619,7 +5630,7 @@
               <a:blipFill rotWithShape="1">
                 <a:blip r:embed="rId2"/>
                 <a:stretch>
-                  <a:fillRect t="-1186"/>
+                  <a:fillRect t="-1186" r="-370"/>
                 </a:stretch>
               </a:blipFill>
             </p:spPr>
@@ -5738,7 +5749,7 @@
             <p:spPr/>
             <p:txBody>
               <a:bodyPr>
-                <a:normAutofit fontScale="70000" lnSpcReduction="20000"/>
+                <a:normAutofit fontScale="62500" lnSpcReduction="20000"/>
               </a:bodyPr>
               <a:lstStyle/>
               <a:p>
@@ -5763,7 +5774,7 @@
                           <a:rPr lang="en-US" b="0" i="1" smtClean="0">
                             <a:latin typeface="Cambria Math"/>
                           </a:rPr>
-                          <m:t>𝑧</m:t>
+                          <m:t>𝑍</m:t>
                         </m:r>
                       </m:e>
                       <m:sup>
@@ -5923,28 +5934,36 @@
                   <a:rPr lang="en-US" dirty="0" smtClean="0"/>
                   <a:t> </a:t>
                 </a:r>
+                <a:r>
+                  <a:rPr lang="ru-RU" dirty="0" smtClean="0"/>
+                  <a:t> </a:t>
+                </a:r>
+                <a:r>
+                  <a:rPr lang="en-US" dirty="0" smtClean="0"/>
+                  <a:t>(</a:t>
+                </a:r>
+                <a:r>
+                  <a:rPr lang="en-US" i="1" dirty="0" err="1" smtClean="0"/>
+                  <a:t>E</a:t>
+                </a:r>
+                <a:r>
+                  <a:rPr lang="en-US" i="1" dirty="0" err="1" smtClean="0"/>
+                  <a:t>lementwise</a:t>
+                </a:r>
+                <a:r>
+                  <a:rPr lang="en-US" i="1" dirty="0" smtClean="0"/>
+                  <a:t> </a:t>
+                </a:r>
+                <a:r>
+                  <a:rPr lang="en-US" i="1" dirty="0" smtClean="0"/>
+                  <a:t>multiplication</a:t>
+                </a:r>
+                <a:r>
+                  <a:rPr lang="en-US" dirty="0" smtClean="0"/>
+                  <a:t>)</a:t>
+                </a:r>
               </a:p>
               <a:p>
-                <a:pPr marL="118872" indent="0">
-                  <a:buNone/>
-                </a:pPr>
-                <a:r>
-                  <a:rPr lang="en-US" dirty="0" smtClean="0"/>
-                  <a:t>(</a:t>
-                </a:r>
-                <a:r>
-                  <a:rPr lang="en-US" dirty="0" err="1" smtClean="0"/>
-                  <a:t>elementwise</a:t>
-                </a:r>
-                <a:r>
-                  <a:rPr lang="en-US" dirty="0" smtClean="0"/>
-                  <a:t> multiplication)</a:t>
-                </a:r>
-              </a:p>
-              <a:p>
-                <a:pPr marL="118872" indent="0">
-                  <a:buNone/>
-                </a:pPr>
                 <a:endParaRPr lang="en-US" dirty="0"/>
               </a:p>
               <a:p>
@@ -6082,12 +6101,9 @@
                     </m:r>
                   </m:oMath>
                 </a14:m>
-                <a:endParaRPr lang="en-US" dirty="0"/>
+                <a:endParaRPr lang="en-US" dirty="0" smtClean="0"/>
               </a:p>
               <a:p>
-                <a:pPr marL="118872" indent="0">
-                  <a:buNone/>
-                </a:pPr>
                 <a:endParaRPr lang="en-US" dirty="0" smtClean="0"/>
               </a:p>
               <a:p>
@@ -6542,8 +6558,17 @@
                   <a:buNone/>
                 </a:pPr>
                 <a:r>
+                  <a:rPr lang="en-US" b="1" dirty="0" smtClean="0"/>
+                  <a:t>Notes:</a:t>
+                </a:r>
+              </a:p>
+              <a:p>
+                <a:pPr marL="118872" indent="0">
+                  <a:buNone/>
+                </a:pPr>
+                <a:r>
                   <a:rPr lang="en-US" dirty="0" smtClean="0"/>
-                  <a:t>(</a:t>
+                  <a:t>“</a:t>
                 </a:r>
                 <a14:m>
                   <m:oMath xmlns:m="http://schemas.openxmlformats.org/officeDocument/2006/math">
@@ -6554,6 +6579,13 @@
                       </a:rPr>
                       <m:t>1</m:t>
                     </m:r>
+                    <m:r>
+                      <a:rPr lang="en-US" b="0" i="1" smtClean="0">
+                        <a:latin typeface="Cambria Math"/>
+                        <a:ea typeface="Cambria Math"/>
+                      </a:rPr>
+                      <m:t>"</m:t>
+                    </m:r>
                   </m:oMath>
                 </a14:m>
                 <a:r>
@@ -6564,6 +6596,11 @@
                   <a:rPr lang="en-US" dirty="0" smtClean="0"/>
                   <a:t>)</a:t>
                 </a:r>
+              </a:p>
+              <a:p>
+                <a:pPr marL="118872" indent="0">
+                  <a:buNone/>
+                </a:pPr>
                 <a:endParaRPr lang="ru-RU" dirty="0" smtClean="0"/>
               </a:p>
               <a:p>
@@ -6631,8 +6668,148 @@
                 </a:r>
                 <a:r>
                   <a:rPr lang="en-US" dirty="0" smtClean="0"/>
-                  <a:t> properly for last layer</a:t>
-                </a:r>
+                  <a:t> properly for last </a:t>
+                </a:r>
+                <a:r>
+                  <a:rPr lang="en-US" dirty="0" smtClean="0"/>
+                  <a:t>layer</a:t>
+                </a:r>
+              </a:p>
+              <a:p>
+                <a:pPr marL="118872" indent="0">
+                  <a:buNone/>
+                </a:pPr>
+                <a:endParaRPr lang="en-US" dirty="0"/>
+              </a:p>
+              <a:p>
+                <a:pPr marL="118872" indent="0">
+                  <a:buNone/>
+                </a:pPr>
+                <a:r>
+                  <a:rPr lang="en-US" dirty="0" smtClean="0"/>
+                  <a:t>For regression it is: </a:t>
+                </a:r>
+                <a14:m>
+                  <m:oMath xmlns:m="http://schemas.openxmlformats.org/officeDocument/2006/math">
+                    <m:r>
+                      <a:rPr lang="en-US" i="1">
+                        <a:latin typeface="Cambria Math"/>
+                      </a:rPr>
+                      <m:t>𝑑</m:t>
+                    </m:r>
+                    <m:sSup>
+                      <m:sSupPr>
+                        <m:ctrlPr>
+                          <a:rPr lang="en-US" i="1">
+                            <a:latin typeface="Cambria Math"/>
+                          </a:rPr>
+                        </m:ctrlPr>
+                      </m:sSupPr>
+                      <m:e>
+                        <m:r>
+                          <a:rPr lang="en-US" i="1">
+                            <a:latin typeface="Cambria Math"/>
+                          </a:rPr>
+                          <m:t>𝐴</m:t>
+                        </m:r>
+                      </m:e>
+                      <m:sup>
+                        <m:r>
+                          <a:rPr lang="en-US" i="1">
+                            <a:latin typeface="Cambria Math"/>
+                          </a:rPr>
+                          <m:t>[</m:t>
+                        </m:r>
+                        <m:r>
+                          <a:rPr lang="en-US" i="1">
+                            <a:latin typeface="Cambria Math"/>
+                          </a:rPr>
+                          <m:t>𝑙</m:t>
+                        </m:r>
+                        <m:r>
+                          <a:rPr lang="en-US" i="1">
+                            <a:latin typeface="Cambria Math"/>
+                          </a:rPr>
+                          <m:t>]</m:t>
+                        </m:r>
+                      </m:sup>
+                    </m:sSup>
+                    <m:r>
+                      <a:rPr lang="en-US" b="0" i="1" smtClean="0">
+                        <a:latin typeface="Cambria Math"/>
+                      </a:rPr>
+                      <m:t>=2(</m:t>
+                    </m:r>
+                    <m:sSup>
+                      <m:sSupPr>
+                        <m:ctrlPr>
+                          <a:rPr lang="en-US" i="1">
+                            <a:latin typeface="Cambria Math"/>
+                          </a:rPr>
+                        </m:ctrlPr>
+                      </m:sSupPr>
+                      <m:e>
+                        <m:r>
+                          <a:rPr lang="en-US" i="1">
+                            <a:latin typeface="Cambria Math"/>
+                          </a:rPr>
+                          <m:t>𝐴</m:t>
+                        </m:r>
+                      </m:e>
+                      <m:sup>
+                        <m:d>
+                          <m:dPr>
+                            <m:begChr m:val="["/>
+                            <m:endChr m:val="]"/>
+                            <m:ctrlPr>
+                              <a:rPr lang="en-US" i="1">
+                                <a:latin typeface="Cambria Math"/>
+                              </a:rPr>
+                            </m:ctrlPr>
+                          </m:dPr>
+                          <m:e>
+                            <m:r>
+                              <a:rPr lang="en-US" i="1">
+                                <a:latin typeface="Cambria Math"/>
+                              </a:rPr>
+                              <m:t>𝑙</m:t>
+                            </m:r>
+                          </m:e>
+                        </m:d>
+                      </m:sup>
+                    </m:sSup>
+                    <m:r>
+                      <a:rPr lang="en-US" i="1">
+                        <a:latin typeface="Cambria Math"/>
+                      </a:rPr>
+                      <m:t>−</m:t>
+                    </m:r>
+                    <m:acc>
+                      <m:accPr>
+                        <m:chr m:val="̂"/>
+                        <m:ctrlPr>
+                          <a:rPr lang="en-US" i="1">
+                            <a:latin typeface="Cambria Math"/>
+                          </a:rPr>
+                        </m:ctrlPr>
+                      </m:accPr>
+                      <m:e>
+                        <m:r>
+                          <a:rPr lang="en-US" i="1">
+                            <a:latin typeface="Cambria Math"/>
+                          </a:rPr>
+                          <m:t>𝑌</m:t>
+                        </m:r>
+                      </m:e>
+                    </m:acc>
+                    <m:r>
+                      <a:rPr lang="en-US" b="0" i="1" smtClean="0">
+                        <a:latin typeface="Cambria Math"/>
+                      </a:rPr>
+                      <m:t>)</m:t>
+                    </m:r>
+                  </m:oMath>
+                </a14:m>
                 <a:endParaRPr lang="en-US" dirty="0"/>
               </a:p>
               <a:p>
@@ -6665,7 +6842,7 @@
               <a:blipFill rotWithShape="1">
                 <a:blip r:embed="rId2"/>
                 <a:stretch>
-                  <a:fillRect/>
+                  <a:fillRect t="-527" b="-922"/>
                 </a:stretch>
               </a:blipFill>
             </p:spPr>
@@ -6724,6 +6901,4431 @@
       </p:par>
     </p:tnLst>
   </p:timing>
+</p:sld>
+</file>
+
+<file path=ppt/slides/slide5.xml><?xml version="1.0" encoding="utf-8"?>
+<p:sld xmlns:a="http://schemas.openxmlformats.org/drawingml/2006/main" xmlns:r="http://schemas.openxmlformats.org/officeDocument/2006/relationships" xmlns:p="http://schemas.openxmlformats.org/presentationml/2006/main">
+  <p:cSld>
+    <p:spTree>
+      <p:nvGrpSpPr>
+        <p:cNvPr id="1" name=""/>
+        <p:cNvGrpSpPr/>
+        <p:nvPr/>
+      </p:nvGrpSpPr>
+      <p:grpSpPr>
+        <a:xfrm>
+          <a:off x="0" y="0"/>
+          <a:ext cx="0" cy="0"/>
+          <a:chOff x="0" y="0"/>
+          <a:chExt cx="0" cy="0"/>
+        </a:xfrm>
+      </p:grpSpPr>
+      <p:sp>
+        <p:nvSpPr>
+          <p:cNvPr id="2" name="Заголовок 1"/>
+          <p:cNvSpPr>
+            <a:spLocks noGrp="1"/>
+          </p:cNvSpPr>
+          <p:nvPr>
+            <p:ph type="title"/>
+          </p:nvPr>
+        </p:nvSpPr>
+        <p:spPr/>
+        <p:txBody>
+          <a:bodyPr>
+            <a:normAutofit/>
+          </a:bodyPr>
+          <a:lstStyle/>
+          <a:p>
+            <a:r>
+              <a:rPr lang="en-US" dirty="0"/>
+              <a:t>About </a:t>
+            </a:r>
+            <a:r>
+              <a:rPr lang="en-US" dirty="0" smtClean="0"/>
+              <a:t>Entropy</a:t>
+            </a:r>
+            <a:endParaRPr lang="ru-RU" dirty="0"/>
+          </a:p>
+        </p:txBody>
+      </p:sp>
+      <mc:AlternateContent xmlns:mc="http://schemas.openxmlformats.org/markup-compatibility/2006">
+        <mc:Choice xmlns:a14="http://schemas.microsoft.com/office/drawing/2010/main" Requires="a14">
+          <p:sp>
+            <p:nvSpPr>
+              <p:cNvPr id="3" name="Объект 2"/>
+              <p:cNvSpPr>
+                <a:spLocks noGrp="1"/>
+              </p:cNvSpPr>
+              <p:nvPr>
+                <p:ph idx="1"/>
+              </p:nvPr>
+            </p:nvSpPr>
+            <p:spPr/>
+            <p:txBody>
+              <a:bodyPr>
+                <a:normAutofit fontScale="62500" lnSpcReduction="20000"/>
+              </a:bodyPr>
+              <a:lstStyle/>
+              <a:p>
+                <a:pPr marL="118872" indent="0">
+                  <a:buNone/>
+                </a:pPr>
+                <a:r>
+                  <a:rPr lang="en-US" dirty="0" smtClean="0"/>
+                  <a:t>If X obtain random values with probabilities </a:t>
+                </a:r>
+                <a14:m>
+                  <m:oMath xmlns:m="http://schemas.openxmlformats.org/officeDocument/2006/math">
+                    <m:sSub>
+                      <m:sSubPr>
+                        <m:ctrlPr>
+                          <a:rPr lang="ru-RU">
+                            <a:latin typeface="Cambria Math"/>
+                          </a:rPr>
+                        </m:ctrlPr>
+                      </m:sSubPr>
+                      <m:e>
+                        <m:r>
+                          <m:rPr>
+                            <m:sty m:val="p"/>
+                          </m:rPr>
+                          <a:rPr lang="ru-RU" i="0">
+                            <a:latin typeface="Cambria Math"/>
+                          </a:rPr>
+                          <m:t>p</m:t>
+                        </m:r>
+                      </m:e>
+                      <m:sub>
+                        <m:r>
+                          <m:rPr>
+                            <m:sty m:val="p"/>
+                          </m:rPr>
+                          <a:rPr lang="ru-RU" i="0">
+                            <a:latin typeface="Cambria Math"/>
+                          </a:rPr>
+                          <m:t>i</m:t>
+                        </m:r>
+                      </m:sub>
+                    </m:sSub>
+                  </m:oMath>
+                </a14:m>
+                <a:endParaRPr lang="en-US" dirty="0" smtClean="0"/>
+              </a:p>
+              <a:p>
+                <a:pPr marL="118872" indent="0">
+                  <a:buNone/>
+                </a:pPr>
+                <a:endParaRPr lang="en-US" i="1" dirty="0" smtClean="0"/>
+              </a:p>
+              <a:p>
+                <a:pPr marL="118872" indent="0">
+                  <a:buNone/>
+                </a:pPr>
+                <a14:m>
+                  <m:oMath xmlns:m="http://schemas.openxmlformats.org/officeDocument/2006/math">
+                    <m:r>
+                      <a:rPr lang="en-US" i="1"/>
+                      <m:t>𝐻</m:t>
+                    </m:r>
+                    <m:d>
+                      <m:dPr>
+                        <m:begChr m:val="["/>
+                        <m:endChr m:val="]"/>
+                        <m:ctrlPr>
+                          <a:rPr lang="ru-RU" i="1"/>
+                        </m:ctrlPr>
+                      </m:dPr>
+                      <m:e>
+                        <m:r>
+                          <a:rPr lang="ru-RU" i="1"/>
+                          <m:t>𝑋</m:t>
+                        </m:r>
+                      </m:e>
+                    </m:d>
+                    <m:r>
+                      <a:rPr lang="en-US" i="1"/>
+                      <m:t>=−</m:t>
+                    </m:r>
+                    <m:nary>
+                      <m:naryPr>
+                        <m:chr m:val="∑"/>
+                        <m:limLoc m:val="undOvr"/>
+                        <m:ctrlPr>
+                          <a:rPr lang="ru-RU" i="1"/>
+                        </m:ctrlPr>
+                      </m:naryPr>
+                      <m:sub>
+                        <m:r>
+                          <a:rPr lang="ru-RU" i="1"/>
+                          <m:t>𝑖</m:t>
+                        </m:r>
+                      </m:sub>
+                      <m:sup/>
+                      <m:e>
+                        <m:sSub>
+                          <m:sSubPr>
+                            <m:ctrlPr>
+                              <a:rPr lang="ru-RU" i="1"/>
+                            </m:ctrlPr>
+                          </m:sSubPr>
+                          <m:e>
+                            <m:r>
+                              <a:rPr lang="ru-RU" i="1"/>
+                              <m:t>𝑝</m:t>
+                            </m:r>
+                          </m:e>
+                          <m:sub>
+                            <m:r>
+                              <a:rPr lang="ru-RU" i="1"/>
+                              <m:t>𝑖</m:t>
+                            </m:r>
+                          </m:sub>
+                        </m:sSub>
+                        <m:r>
+                          <a:rPr lang="en-US" i="1"/>
+                          <m:t>∙</m:t>
+                        </m:r>
+                        <m:func>
+                          <m:funcPr>
+                            <m:ctrlPr>
+                              <a:rPr lang="ru-RU" i="1"/>
+                            </m:ctrlPr>
+                          </m:funcPr>
+                          <m:fName>
+                            <m:r>
+                              <m:rPr>
+                                <m:sty m:val="p"/>
+                              </m:rPr>
+                              <a:rPr lang="en-US"/>
+                              <m:t>log</m:t>
+                            </m:r>
+                          </m:fName>
+                          <m:e>
+                            <m:d>
+                              <m:dPr>
+                                <m:ctrlPr>
+                                  <a:rPr lang="ru-RU" i="1"/>
+                                </m:ctrlPr>
+                              </m:dPr>
+                              <m:e>
+                                <m:sSub>
+                                  <m:sSubPr>
+                                    <m:ctrlPr>
+                                      <a:rPr lang="ru-RU" i="1"/>
+                                    </m:ctrlPr>
+                                  </m:sSubPr>
+                                  <m:e>
+                                    <m:r>
+                                      <a:rPr lang="ru-RU" i="1"/>
+                                      <m:t>𝑝</m:t>
+                                    </m:r>
+                                  </m:e>
+                                  <m:sub>
+                                    <m:r>
+                                      <a:rPr lang="ru-RU" i="1"/>
+                                      <m:t>𝑖</m:t>
+                                    </m:r>
+                                  </m:sub>
+                                </m:sSub>
+                              </m:e>
+                            </m:d>
+                          </m:e>
+                        </m:func>
+                      </m:e>
+                    </m:nary>
+                  </m:oMath>
+                </a14:m>
+                <a:r>
+                  <a:rPr lang="en-US" dirty="0" smtClean="0"/>
+                  <a:t> </a:t>
+                </a:r>
+              </a:p>
+              <a:p>
+                <a:pPr marL="118872" indent="0">
+                  <a:buNone/>
+                </a:pPr>
+                <a:endParaRPr lang="en-US" dirty="0" smtClean="0"/>
+              </a:p>
+              <a:p>
+                <a:pPr marL="118872" indent="0">
+                  <a:buNone/>
+                </a:pPr>
+                <a:r>
+                  <a:rPr lang="en-US" b="1" dirty="0" smtClean="0"/>
+                  <a:t>Agreements:</a:t>
+                </a:r>
+              </a:p>
+              <a:p>
+                <a:pPr marL="118872" indent="0">
+                  <a:buNone/>
+                </a:pPr>
+                <a:r>
+                  <a:rPr lang="en-US" dirty="0" smtClean="0"/>
+                  <a:t>1. </a:t>
+                </a:r>
+                <a14:m>
+                  <m:oMath xmlns:m="http://schemas.openxmlformats.org/officeDocument/2006/math">
+                    <m:r>
+                      <a:rPr lang="en-US" i="1"/>
+                      <m:t>0∙</m:t>
+                    </m:r>
+                    <m:func>
+                      <m:funcPr>
+                        <m:ctrlPr>
+                          <a:rPr lang="ru-RU" i="1"/>
+                        </m:ctrlPr>
+                      </m:funcPr>
+                      <m:fName>
+                        <m:r>
+                          <m:rPr>
+                            <m:sty m:val="p"/>
+                          </m:rPr>
+                          <a:rPr lang="en-US"/>
+                          <m:t>log</m:t>
+                        </m:r>
+                      </m:fName>
+                      <m:e>
+                        <m:d>
+                          <m:dPr>
+                            <m:ctrlPr>
+                              <a:rPr lang="ru-RU" i="1"/>
+                            </m:ctrlPr>
+                          </m:dPr>
+                          <m:e>
+                            <m:r>
+                              <a:rPr lang="en-US" i="1"/>
+                              <m:t>0</m:t>
+                            </m:r>
+                          </m:e>
+                        </m:d>
+                      </m:e>
+                    </m:func>
+                    <m:r>
+                      <a:rPr lang="en-US" i="1"/>
+                      <m:t>=0</m:t>
+                    </m:r>
+                  </m:oMath>
+                </a14:m>
+                <a:endParaRPr lang="en-US" dirty="0" smtClean="0"/>
+              </a:p>
+              <a:p>
+                <a:pPr marL="118872" indent="0">
+                  <a:buNone/>
+                </a:pPr>
+                <a:r>
+                  <a:rPr lang="en-US" dirty="0" smtClean="0"/>
+                  <a:t>2. And </a:t>
+                </a:r>
+                <a14:m>
+                  <m:oMath xmlns:m="http://schemas.openxmlformats.org/officeDocument/2006/math">
+                    <m:func>
+                      <m:funcPr>
+                        <m:ctrlPr>
+                          <a:rPr lang="ru-RU" i="1"/>
+                        </m:ctrlPr>
+                      </m:funcPr>
+                      <m:fName>
+                        <m:r>
+                          <m:rPr>
+                            <m:sty m:val="p"/>
+                          </m:rPr>
+                          <a:rPr lang="en-US"/>
+                          <m:t>log</m:t>
+                        </m:r>
+                      </m:fName>
+                      <m:e>
+                        <m:d>
+                          <m:dPr>
+                            <m:ctrlPr>
+                              <a:rPr lang="ru-RU" i="1"/>
+                            </m:ctrlPr>
+                          </m:dPr>
+                          <m:e>
+                            <m:sSub>
+                              <m:sSubPr>
+                                <m:ctrlPr>
+                                  <a:rPr lang="ru-RU" i="1"/>
+                                </m:ctrlPr>
+                              </m:sSubPr>
+                              <m:e>
+                                <m:r>
+                                  <a:rPr lang="ru-RU" i="1"/>
+                                  <m:t>𝑝</m:t>
+                                </m:r>
+                              </m:e>
+                              <m:sub>
+                                <m:r>
+                                  <a:rPr lang="ru-RU" i="1"/>
+                                  <m:t>𝑖</m:t>
+                                </m:r>
+                              </m:sub>
+                            </m:sSub>
+                          </m:e>
+                        </m:d>
+                      </m:e>
+                    </m:func>
+                  </m:oMath>
+                </a14:m>
+                <a:r>
+                  <a:rPr lang="ru-RU" dirty="0"/>
+                  <a:t> </a:t>
+                </a:r>
+                <a:r>
+                  <a:rPr lang="en-US" dirty="0"/>
+                  <a:t>usually means </a:t>
+                </a:r>
+                <a14:m>
+                  <m:oMath xmlns:m="http://schemas.openxmlformats.org/officeDocument/2006/math">
+                    <m:func>
+                      <m:funcPr>
+                        <m:ctrlPr>
+                          <a:rPr lang="ru-RU" i="1"/>
+                        </m:ctrlPr>
+                      </m:funcPr>
+                      <m:fName>
+                        <m:sSub>
+                          <m:sSubPr>
+                            <m:ctrlPr>
+                              <a:rPr lang="ru-RU" i="1"/>
+                            </m:ctrlPr>
+                          </m:sSubPr>
+                          <m:e>
+                            <m:r>
+                              <m:rPr>
+                                <m:sty m:val="p"/>
+                              </m:rPr>
+                              <a:rPr lang="en-US"/>
+                              <m:t>log</m:t>
+                            </m:r>
+                          </m:e>
+                          <m:sub>
+                            <m:r>
+                              <a:rPr lang="en-US"/>
+                              <m:t>2</m:t>
+                            </m:r>
+                          </m:sub>
+                        </m:sSub>
+                      </m:fName>
+                      <m:e>
+                        <m:d>
+                          <m:dPr>
+                            <m:ctrlPr>
+                              <a:rPr lang="ru-RU" i="1"/>
+                            </m:ctrlPr>
+                          </m:dPr>
+                          <m:e>
+                            <m:sSub>
+                              <m:sSubPr>
+                                <m:ctrlPr>
+                                  <a:rPr lang="ru-RU" i="1"/>
+                                </m:ctrlPr>
+                              </m:sSubPr>
+                              <m:e>
+                                <m:r>
+                                  <a:rPr lang="ru-RU" i="1"/>
+                                  <m:t>𝑝</m:t>
+                                </m:r>
+                              </m:e>
+                              <m:sub>
+                                <m:r>
+                                  <a:rPr lang="ru-RU" i="1"/>
+                                  <m:t>𝑖</m:t>
+                                </m:r>
+                              </m:sub>
+                            </m:sSub>
+                          </m:e>
+                        </m:d>
+                      </m:e>
+                    </m:func>
+                  </m:oMath>
+                </a14:m>
+                <a:endParaRPr lang="en-US" dirty="0" smtClean="0"/>
+              </a:p>
+              <a:p>
+                <a:pPr marL="118872" indent="0">
+                  <a:buNone/>
+                </a:pPr>
+                <a:endParaRPr lang="en-US" dirty="0" smtClean="0"/>
+              </a:p>
+              <a:p>
+                <a:pPr marL="118872" indent="0">
+                  <a:buNone/>
+                </a:pPr>
+                <a:r>
+                  <a:rPr lang="en-US" b="1" dirty="0" smtClean="0"/>
+                  <a:t>Properties</a:t>
+                </a:r>
+                <a:endParaRPr lang="en-US" b="1" dirty="0"/>
+              </a:p>
+              <a:p>
+                <a:pPr marL="633222" indent="-514350">
+                  <a:buAutoNum type="arabicPeriod"/>
+                </a:pPr>
+                <a:r>
+                  <a:rPr lang="en-US" dirty="0" smtClean="0"/>
+                  <a:t>Entropy </a:t>
+                </a:r>
+                <a:r>
+                  <a:rPr lang="en-US" dirty="0"/>
+                  <a:t>does not depend on the values of a random variable, but is determined by the </a:t>
+                </a:r>
+                <a:r>
+                  <a:rPr lang="en-US" dirty="0" smtClean="0"/>
+                  <a:t>probabilities</a:t>
+                </a:r>
+              </a:p>
+              <a:p>
+                <a:pPr marL="633222" indent="-514350">
+                  <a:buAutoNum type="arabicPeriod"/>
+                </a:pPr>
+                <a:endParaRPr lang="en-US" dirty="0"/>
+              </a:p>
+              <a:p>
+                <a:pPr marL="633222" indent="-514350">
+                  <a:buAutoNum type="arabicPeriod"/>
+                </a:pPr>
+                <a14:m>
+                  <m:oMath xmlns:m="http://schemas.openxmlformats.org/officeDocument/2006/math">
+                    <m:sSub>
+                      <m:sSubPr>
+                        <m:ctrlPr>
+                          <a:rPr lang="ru-RU" i="1"/>
+                        </m:ctrlPr>
+                      </m:sSubPr>
+                      <m:e>
+                        <m:r>
+                          <a:rPr lang="ru-RU" i="1"/>
+                          <m:t>𝑝</m:t>
+                        </m:r>
+                      </m:e>
+                      <m:sub>
+                        <m:r>
+                          <a:rPr lang="ru-RU" i="1"/>
+                          <m:t>𝑖</m:t>
+                        </m:r>
+                      </m:sub>
+                    </m:sSub>
+                    <m:r>
+                      <a:rPr lang="en-US" i="1"/>
+                      <m:t>=</m:t>
+                    </m:r>
+                    <m:f>
+                      <m:fPr>
+                        <m:ctrlPr>
+                          <a:rPr lang="ru-RU" i="1"/>
+                        </m:ctrlPr>
+                      </m:fPr>
+                      <m:num>
+                        <m:r>
+                          <a:rPr lang="en-US" i="1"/>
+                          <m:t>1</m:t>
+                        </m:r>
+                      </m:num>
+                      <m:den>
+                        <m:r>
+                          <a:rPr lang="en-US" i="1"/>
+                          <m:t>𝑛</m:t>
+                        </m:r>
+                      </m:den>
+                    </m:f>
+                  </m:oMath>
+                </a14:m>
+                <a:r>
+                  <a:rPr lang="en-US" dirty="0"/>
+                  <a:t> =&gt; </a:t>
+                </a:r>
+                <a14:m>
+                  <m:oMath xmlns:m="http://schemas.openxmlformats.org/officeDocument/2006/math">
+                    <m:r>
+                      <a:rPr lang="en-US" i="1"/>
+                      <m:t>𝐻</m:t>
+                    </m:r>
+                    <m:d>
+                      <m:dPr>
+                        <m:begChr m:val="["/>
+                        <m:endChr m:val="]"/>
+                        <m:ctrlPr>
+                          <a:rPr lang="ru-RU" i="1"/>
+                        </m:ctrlPr>
+                      </m:dPr>
+                      <m:e>
+                        <m:r>
+                          <a:rPr lang="ru-RU" i="1"/>
+                          <m:t>𝑋</m:t>
+                        </m:r>
+                      </m:e>
+                    </m:d>
+                    <m:r>
+                      <a:rPr lang="en-US" i="1"/>
+                      <m:t>=−</m:t>
+                    </m:r>
+                    <m:nary>
+                      <m:naryPr>
+                        <m:chr m:val="∑"/>
+                        <m:limLoc m:val="undOvr"/>
+                        <m:ctrlPr>
+                          <a:rPr lang="ru-RU" i="1"/>
+                        </m:ctrlPr>
+                      </m:naryPr>
+                      <m:sub>
+                        <m:r>
+                          <a:rPr lang="ru-RU" i="1"/>
+                          <m:t>𝑖</m:t>
+                        </m:r>
+                      </m:sub>
+                      <m:sup/>
+                      <m:e>
+                        <m:f>
+                          <m:fPr>
+                            <m:ctrlPr>
+                              <a:rPr lang="ru-RU" i="1"/>
+                            </m:ctrlPr>
+                          </m:fPr>
+                          <m:num>
+                            <m:r>
+                              <a:rPr lang="en-US" i="1"/>
+                              <m:t>1</m:t>
+                            </m:r>
+                          </m:num>
+                          <m:den>
+                            <m:r>
+                              <a:rPr lang="ru-RU" i="1"/>
+                              <m:t>𝑛</m:t>
+                            </m:r>
+                          </m:den>
+                        </m:f>
+                        <m:r>
+                          <a:rPr lang="en-US" i="1"/>
+                          <m:t>∙</m:t>
+                        </m:r>
+                        <m:func>
+                          <m:funcPr>
+                            <m:ctrlPr>
+                              <a:rPr lang="ru-RU" i="1"/>
+                            </m:ctrlPr>
+                          </m:funcPr>
+                          <m:fName>
+                            <m:r>
+                              <m:rPr>
+                                <m:sty m:val="p"/>
+                              </m:rPr>
+                              <a:rPr lang="en-US"/>
+                              <m:t>log</m:t>
+                            </m:r>
+                          </m:fName>
+                          <m:e>
+                            <m:d>
+                              <m:dPr>
+                                <m:ctrlPr>
+                                  <a:rPr lang="ru-RU" i="1"/>
+                                </m:ctrlPr>
+                              </m:dPr>
+                              <m:e>
+                                <m:f>
+                                  <m:fPr>
+                                    <m:ctrlPr>
+                                      <a:rPr lang="ru-RU" i="1"/>
+                                    </m:ctrlPr>
+                                  </m:fPr>
+                                  <m:num>
+                                    <m:r>
+                                      <a:rPr lang="en-US" i="1"/>
+                                      <m:t>1</m:t>
+                                    </m:r>
+                                  </m:num>
+                                  <m:den>
+                                    <m:r>
+                                      <a:rPr lang="ru-RU" i="1"/>
+                                      <m:t>𝑛</m:t>
+                                    </m:r>
+                                  </m:den>
+                                </m:f>
+                              </m:e>
+                            </m:d>
+                          </m:e>
+                        </m:func>
+                      </m:e>
+                    </m:nary>
+                    <m:r>
+                      <a:rPr lang="en-US" i="1"/>
+                      <m:t>=−</m:t>
+                    </m:r>
+                    <m:func>
+                      <m:funcPr>
+                        <m:ctrlPr>
+                          <a:rPr lang="ru-RU" i="1"/>
+                        </m:ctrlPr>
+                      </m:funcPr>
+                      <m:fName>
+                        <m:r>
+                          <m:rPr>
+                            <m:sty m:val="p"/>
+                          </m:rPr>
+                          <a:rPr lang="en-US"/>
+                          <m:t>log</m:t>
+                        </m:r>
+                      </m:fName>
+                      <m:e>
+                        <m:d>
+                          <m:dPr>
+                            <m:ctrlPr>
+                              <a:rPr lang="ru-RU" i="1"/>
+                            </m:ctrlPr>
+                          </m:dPr>
+                          <m:e>
+                            <m:f>
+                              <m:fPr>
+                                <m:ctrlPr>
+                                  <a:rPr lang="ru-RU" i="1"/>
+                                </m:ctrlPr>
+                              </m:fPr>
+                              <m:num>
+                                <m:r>
+                                  <a:rPr lang="en-US" i="1"/>
+                                  <m:t>1</m:t>
+                                </m:r>
+                              </m:num>
+                              <m:den>
+                                <m:r>
+                                  <a:rPr lang="ru-RU" i="1"/>
+                                  <m:t>𝑛</m:t>
+                                </m:r>
+                              </m:den>
+                            </m:f>
+                          </m:e>
+                        </m:d>
+                      </m:e>
+                    </m:func>
+                    <m:r>
+                      <a:rPr lang="en-US" i="1"/>
+                      <m:t>=</m:t>
+                    </m:r>
+                    <m:r>
+                      <m:rPr>
+                        <m:sty m:val="p"/>
+                      </m:rPr>
+                      <a:rPr lang="en-US"/>
+                      <m:t>log</m:t>
+                    </m:r>
+                    <m:d>
+                      <m:dPr>
+                        <m:ctrlPr>
+                          <a:rPr lang="en-US" b="0" i="1" smtClean="0">
+                            <a:latin typeface="Cambria Math"/>
+                          </a:rPr>
+                        </m:ctrlPr>
+                      </m:dPr>
+                      <m:e>
+                        <m:r>
+                          <a:rPr lang="en-US" b="0" i="1" smtClean="0">
+                            <a:latin typeface="Cambria Math"/>
+                          </a:rPr>
+                          <m:t>𝑛</m:t>
+                        </m:r>
+                      </m:e>
+                    </m:d>
+                  </m:oMath>
+                </a14:m>
+                <a:endParaRPr lang="en-US" b="0" i="1" dirty="0" smtClean="0">
+                  <a:latin typeface="Cambria Math"/>
+                </a:endParaRPr>
+              </a:p>
+              <a:p>
+                <a:pPr marL="633222" indent="-514350">
+                  <a:buAutoNum type="arabicPeriod"/>
+                </a:pPr>
+                <a:endParaRPr lang="en-US" dirty="0" smtClean="0"/>
+              </a:p>
+              <a:p>
+                <a:pPr marL="633222" indent="-514350">
+                  <a:buAutoNum type="arabicPeriod"/>
+                </a:pPr>
+                <a:r>
+                  <a:rPr lang="en-US" dirty="0" smtClean="0"/>
+                  <a:t>Minimum </a:t>
+                </a:r>
+                <a:r>
+                  <a:rPr lang="en-US" dirty="0"/>
+                  <a:t>value of entropy attained when distribution  </a:t>
+                </a:r>
+                <a14:m>
+                  <m:oMath xmlns:m="http://schemas.openxmlformats.org/officeDocument/2006/math">
+                    <m:r>
+                      <a:rPr lang="ru-RU" i="1"/>
+                      <m:t>𝑝</m:t>
+                    </m:r>
+                  </m:oMath>
+                </a14:m>
+                <a:r>
+                  <a:rPr lang="en-US" dirty="0"/>
+                  <a:t> has form of discrete-delta </a:t>
+                </a:r>
+                <a:r>
+                  <a:rPr lang="en-US" dirty="0" smtClean="0"/>
+                  <a:t>function </a:t>
+                </a:r>
+                <a14:m>
+                  <m:oMath xmlns:m="http://schemas.openxmlformats.org/officeDocument/2006/math">
+                    <m:r>
+                      <a:rPr lang="ru-RU" i="1"/>
+                      <m:t>𝑝</m:t>
+                    </m:r>
+                    <m:r>
+                      <a:rPr lang="en-US" i="1"/>
+                      <m:t>=[0,0,..,0,1,0,..0]</m:t>
+                    </m:r>
+                  </m:oMath>
+                </a14:m>
+                <a:r>
+                  <a:rPr lang="en-US" dirty="0"/>
+                  <a:t> </a:t>
+                </a:r>
+                <a:endParaRPr lang="en-US" dirty="0" smtClean="0"/>
+              </a:p>
+              <a:p>
+                <a:pPr marL="118872" indent="0">
+                  <a:buNone/>
+                </a:pPr>
+                <a:r>
+                  <a:rPr lang="en-US" dirty="0" smtClean="0"/>
+                  <a:t> </a:t>
+                </a:r>
+              </a:p>
+              <a:p>
+                <a:pPr marL="118872" indent="0">
+                  <a:buNone/>
+                </a:pPr>
+                <a:endParaRPr lang="ru-RU" dirty="0"/>
+              </a:p>
+              <a:p>
+                <a:pPr marL="118872" indent="0">
+                  <a:buNone/>
+                </a:pPr>
+                <a:endParaRPr lang="ru-RU" dirty="0"/>
+              </a:p>
+              <a:p>
+                <a:pPr marL="118872" indent="0">
+                  <a:buNone/>
+                </a:pPr>
+                <a:endParaRPr lang="ru-RU" dirty="0"/>
+              </a:p>
+            </p:txBody>
+          </p:sp>
+        </mc:Choice>
+        <mc:Fallback>
+          <p:sp>
+            <p:nvSpPr>
+              <p:cNvPr id="3" name="Объект 2"/>
+              <p:cNvSpPr>
+                <a:spLocks noGrp="1" noRot="1" noChangeAspect="1" noMove="1" noResize="1" noEditPoints="1" noAdjustHandles="1" noChangeArrowheads="1" noChangeShapeType="1" noTextEdit="1"/>
+              </p:cNvSpPr>
+              <p:nvPr>
+                <p:ph idx="1"/>
+              </p:nvPr>
+            </p:nvSpPr>
+            <p:spPr>
+              <a:blipFill rotWithShape="1">
+                <a:blip r:embed="rId2"/>
+                <a:stretch>
+                  <a:fillRect t="-791"/>
+                </a:stretch>
+              </a:blipFill>
+            </p:spPr>
+            <p:txBody>
+              <a:bodyPr/>
+              <a:lstStyle/>
+              <a:p>
+                <a:r>
+                  <a:rPr lang="ru-RU">
+                    <a:noFill/>
+                  </a:rPr>
+                  <a:t> </a:t>
+                </a:r>
+              </a:p>
+            </p:txBody>
+          </p:sp>
+        </mc:Fallback>
+      </mc:AlternateContent>
+      <p:sp>
+        <p:nvSpPr>
+          <p:cNvPr id="4" name="Номер слайда 3"/>
+          <p:cNvSpPr>
+            <a:spLocks noGrp="1"/>
+          </p:cNvSpPr>
+          <p:nvPr>
+            <p:ph type="sldNum" sz="quarter" idx="12"/>
+          </p:nvPr>
+        </p:nvSpPr>
+        <p:spPr/>
+        <p:txBody>
+          <a:bodyPr/>
+          <a:lstStyle/>
+          <a:p>
+            <a:fld id="{C453EA42-BA89-4D45-B3D1-7EC11C308921}" type="slidenum">
+              <a:rPr lang="ru-RU" smtClean="0"/>
+              <a:t>5</a:t>
+            </a:fld>
+            <a:endParaRPr lang="ru-RU"/>
+          </a:p>
+        </p:txBody>
+      </p:sp>
+    </p:spTree>
+    <p:extLst>
+      <p:ext uri="{BB962C8B-B14F-4D97-AF65-F5344CB8AC3E}">
+        <p14:creationId xmlns:p14="http://schemas.microsoft.com/office/powerpoint/2010/main" val="2942545221"/>
+      </p:ext>
+    </p:extLst>
+  </p:cSld>
+  <p:clrMapOvr>
+    <a:masterClrMapping/>
+  </p:clrMapOvr>
+</p:sld>
+</file>
+
+<file path=ppt/slides/slide6.xml><?xml version="1.0" encoding="utf-8"?>
+<p:sld xmlns:a="http://schemas.openxmlformats.org/drawingml/2006/main" xmlns:r="http://schemas.openxmlformats.org/officeDocument/2006/relationships" xmlns:p="http://schemas.openxmlformats.org/presentationml/2006/main">
+  <p:cSld>
+    <p:spTree>
+      <p:nvGrpSpPr>
+        <p:cNvPr id="1" name=""/>
+        <p:cNvGrpSpPr/>
+        <p:nvPr/>
+      </p:nvGrpSpPr>
+      <p:grpSpPr>
+        <a:xfrm>
+          <a:off x="0" y="0"/>
+          <a:ext cx="0" cy="0"/>
+          <a:chOff x="0" y="0"/>
+          <a:chExt cx="0" cy="0"/>
+        </a:xfrm>
+      </p:grpSpPr>
+      <p:sp>
+        <p:nvSpPr>
+          <p:cNvPr id="2" name="Заголовок 1"/>
+          <p:cNvSpPr>
+            <a:spLocks noGrp="1"/>
+          </p:cNvSpPr>
+          <p:nvPr>
+            <p:ph type="title"/>
+          </p:nvPr>
+        </p:nvSpPr>
+        <p:spPr/>
+        <p:txBody>
+          <a:bodyPr>
+            <a:normAutofit fontScale="90000"/>
+          </a:bodyPr>
+          <a:lstStyle/>
+          <a:p>
+            <a:r>
+              <a:rPr lang="en-US" dirty="0" err="1"/>
+              <a:t>Kullback-Leibler</a:t>
+            </a:r>
+            <a:r>
+              <a:rPr lang="en-US" dirty="0"/>
+              <a:t> (KL) divergence or relative entropy</a:t>
+            </a:r>
+            <a:endParaRPr lang="ru-RU" dirty="0"/>
+          </a:p>
+        </p:txBody>
+      </p:sp>
+      <mc:AlternateContent xmlns:mc="http://schemas.openxmlformats.org/markup-compatibility/2006">
+        <mc:Choice xmlns:a14="http://schemas.microsoft.com/office/drawing/2010/main" Requires="a14">
+          <p:sp>
+            <p:nvSpPr>
+              <p:cNvPr id="3" name="Объект 2"/>
+              <p:cNvSpPr>
+                <a:spLocks noGrp="1"/>
+              </p:cNvSpPr>
+              <p:nvPr>
+                <p:ph idx="1"/>
+              </p:nvPr>
+            </p:nvSpPr>
+            <p:spPr/>
+            <p:txBody>
+              <a:bodyPr>
+                <a:normAutofit fontScale="70000" lnSpcReduction="20000"/>
+              </a:bodyPr>
+              <a:lstStyle/>
+              <a:p>
+                <a:pPr marL="118872" indent="0">
+                  <a:buNone/>
+                </a:pPr>
+                <a14:m>
+                  <m:oMath xmlns:m="http://schemas.openxmlformats.org/officeDocument/2006/math">
+                    <m:r>
+                      <a:rPr lang="en-US" i="1" smtClean="0"/>
+                      <m:t>𝐾𝐿</m:t>
+                    </m:r>
+                    <m:d>
+                      <m:dPr>
+                        <m:ctrlPr>
+                          <a:rPr lang="ru-RU" i="1"/>
+                        </m:ctrlPr>
+                      </m:dPr>
+                      <m:e>
+                        <m:r>
+                          <a:rPr lang="en-US" i="1"/>
+                          <m:t>𝑃</m:t>
+                        </m:r>
+                        <m:r>
+                          <a:rPr lang="en-US" i="1"/>
+                          <m:t>||</m:t>
+                        </m:r>
+                        <m:r>
+                          <a:rPr lang="en-US" i="1"/>
+                          <m:t>𝑄</m:t>
+                        </m:r>
+                      </m:e>
+                    </m:d>
+                    <m:r>
+                      <a:rPr lang="en-US" i="1"/>
+                      <m:t>=</m:t>
+                    </m:r>
+                    <m:nary>
+                      <m:naryPr>
+                        <m:chr m:val="∑"/>
+                        <m:limLoc m:val="undOvr"/>
+                        <m:ctrlPr>
+                          <a:rPr lang="ru-RU" i="1"/>
+                        </m:ctrlPr>
+                      </m:naryPr>
+                      <m:sub>
+                        <m:r>
+                          <a:rPr lang="en-US" i="1"/>
+                          <m:t>𝑥</m:t>
+                        </m:r>
+                      </m:sub>
+                      <m:sup/>
+                      <m:e>
+                        <m:r>
+                          <a:rPr lang="en-US" i="1"/>
+                          <m:t>𝑃</m:t>
+                        </m:r>
+                        <m:d>
+                          <m:dPr>
+                            <m:ctrlPr>
+                              <a:rPr lang="ru-RU" i="1"/>
+                            </m:ctrlPr>
+                          </m:dPr>
+                          <m:e>
+                            <m:r>
+                              <a:rPr lang="en-US" i="1"/>
+                              <m:t>𝑥</m:t>
+                            </m:r>
+                          </m:e>
+                        </m:d>
+                        <m:r>
+                          <m:rPr>
+                            <m:sty m:val="p"/>
+                          </m:rPr>
+                          <a:rPr lang="en-US"/>
+                          <m:t>log</m:t>
+                        </m:r>
+                        <m:d>
+                          <m:dPr>
+                            <m:ctrlPr>
+                              <a:rPr lang="en-US" b="0" i="0" smtClean="0">
+                                <a:latin typeface="Cambria Math"/>
+                              </a:rPr>
+                            </m:ctrlPr>
+                          </m:dPr>
+                          <m:e>
+                            <m:f>
+                              <m:fPr>
+                                <m:ctrlPr>
+                                  <a:rPr lang="ru-RU" i="1">
+                                    <a:latin typeface="Cambria Math"/>
+                                  </a:rPr>
+                                </m:ctrlPr>
+                              </m:fPr>
+                              <m:num>
+                                <m:r>
+                                  <a:rPr lang="en-US" i="1">
+                                    <a:latin typeface="Cambria Math"/>
+                                  </a:rPr>
+                                  <m:t>𝑃</m:t>
+                                </m:r>
+                                <m:d>
+                                  <m:dPr>
+                                    <m:ctrlPr>
+                                      <a:rPr lang="en-US" i="1">
+                                        <a:latin typeface="Cambria Math"/>
+                                      </a:rPr>
+                                    </m:ctrlPr>
+                                  </m:dPr>
+                                  <m:e>
+                                    <m:r>
+                                      <a:rPr lang="en-US" i="1">
+                                        <a:latin typeface="Cambria Math"/>
+                                      </a:rPr>
+                                      <m:t>𝑥</m:t>
+                                    </m:r>
+                                  </m:e>
+                                </m:d>
+                              </m:num>
+                              <m:den>
+                                <m:r>
+                                  <a:rPr lang="en-US" i="1">
+                                    <a:latin typeface="Cambria Math"/>
+                                  </a:rPr>
+                                  <m:t>𝑄</m:t>
+                                </m:r>
+                                <m:d>
+                                  <m:dPr>
+                                    <m:ctrlPr>
+                                      <a:rPr lang="en-US" i="1">
+                                        <a:latin typeface="Cambria Math"/>
+                                      </a:rPr>
+                                    </m:ctrlPr>
+                                  </m:dPr>
+                                  <m:e>
+                                    <m:r>
+                                      <a:rPr lang="en-US" i="1">
+                                        <a:latin typeface="Cambria Math"/>
+                                      </a:rPr>
+                                      <m:t>𝑥</m:t>
+                                    </m:r>
+                                  </m:e>
+                                </m:d>
+                              </m:den>
+                            </m:f>
+                          </m:e>
+                        </m:d>
+                      </m:e>
+                    </m:nary>
+                  </m:oMath>
+                </a14:m>
+                <a:r>
+                  <a:rPr lang="en-US" dirty="0" smtClean="0"/>
+                  <a:t> </a:t>
+                </a:r>
+              </a:p>
+              <a:p>
+                <a:pPr marL="118872" indent="0">
+                  <a:buNone/>
+                </a:pPr>
+                <a:endParaRPr lang="en-US" dirty="0" smtClean="0"/>
+              </a:p>
+              <a:p>
+                <a:pPr marL="118872" indent="0">
+                  <a:buNone/>
+                </a:pPr>
+                <a:r>
+                  <a:rPr lang="en-US" b="1" dirty="0" smtClean="0"/>
+                  <a:t>Assumptions</a:t>
+                </a:r>
+              </a:p>
+              <a:p>
+                <a:r>
+                  <a:rPr lang="en-US" dirty="0" smtClean="0"/>
+                  <a:t> </a:t>
+                </a:r>
+                <a14:m>
+                  <m:oMath xmlns:m="http://schemas.openxmlformats.org/officeDocument/2006/math">
+                    <m:r>
+                      <a:rPr lang="en-US" i="1"/>
+                      <m:t>0</m:t>
+                    </m:r>
+                    <m:func>
+                      <m:funcPr>
+                        <m:ctrlPr>
+                          <a:rPr lang="ru-RU" i="1"/>
+                        </m:ctrlPr>
+                      </m:funcPr>
+                      <m:fName>
+                        <m:r>
+                          <m:rPr>
+                            <m:sty m:val="p"/>
+                          </m:rPr>
+                          <a:rPr lang="en-US"/>
+                          <m:t>log</m:t>
+                        </m:r>
+                      </m:fName>
+                      <m:e>
+                        <m:d>
+                          <m:dPr>
+                            <m:ctrlPr>
+                              <a:rPr lang="ru-RU" i="1"/>
+                            </m:ctrlPr>
+                          </m:dPr>
+                          <m:e>
+                            <m:f>
+                              <m:fPr>
+                                <m:ctrlPr>
+                                  <a:rPr lang="ru-RU" i="1"/>
+                                </m:ctrlPr>
+                              </m:fPr>
+                              <m:num>
+                                <m:r>
+                                  <a:rPr lang="en-US" i="1"/>
+                                  <m:t>0</m:t>
+                                </m:r>
+                              </m:num>
+                              <m:den>
+                                <m:r>
+                                  <a:rPr lang="en-US" i="1"/>
+                                  <m:t>0</m:t>
+                                </m:r>
+                              </m:den>
+                            </m:f>
+                          </m:e>
+                        </m:d>
+                      </m:e>
+                    </m:func>
+                    <m:r>
+                      <a:rPr lang="en-US" i="1"/>
+                      <m:t>=</m:t>
+                    </m:r>
+                    <m:r>
+                      <a:rPr lang="en-US" i="1"/>
+                      <m:t>0</m:t>
+                    </m:r>
+                  </m:oMath>
+                </a14:m>
+                <a:endParaRPr lang="en-US" dirty="0" smtClean="0"/>
+              </a:p>
+              <a:p>
+                <a:pPr marL="118872" indent="0">
+                  <a:buNone/>
+                </a:pPr>
+                <a:endParaRPr lang="ru-RU" dirty="0"/>
+              </a:p>
+              <a:p>
+                <a:r>
+                  <a:rPr lang="en-US" dirty="0" smtClean="0"/>
+                  <a:t> </a:t>
+                </a:r>
+                <a14:m>
+                  <m:oMath xmlns:m="http://schemas.openxmlformats.org/officeDocument/2006/math">
+                    <m:r>
+                      <a:rPr lang="en-US" i="1"/>
+                      <m:t>𝑝</m:t>
+                    </m:r>
+                    <m:func>
+                      <m:funcPr>
+                        <m:ctrlPr>
+                          <a:rPr lang="ru-RU" i="1"/>
+                        </m:ctrlPr>
+                      </m:funcPr>
+                      <m:fName>
+                        <m:r>
+                          <m:rPr>
+                            <m:sty m:val="p"/>
+                          </m:rPr>
+                          <a:rPr lang="en-US"/>
+                          <m:t>log</m:t>
+                        </m:r>
+                      </m:fName>
+                      <m:e>
+                        <m:d>
+                          <m:dPr>
+                            <m:ctrlPr>
+                              <a:rPr lang="ru-RU" i="1"/>
+                            </m:ctrlPr>
+                          </m:dPr>
+                          <m:e>
+                            <m:f>
+                              <m:fPr>
+                                <m:ctrlPr>
+                                  <a:rPr lang="ru-RU" i="1"/>
+                                </m:ctrlPr>
+                              </m:fPr>
+                              <m:num>
+                                <m:r>
+                                  <a:rPr lang="en-US" i="1"/>
+                                  <m:t>𝑝</m:t>
+                                </m:r>
+                              </m:num>
+                              <m:den>
+                                <m:r>
+                                  <a:rPr lang="en-US" i="1"/>
+                                  <m:t>0</m:t>
+                                </m:r>
+                              </m:den>
+                            </m:f>
+                          </m:e>
+                        </m:d>
+                      </m:e>
+                    </m:func>
+                    <m:r>
+                      <a:rPr lang="en-US" i="1"/>
+                      <m:t>=∞,</m:t>
+                    </m:r>
+                    <m:r>
+                      <a:rPr lang="en-US" i="1"/>
+                      <m:t>𝑓𝑜𝑟</m:t>
+                    </m:r>
+                    <m:r>
+                      <a:rPr lang="en-US" i="1"/>
+                      <m:t> </m:t>
+                    </m:r>
+                    <m:r>
+                      <a:rPr lang="en-US" i="1"/>
+                      <m:t>𝑎𝑛𝑦</m:t>
+                    </m:r>
+                    <m:r>
+                      <a:rPr lang="en-US" i="1"/>
+                      <m:t> </m:t>
+                    </m:r>
+                    <m:r>
+                      <a:rPr lang="en-US" i="1"/>
+                      <m:t>𝑝</m:t>
+                    </m:r>
+                    <m:r>
+                      <a:rPr lang="en-US" i="1"/>
+                      <m:t>≠</m:t>
+                    </m:r>
+                    <m:r>
+                      <a:rPr lang="en-US" i="1"/>
+                      <m:t>0</m:t>
+                    </m:r>
+                  </m:oMath>
+                </a14:m>
+                <a:r>
+                  <a:rPr lang="en-US" dirty="0"/>
+                  <a:t> </a:t>
+                </a:r>
+                <a:endParaRPr lang="ru-RU" dirty="0"/>
+              </a:p>
+              <a:p>
+                <a:pPr marL="118872" indent="0">
+                  <a:buNone/>
+                </a:pPr>
+                <a:endParaRPr lang="en-US" dirty="0" smtClean="0"/>
+              </a:p>
+              <a:p>
+                <a:pPr marL="118872" indent="0">
+                  <a:buNone/>
+                </a:pPr>
+                <a:r>
+                  <a:rPr lang="en-US" b="1" dirty="0" smtClean="0"/>
+                  <a:t>Properties</a:t>
+                </a:r>
+              </a:p>
+              <a:p>
+                <a:pPr lvl="0"/>
+                <a14:m>
+                  <m:oMath xmlns:m="http://schemas.openxmlformats.org/officeDocument/2006/math">
+                    <m:r>
+                      <a:rPr lang="en-US" i="1"/>
+                      <m:t>𝐾𝐿</m:t>
+                    </m:r>
+                    <m:d>
+                      <m:dPr>
+                        <m:ctrlPr>
+                          <a:rPr lang="ru-RU" i="1"/>
+                        </m:ctrlPr>
+                      </m:dPr>
+                      <m:e>
+                        <m:r>
+                          <a:rPr lang="en-US" i="1"/>
+                          <m:t>𝑝</m:t>
+                        </m:r>
+                        <m:r>
+                          <a:rPr lang="en-US" i="1"/>
+                          <m:t>||</m:t>
+                        </m:r>
+                        <m:r>
+                          <a:rPr lang="en-US" i="1"/>
+                          <m:t>𝑞</m:t>
+                        </m:r>
+                      </m:e>
+                    </m:d>
+                    <m:r>
+                      <a:rPr lang="en-US" i="1"/>
+                      <m:t>≥</m:t>
+                    </m:r>
+                    <m:r>
+                      <a:rPr lang="en-US" i="1"/>
+                      <m:t>0</m:t>
+                    </m:r>
+                  </m:oMath>
+                </a14:m>
+                <a:endParaRPr lang="en-US" dirty="0" smtClean="0"/>
+              </a:p>
+              <a:p>
+                <a:pPr marL="118872" lvl="0" indent="0">
+                  <a:buNone/>
+                </a:pPr>
+                <a:endParaRPr lang="ru-RU" dirty="0"/>
+              </a:p>
+              <a:p>
+                <a:pPr lvl="0"/>
+                <a14:m>
+                  <m:oMath xmlns:m="http://schemas.openxmlformats.org/officeDocument/2006/math">
+                    <m:r>
+                      <a:rPr lang="en-US" i="1"/>
+                      <m:t>𝐾𝐿</m:t>
+                    </m:r>
+                    <m:d>
+                      <m:dPr>
+                        <m:ctrlPr>
+                          <a:rPr lang="ru-RU" i="1"/>
+                        </m:ctrlPr>
+                      </m:dPr>
+                      <m:e>
+                        <m:r>
+                          <a:rPr lang="en-US" i="1"/>
+                          <m:t>𝑝</m:t>
+                        </m:r>
+                        <m:r>
+                          <a:rPr lang="en-US" i="1"/>
+                          <m:t>||</m:t>
+                        </m:r>
+                        <m:r>
+                          <a:rPr lang="en-US" i="1"/>
+                          <m:t>𝑞</m:t>
+                        </m:r>
+                      </m:e>
+                    </m:d>
+                    <m:r>
+                      <a:rPr lang="en-US" i="1"/>
+                      <m:t>=</m:t>
+                    </m:r>
+                    <m:r>
+                      <a:rPr lang="en-US" i="1"/>
+                      <m:t>0</m:t>
+                    </m:r>
+                    <m:r>
+                      <a:rPr lang="en-US" i="1"/>
+                      <m:t> &lt;=&gt; </m:t>
+                    </m:r>
+                    <m:r>
+                      <a:rPr lang="en-US" i="1"/>
+                      <m:t>𝑝</m:t>
+                    </m:r>
+                    <m:r>
+                      <a:rPr lang="en-US" i="1"/>
+                      <m:t>=</m:t>
+                    </m:r>
+                    <m:r>
+                      <a:rPr lang="en-US" i="1"/>
+                      <m:t>𝑞</m:t>
+                    </m:r>
+                  </m:oMath>
+                </a14:m>
+                <a:r>
+                  <a:rPr lang="en-US" dirty="0"/>
+                  <a:t>, i.e. if distributions are </a:t>
+                </a:r>
+                <a:r>
+                  <a:rPr lang="en-US" dirty="0" smtClean="0"/>
+                  <a:t>identical</a:t>
+                </a:r>
+              </a:p>
+              <a:p>
+                <a:pPr marL="118872" lvl="0" indent="0">
+                  <a:buNone/>
+                </a:pPr>
+                <a:endParaRPr lang="ru-RU" dirty="0"/>
+              </a:p>
+              <a:p>
+                <a:pPr lvl="0"/>
+                <a14:m>
+                  <m:oMath xmlns:m="http://schemas.openxmlformats.org/officeDocument/2006/math">
+                    <m:r>
+                      <a:rPr lang="en-US" i="1"/>
+                      <m:t>𝐾𝐿</m:t>
+                    </m:r>
+                    <m:d>
+                      <m:dPr>
+                        <m:ctrlPr>
+                          <a:rPr lang="ru-RU" i="1"/>
+                        </m:ctrlPr>
+                      </m:dPr>
+                      <m:e>
+                        <m:r>
+                          <a:rPr lang="en-US" i="1"/>
+                          <m:t>𝑝</m:t>
+                        </m:r>
+                        <m:r>
+                          <a:rPr lang="en-US" i="1"/>
+                          <m:t>||</m:t>
+                        </m:r>
+                        <m:r>
+                          <a:rPr lang="en-US" i="1"/>
+                          <m:t>𝑞</m:t>
+                        </m:r>
+                      </m:e>
+                    </m:d>
+                  </m:oMath>
+                </a14:m>
+                <a:r>
+                  <a:rPr lang="en-US" dirty="0"/>
+                  <a:t> is convex in (</a:t>
+                </a:r>
+                <a:r>
+                  <a:rPr lang="en-US" dirty="0" err="1"/>
+                  <a:t>p,q</a:t>
+                </a:r>
+                <a:r>
+                  <a:rPr lang="en-US" dirty="0"/>
+                  <a:t>) </a:t>
+                </a:r>
+                <a:endParaRPr lang="ru-RU" dirty="0"/>
+              </a:p>
+              <a:p>
+                <a:pPr marL="118872" indent="0">
+                  <a:buNone/>
+                </a:pPr>
+                <a:endParaRPr lang="en-US" dirty="0" smtClean="0"/>
+              </a:p>
+              <a:p>
+                <a:endParaRPr lang="ru-RU" dirty="0"/>
+              </a:p>
+            </p:txBody>
+          </p:sp>
+        </mc:Choice>
+        <mc:Fallback>
+          <p:sp>
+            <p:nvSpPr>
+              <p:cNvPr id="3" name="Объект 2"/>
+              <p:cNvSpPr>
+                <a:spLocks noGrp="1" noRot="1" noChangeAspect="1" noMove="1" noResize="1" noEditPoints="1" noAdjustHandles="1" noChangeArrowheads="1" noChangeShapeType="1" noTextEdit="1"/>
+              </p:cNvSpPr>
+              <p:nvPr>
+                <p:ph idx="1"/>
+              </p:nvPr>
+            </p:nvSpPr>
+            <p:spPr>
+              <a:blipFill rotWithShape="1">
+                <a:blip r:embed="rId2"/>
+                <a:stretch>
+                  <a:fillRect/>
+                </a:stretch>
+              </a:blipFill>
+            </p:spPr>
+            <p:txBody>
+              <a:bodyPr/>
+              <a:lstStyle/>
+              <a:p>
+                <a:r>
+                  <a:rPr lang="ru-RU">
+                    <a:noFill/>
+                  </a:rPr>
+                  <a:t> </a:t>
+                </a:r>
+              </a:p>
+            </p:txBody>
+          </p:sp>
+        </mc:Fallback>
+      </mc:AlternateContent>
+      <p:sp>
+        <p:nvSpPr>
+          <p:cNvPr id="4" name="Номер слайда 3"/>
+          <p:cNvSpPr>
+            <a:spLocks noGrp="1"/>
+          </p:cNvSpPr>
+          <p:nvPr>
+            <p:ph type="sldNum" sz="quarter" idx="12"/>
+          </p:nvPr>
+        </p:nvSpPr>
+        <p:spPr/>
+        <p:txBody>
+          <a:bodyPr/>
+          <a:lstStyle/>
+          <a:p>
+            <a:fld id="{C453EA42-BA89-4D45-B3D1-7EC11C308921}" type="slidenum">
+              <a:rPr lang="ru-RU" smtClean="0"/>
+              <a:t>6</a:t>
+            </a:fld>
+            <a:endParaRPr lang="ru-RU"/>
+          </a:p>
+        </p:txBody>
+      </p:sp>
+    </p:spTree>
+    <p:extLst>
+      <p:ext uri="{BB962C8B-B14F-4D97-AF65-F5344CB8AC3E}">
+        <p14:creationId xmlns:p14="http://schemas.microsoft.com/office/powerpoint/2010/main" val="2392400422"/>
+      </p:ext>
+    </p:extLst>
+  </p:cSld>
+  <p:clrMapOvr>
+    <a:masterClrMapping/>
+  </p:clrMapOvr>
+</p:sld>
+</file>
+
+<file path=ppt/slides/slide7.xml><?xml version="1.0" encoding="utf-8"?>
+<p:sld xmlns:a="http://schemas.openxmlformats.org/drawingml/2006/main" xmlns:r="http://schemas.openxmlformats.org/officeDocument/2006/relationships" xmlns:p="http://schemas.openxmlformats.org/presentationml/2006/main">
+  <p:cSld>
+    <p:spTree>
+      <p:nvGrpSpPr>
+        <p:cNvPr id="1" name=""/>
+        <p:cNvGrpSpPr/>
+        <p:nvPr/>
+      </p:nvGrpSpPr>
+      <p:grpSpPr>
+        <a:xfrm>
+          <a:off x="0" y="0"/>
+          <a:ext cx="0" cy="0"/>
+          <a:chOff x="0" y="0"/>
+          <a:chExt cx="0" cy="0"/>
+        </a:xfrm>
+      </p:grpSpPr>
+      <p:sp>
+        <p:nvSpPr>
+          <p:cNvPr id="2" name="Заголовок 1"/>
+          <p:cNvSpPr>
+            <a:spLocks noGrp="1"/>
+          </p:cNvSpPr>
+          <p:nvPr>
+            <p:ph type="title"/>
+          </p:nvPr>
+        </p:nvSpPr>
+        <p:spPr/>
+        <p:txBody>
+          <a:bodyPr/>
+          <a:lstStyle/>
+          <a:p>
+            <a:r>
+              <a:rPr lang="en-US" dirty="0"/>
+              <a:t>About CE (Cross-Entropy)</a:t>
+            </a:r>
+            <a:endParaRPr lang="ru-RU" dirty="0"/>
+          </a:p>
+        </p:txBody>
+      </p:sp>
+      <mc:AlternateContent xmlns:mc="http://schemas.openxmlformats.org/markup-compatibility/2006">
+        <mc:Choice xmlns:a14="http://schemas.microsoft.com/office/drawing/2010/main" Requires="a14">
+          <p:sp>
+            <p:nvSpPr>
+              <p:cNvPr id="3" name="Объект 2"/>
+              <p:cNvSpPr>
+                <a:spLocks noGrp="1"/>
+              </p:cNvSpPr>
+              <p:nvPr>
+                <p:ph idx="1"/>
+              </p:nvPr>
+            </p:nvSpPr>
+            <p:spPr/>
+            <p:txBody>
+              <a:bodyPr>
+                <a:normAutofit/>
+              </a:bodyPr>
+              <a:lstStyle/>
+              <a:p>
+                <a:pPr marL="118872" indent="0">
+                  <a:buNone/>
+                </a:pPr>
+                <a:r>
+                  <a:rPr lang="en-US" dirty="0" smtClean="0"/>
+                  <a:t>From algebra point of </a:t>
+                </a:r>
+                <a:r>
+                  <a:rPr lang="en-US" b="1" dirty="0" smtClean="0"/>
+                  <a:t>KL-divergence</a:t>
+                </a:r>
+                <a:r>
+                  <a:rPr lang="en-US" dirty="0" smtClean="0"/>
+                  <a:t> defined:</a:t>
+                </a:r>
+                <a:endParaRPr lang="ru-RU" dirty="0"/>
+              </a:p>
+              <a:p>
+                <a:pPr marL="118872" indent="0">
+                  <a:buNone/>
+                </a:pPr>
+                <a14:m>
+                  <m:oMath xmlns:m="http://schemas.openxmlformats.org/officeDocument/2006/math">
+                    <m:r>
+                      <a:rPr lang="en-US" sz="2400" i="1"/>
+                      <m:t>𝐾𝐿</m:t>
+                    </m:r>
+                    <m:r>
+                      <a:rPr lang="en-US" sz="2400" i="1"/>
+                      <m:t>(</m:t>
+                    </m:r>
+                    <m:r>
+                      <a:rPr lang="en-US" sz="2400" i="1"/>
+                      <m:t>𝑃</m:t>
+                    </m:r>
+                    <m:r>
+                      <a:rPr lang="en-US" sz="2400" i="1"/>
+                      <m:t>|</m:t>
+                    </m:r>
+                    <m:d>
+                      <m:dPr>
+                        <m:begChr m:val="|"/>
+                        <m:ctrlPr>
+                          <a:rPr lang="ru-RU" sz="2400" i="1"/>
+                        </m:ctrlPr>
+                      </m:dPr>
+                      <m:e>
+                        <m:r>
+                          <a:rPr lang="en-US" sz="2400" i="1"/>
+                          <m:t>𝑄</m:t>
+                        </m:r>
+                      </m:e>
+                    </m:d>
+                    <m:r>
+                      <a:rPr lang="en-US" sz="2400" i="1"/>
+                      <m:t>=</m:t>
+                    </m:r>
+                    <m:nary>
+                      <m:naryPr>
+                        <m:chr m:val="∑"/>
+                        <m:limLoc m:val="undOvr"/>
+                        <m:ctrlPr>
+                          <a:rPr lang="ru-RU" sz="2400" i="1"/>
+                        </m:ctrlPr>
+                      </m:naryPr>
+                      <m:sub>
+                        <m:r>
+                          <a:rPr lang="en-US" sz="2400" i="1"/>
+                          <m:t>𝑥</m:t>
+                        </m:r>
+                      </m:sub>
+                      <m:sup/>
+                      <m:e>
+                        <m:r>
+                          <a:rPr lang="en-US" sz="2400" i="1"/>
+                          <m:t>𝑃</m:t>
+                        </m:r>
+                        <m:d>
+                          <m:dPr>
+                            <m:ctrlPr>
+                              <a:rPr lang="ru-RU" sz="2400" i="1"/>
+                            </m:ctrlPr>
+                          </m:dPr>
+                          <m:e>
+                            <m:r>
+                              <a:rPr lang="en-US" sz="2400" i="1"/>
+                              <m:t>𝑥</m:t>
+                            </m:r>
+                          </m:e>
+                        </m:d>
+                        <m:r>
+                          <m:rPr>
+                            <m:sty m:val="p"/>
+                          </m:rPr>
+                          <a:rPr lang="en-US" sz="2400"/>
+                          <m:t>log</m:t>
+                        </m:r>
+                        <m:d>
+                          <m:dPr>
+                            <m:ctrlPr>
+                              <a:rPr lang="en-US" sz="2400" b="0" i="1" smtClean="0">
+                                <a:latin typeface="Cambria Math"/>
+                              </a:rPr>
+                            </m:ctrlPr>
+                          </m:dPr>
+                          <m:e>
+                            <m:r>
+                              <a:rPr lang="en-US" sz="2400" i="1">
+                                <a:latin typeface="Cambria Math"/>
+                              </a:rPr>
+                              <m:t>𝑃</m:t>
+                            </m:r>
+                            <m:d>
+                              <m:dPr>
+                                <m:ctrlPr>
+                                  <a:rPr lang="en-US" sz="2400" i="1">
+                                    <a:latin typeface="Cambria Math"/>
+                                  </a:rPr>
+                                </m:ctrlPr>
+                              </m:dPr>
+                              <m:e>
+                                <m:r>
+                                  <a:rPr lang="en-US" sz="2400" i="1">
+                                    <a:latin typeface="Cambria Math"/>
+                                  </a:rPr>
+                                  <m:t>𝑥</m:t>
+                                </m:r>
+                              </m:e>
+                            </m:d>
+                          </m:e>
+                        </m:d>
+                      </m:e>
+                    </m:nary>
+                    <m:r>
+                      <a:rPr lang="en-US" sz="2400" i="1" smtClean="0">
+                        <a:solidFill>
+                          <a:srgbClr val="FF0000"/>
+                        </a:solidFill>
+                      </a:rPr>
+                      <m:t>−</m:t>
+                    </m:r>
+                    <m:nary>
+                      <m:naryPr>
+                        <m:chr m:val="∑"/>
+                        <m:limLoc m:val="undOvr"/>
+                        <m:ctrlPr>
+                          <a:rPr lang="ru-RU" sz="2400" i="1" smtClean="0">
+                            <a:solidFill>
+                              <a:srgbClr val="FF0000"/>
+                            </a:solidFill>
+                          </a:rPr>
+                        </m:ctrlPr>
+                      </m:naryPr>
+                      <m:sub>
+                        <m:r>
+                          <a:rPr lang="en-US" sz="2400" i="1">
+                            <a:solidFill>
+                              <a:srgbClr val="FF0000"/>
+                            </a:solidFill>
+                          </a:rPr>
+                          <m:t>𝑥</m:t>
+                        </m:r>
+                      </m:sub>
+                      <m:sup/>
+                      <m:e>
+                        <m:r>
+                          <a:rPr lang="en-US" sz="2400" i="1">
+                            <a:solidFill>
+                              <a:srgbClr val="FF0000"/>
+                            </a:solidFill>
+                          </a:rPr>
+                          <m:t>𝑃</m:t>
+                        </m:r>
+                        <m:d>
+                          <m:dPr>
+                            <m:ctrlPr>
+                              <a:rPr lang="ru-RU" sz="2400" i="1">
+                                <a:solidFill>
+                                  <a:srgbClr val="FF0000"/>
+                                </a:solidFill>
+                              </a:rPr>
+                            </m:ctrlPr>
+                          </m:dPr>
+                          <m:e>
+                            <m:r>
+                              <a:rPr lang="en-US" sz="2400" i="1">
+                                <a:solidFill>
+                                  <a:srgbClr val="FF0000"/>
+                                </a:solidFill>
+                              </a:rPr>
+                              <m:t>𝑥</m:t>
+                            </m:r>
+                          </m:e>
+                        </m:d>
+                        <m:r>
+                          <m:rPr>
+                            <m:sty m:val="p"/>
+                          </m:rPr>
+                          <a:rPr lang="en-US" sz="2400">
+                            <a:solidFill>
+                              <a:srgbClr val="FF0000"/>
+                            </a:solidFill>
+                          </a:rPr>
+                          <m:t>log</m:t>
+                        </m:r>
+                        <m:r>
+                          <a:rPr lang="en-US" sz="2400" b="0" i="1" smtClean="0">
+                            <a:solidFill>
+                              <a:srgbClr val="FF0000"/>
+                            </a:solidFill>
+                            <a:latin typeface="Cambria Math"/>
+                          </a:rPr>
+                          <m:t>(</m:t>
+                        </m:r>
+                        <m:r>
+                          <a:rPr lang="en-US" sz="2400" i="1">
+                            <a:solidFill>
+                              <a:srgbClr val="FF0000"/>
+                            </a:solidFill>
+                            <a:latin typeface="Cambria Math"/>
+                          </a:rPr>
+                          <m:t>𝑄</m:t>
+                        </m:r>
+                        <m:d>
+                          <m:dPr>
+                            <m:ctrlPr>
+                              <a:rPr lang="en-US" sz="2400" i="1">
+                                <a:solidFill>
+                                  <a:srgbClr val="FF0000"/>
+                                </a:solidFill>
+                                <a:latin typeface="Cambria Math"/>
+                              </a:rPr>
+                            </m:ctrlPr>
+                          </m:dPr>
+                          <m:e>
+                            <m:r>
+                              <a:rPr lang="en-US" sz="2400" i="1">
+                                <a:solidFill>
+                                  <a:srgbClr val="FF0000"/>
+                                </a:solidFill>
+                                <a:latin typeface="Cambria Math"/>
+                              </a:rPr>
+                              <m:t>𝑥</m:t>
+                            </m:r>
+                          </m:e>
+                        </m:d>
+                        <m:r>
+                          <a:rPr lang="en-US" sz="2400" b="0" i="1" smtClean="0">
+                            <a:solidFill>
+                              <a:srgbClr val="FF0000"/>
+                            </a:solidFill>
+                            <a:latin typeface="Cambria Math"/>
+                          </a:rPr>
+                          <m:t>)</m:t>
+                        </m:r>
+                      </m:e>
+                    </m:nary>
+                  </m:oMath>
+                </a14:m>
+                <a:r>
+                  <a:rPr lang="en-US" sz="2400" dirty="0"/>
+                  <a:t> </a:t>
+                </a:r>
+                <a:endParaRPr lang="en-US" sz="2800" i="1" dirty="0" smtClean="0"/>
+              </a:p>
+              <a:p>
+                <a:pPr marL="118872" indent="0">
+                  <a:buNone/>
+                </a:pPr>
+                <a:endParaRPr lang="en-US" sz="2400" i="1" dirty="0" smtClean="0">
+                  <a:latin typeface="Cambria Math"/>
+                </a:endParaRPr>
+              </a:p>
+              <a:p>
+                <a:pPr marL="118872" indent="0">
+                  <a:buNone/>
+                </a:pPr>
+                <a14:m>
+                  <m:oMath xmlns:m="http://schemas.openxmlformats.org/officeDocument/2006/math">
+                    <m:r>
+                      <a:rPr lang="en-US" sz="2400" i="1">
+                        <a:latin typeface="Cambria Math"/>
+                      </a:rPr>
+                      <m:t>𝐾𝐿</m:t>
+                    </m:r>
+                    <m:r>
+                      <a:rPr lang="en-US" sz="2400" i="1">
+                        <a:latin typeface="Cambria Math"/>
+                      </a:rPr>
+                      <m:t>(</m:t>
+                    </m:r>
+                    <m:r>
+                      <a:rPr lang="en-US" sz="2400" i="1">
+                        <a:latin typeface="Cambria Math"/>
+                      </a:rPr>
+                      <m:t>𝑃</m:t>
+                    </m:r>
+                    <m:r>
+                      <a:rPr lang="en-US" sz="2400" i="1">
+                        <a:latin typeface="Cambria Math"/>
+                      </a:rPr>
+                      <m:t>|</m:t>
+                    </m:r>
+                    <m:d>
+                      <m:dPr>
+                        <m:begChr m:val="|"/>
+                        <m:ctrlPr>
+                          <a:rPr lang="ru-RU" sz="2400" i="1">
+                            <a:latin typeface="Cambria Math"/>
+                          </a:rPr>
+                        </m:ctrlPr>
+                      </m:dPr>
+                      <m:e>
+                        <m:r>
+                          <a:rPr lang="en-US" sz="2400" i="1">
+                            <a:latin typeface="Cambria Math"/>
+                          </a:rPr>
+                          <m:t>𝑄</m:t>
+                        </m:r>
+                      </m:e>
+                    </m:d>
+                    <m:r>
+                      <a:rPr lang="en-US" sz="2400" b="0" i="1" smtClean="0">
+                        <a:latin typeface="Cambria Math"/>
+                      </a:rPr>
+                      <m:t>−</m:t>
+                    </m:r>
+                    <m:nary>
+                      <m:naryPr>
+                        <m:chr m:val="∑"/>
+                        <m:limLoc m:val="undOvr"/>
+                        <m:ctrlPr>
+                          <a:rPr lang="ru-RU" sz="2400" i="1">
+                            <a:latin typeface="Cambria Math"/>
+                          </a:rPr>
+                        </m:ctrlPr>
+                      </m:naryPr>
+                      <m:sub>
+                        <m:r>
+                          <a:rPr lang="en-US" sz="2400" i="1">
+                            <a:latin typeface="Cambria Math"/>
+                          </a:rPr>
+                          <m:t>𝑥</m:t>
+                        </m:r>
+                      </m:sub>
+                      <m:sup/>
+                      <m:e>
+                        <m:r>
+                          <a:rPr lang="en-US" sz="2400" i="1">
+                            <a:latin typeface="Cambria Math"/>
+                          </a:rPr>
+                          <m:t>𝑃</m:t>
+                        </m:r>
+                        <m:d>
+                          <m:dPr>
+                            <m:ctrlPr>
+                              <a:rPr lang="ru-RU" sz="2400" i="1">
+                                <a:latin typeface="Cambria Math"/>
+                              </a:rPr>
+                            </m:ctrlPr>
+                          </m:dPr>
+                          <m:e>
+                            <m:r>
+                              <a:rPr lang="en-US" sz="2400" i="1">
+                                <a:latin typeface="Cambria Math"/>
+                              </a:rPr>
+                              <m:t>𝑥</m:t>
+                            </m:r>
+                          </m:e>
+                        </m:d>
+                        <m:r>
+                          <m:rPr>
+                            <m:sty m:val="p"/>
+                          </m:rPr>
+                          <a:rPr lang="en-US" sz="2400">
+                            <a:latin typeface="Cambria Math"/>
+                          </a:rPr>
+                          <m:t>log</m:t>
+                        </m:r>
+                        <m:d>
+                          <m:dPr>
+                            <m:ctrlPr>
+                              <a:rPr lang="en-US" sz="2400" i="1">
+                                <a:latin typeface="Cambria Math"/>
+                              </a:rPr>
+                            </m:ctrlPr>
+                          </m:dPr>
+                          <m:e>
+                            <m:r>
+                              <a:rPr lang="en-US" sz="2400" i="1">
+                                <a:latin typeface="Cambria Math"/>
+                              </a:rPr>
+                              <m:t>𝑃</m:t>
+                            </m:r>
+                            <m:d>
+                              <m:dPr>
+                                <m:ctrlPr>
+                                  <a:rPr lang="en-US" sz="2400" i="1">
+                                    <a:latin typeface="Cambria Math"/>
+                                  </a:rPr>
+                                </m:ctrlPr>
+                              </m:dPr>
+                              <m:e>
+                                <m:r>
+                                  <a:rPr lang="en-US" sz="2400" i="1">
+                                    <a:latin typeface="Cambria Math"/>
+                                  </a:rPr>
+                                  <m:t>𝑥</m:t>
+                                </m:r>
+                              </m:e>
+                            </m:d>
+                          </m:e>
+                        </m:d>
+                      </m:e>
+                    </m:nary>
+                    <m:r>
+                      <a:rPr lang="en-US" sz="2400" b="0" i="1" smtClean="0">
+                        <a:latin typeface="Cambria Math"/>
+                      </a:rPr>
+                      <m:t>=−</m:t>
+                    </m:r>
+                    <m:nary>
+                      <m:naryPr>
+                        <m:chr m:val="∑"/>
+                        <m:limLoc m:val="undOvr"/>
+                        <m:ctrlPr>
+                          <a:rPr lang="ru-RU" sz="2400" i="1">
+                            <a:solidFill>
+                              <a:srgbClr val="FF0000"/>
+                            </a:solidFill>
+                            <a:latin typeface="Cambria Math"/>
+                          </a:rPr>
+                        </m:ctrlPr>
+                      </m:naryPr>
+                      <m:sub>
+                        <m:r>
+                          <a:rPr lang="en-US" sz="2400" i="1">
+                            <a:solidFill>
+                              <a:srgbClr val="FF0000"/>
+                            </a:solidFill>
+                            <a:latin typeface="Cambria Math"/>
+                          </a:rPr>
+                          <m:t>𝑥</m:t>
+                        </m:r>
+                      </m:sub>
+                      <m:sup/>
+                      <m:e>
+                        <m:r>
+                          <a:rPr lang="en-US" sz="2400" i="1">
+                            <a:solidFill>
+                              <a:srgbClr val="FF0000"/>
+                            </a:solidFill>
+                            <a:latin typeface="Cambria Math"/>
+                          </a:rPr>
+                          <m:t>𝑃</m:t>
+                        </m:r>
+                        <m:d>
+                          <m:dPr>
+                            <m:ctrlPr>
+                              <a:rPr lang="ru-RU" sz="2400" i="1">
+                                <a:solidFill>
+                                  <a:srgbClr val="FF0000"/>
+                                </a:solidFill>
+                                <a:latin typeface="Cambria Math"/>
+                              </a:rPr>
+                            </m:ctrlPr>
+                          </m:dPr>
+                          <m:e>
+                            <m:r>
+                              <a:rPr lang="en-US" sz="2400" i="1">
+                                <a:solidFill>
+                                  <a:srgbClr val="FF0000"/>
+                                </a:solidFill>
+                                <a:latin typeface="Cambria Math"/>
+                              </a:rPr>
+                              <m:t>𝑥</m:t>
+                            </m:r>
+                          </m:e>
+                        </m:d>
+                        <m:r>
+                          <m:rPr>
+                            <m:sty m:val="p"/>
+                          </m:rPr>
+                          <a:rPr lang="en-US" sz="2400">
+                            <a:solidFill>
+                              <a:srgbClr val="FF0000"/>
+                            </a:solidFill>
+                            <a:latin typeface="Cambria Math"/>
+                          </a:rPr>
+                          <m:t>log</m:t>
+                        </m:r>
+                        <m:r>
+                          <a:rPr lang="en-US" sz="2400" i="1">
+                            <a:solidFill>
+                              <a:srgbClr val="FF0000"/>
+                            </a:solidFill>
+                            <a:latin typeface="Cambria Math"/>
+                          </a:rPr>
+                          <m:t>(</m:t>
+                        </m:r>
+                        <m:r>
+                          <a:rPr lang="en-US" sz="2400" i="1">
+                            <a:solidFill>
+                              <a:srgbClr val="FF0000"/>
+                            </a:solidFill>
+                            <a:latin typeface="Cambria Math"/>
+                          </a:rPr>
+                          <m:t>𝑄</m:t>
+                        </m:r>
+                        <m:d>
+                          <m:dPr>
+                            <m:ctrlPr>
+                              <a:rPr lang="en-US" sz="2400" i="1">
+                                <a:solidFill>
+                                  <a:srgbClr val="FF0000"/>
+                                </a:solidFill>
+                                <a:latin typeface="Cambria Math"/>
+                              </a:rPr>
+                            </m:ctrlPr>
+                          </m:dPr>
+                          <m:e>
+                            <m:r>
+                              <a:rPr lang="en-US" sz="2400" i="1">
+                                <a:solidFill>
+                                  <a:srgbClr val="FF0000"/>
+                                </a:solidFill>
+                                <a:latin typeface="Cambria Math"/>
+                              </a:rPr>
+                              <m:t>𝑥</m:t>
+                            </m:r>
+                          </m:e>
+                        </m:d>
+                        <m:r>
+                          <a:rPr lang="en-US" sz="2400" i="1">
+                            <a:solidFill>
+                              <a:srgbClr val="FF0000"/>
+                            </a:solidFill>
+                            <a:latin typeface="Cambria Math"/>
+                          </a:rPr>
+                          <m:t>)</m:t>
+                        </m:r>
+                      </m:e>
+                    </m:nary>
+                  </m:oMath>
+                </a14:m>
+                <a:r>
+                  <a:rPr lang="en-US" sz="2400" dirty="0"/>
+                  <a:t> </a:t>
+                </a:r>
+                <a:endParaRPr lang="ru-RU" sz="2400" dirty="0"/>
+              </a:p>
+              <a:p>
+                <a:pPr marL="118872" indent="0">
+                  <a:buNone/>
+                </a:pPr>
+                <a:endParaRPr lang="en-US" i="1" dirty="0" smtClean="0"/>
+              </a:p>
+              <a:p>
+                <a:pPr marL="118872" indent="0">
+                  <a:buNone/>
+                </a:pPr>
+                <a:r>
+                  <a:rPr lang="en-US" b="1" dirty="0" smtClean="0"/>
+                  <a:t>Cross-Entropy:</a:t>
+                </a:r>
+                <a:endParaRPr lang="en-US" i="1" dirty="0" smtClean="0"/>
+              </a:p>
+              <a:p>
+                <a:pPr marL="118872" indent="0">
+                  <a:buNone/>
+                </a:pPr>
+                <a14:m>
+                  <m:oMath xmlns:m="http://schemas.openxmlformats.org/officeDocument/2006/math">
+                    <m:r>
+                      <a:rPr lang="en-US" i="1"/>
+                      <m:t>𝐶𝐸</m:t>
+                    </m:r>
+                    <m:r>
+                      <a:rPr lang="en-US" i="1"/>
+                      <m:t>(</m:t>
+                    </m:r>
+                    <m:r>
+                      <a:rPr lang="en-US" i="1"/>
+                      <m:t>𝑃</m:t>
+                    </m:r>
+                    <m:r>
+                      <a:rPr lang="en-US" i="1"/>
+                      <m:t>,</m:t>
+                    </m:r>
+                    <m:r>
+                      <a:rPr lang="en-US" i="1"/>
+                      <m:t>𝑄</m:t>
+                    </m:r>
+                    <m:r>
+                      <a:rPr lang="en-US" i="1"/>
+                      <m:t>)=−</m:t>
+                    </m:r>
+                    <m:nary>
+                      <m:naryPr>
+                        <m:chr m:val="∑"/>
+                        <m:limLoc m:val="undOvr"/>
+                        <m:ctrlPr>
+                          <a:rPr lang="ru-RU" i="1"/>
+                        </m:ctrlPr>
+                      </m:naryPr>
+                      <m:sub>
+                        <m:r>
+                          <a:rPr lang="en-US" i="1"/>
+                          <m:t>𝑥</m:t>
+                        </m:r>
+                      </m:sub>
+                      <m:sup/>
+                      <m:e>
+                        <m:r>
+                          <a:rPr lang="en-US" i="1"/>
+                          <m:t>𝑃</m:t>
+                        </m:r>
+                        <m:d>
+                          <m:dPr>
+                            <m:ctrlPr>
+                              <a:rPr lang="ru-RU" i="1"/>
+                            </m:ctrlPr>
+                          </m:dPr>
+                          <m:e>
+                            <m:r>
+                              <a:rPr lang="en-US" i="1"/>
+                              <m:t>𝑥</m:t>
+                            </m:r>
+                          </m:e>
+                        </m:d>
+                        <m:r>
+                          <m:rPr>
+                            <m:sty m:val="p"/>
+                          </m:rPr>
+                          <a:rPr lang="en-US"/>
+                          <m:t>log</m:t>
+                        </m:r>
+                        <m:d>
+                          <m:dPr>
+                            <m:ctrlPr>
+                              <a:rPr lang="en-US" b="0" i="1" smtClean="0">
+                                <a:latin typeface="Cambria Math"/>
+                              </a:rPr>
+                            </m:ctrlPr>
+                          </m:dPr>
+                          <m:e>
+                            <m:r>
+                              <a:rPr lang="en-US" i="1">
+                                <a:latin typeface="Cambria Math"/>
+                              </a:rPr>
+                              <m:t>𝑄</m:t>
+                            </m:r>
+                            <m:d>
+                              <m:dPr>
+                                <m:ctrlPr>
+                                  <a:rPr lang="en-US" i="1">
+                                    <a:latin typeface="Cambria Math"/>
+                                  </a:rPr>
+                                </m:ctrlPr>
+                              </m:dPr>
+                              <m:e>
+                                <m:r>
+                                  <a:rPr lang="en-US" i="1">
+                                    <a:latin typeface="Cambria Math"/>
+                                  </a:rPr>
+                                  <m:t>𝑥</m:t>
+                                </m:r>
+                              </m:e>
+                            </m:d>
+                          </m:e>
+                        </m:d>
+                      </m:e>
+                    </m:nary>
+                  </m:oMath>
+                </a14:m>
+                <a:r>
+                  <a:rPr lang="en-US" dirty="0" smtClean="0"/>
+                  <a:t> </a:t>
+                </a:r>
+                <a:endParaRPr lang="en-US" dirty="0"/>
+              </a:p>
+              <a:p>
+                <a:pPr marL="118872" indent="0">
+                  <a:buNone/>
+                </a:pPr>
+                <a14:m>
+                  <m:oMath xmlns:m="http://schemas.openxmlformats.org/officeDocument/2006/math">
+                    <m:r>
+                      <a:rPr lang="en-US" b="1" i="1"/>
+                      <m:t>𝑲𝑳</m:t>
+                    </m:r>
+                    <m:r>
+                      <a:rPr lang="en-US" b="1" i="1"/>
+                      <m:t>(</m:t>
+                    </m:r>
+                    <m:r>
+                      <a:rPr lang="en-US" b="1" i="1"/>
+                      <m:t>𝑷</m:t>
+                    </m:r>
+                    <m:r>
+                      <a:rPr lang="en-US" b="1" i="1"/>
+                      <m:t>|</m:t>
+                    </m:r>
+                    <m:d>
+                      <m:dPr>
+                        <m:begChr m:val="|"/>
+                        <m:ctrlPr>
+                          <a:rPr lang="ru-RU" b="1" i="1"/>
+                        </m:ctrlPr>
+                      </m:dPr>
+                      <m:e>
+                        <m:r>
+                          <a:rPr lang="en-US" b="1" i="1"/>
+                          <m:t>𝑸</m:t>
+                        </m:r>
+                      </m:e>
+                    </m:d>
+                    <m:r>
+                      <a:rPr lang="en-US" b="1" i="1"/>
+                      <m:t>+</m:t>
+                    </m:r>
+                    <m:r>
+                      <a:rPr lang="en-US" b="1" i="1"/>
+                      <m:t>𝑯</m:t>
+                    </m:r>
+                    <m:d>
+                      <m:dPr>
+                        <m:ctrlPr>
+                          <a:rPr lang="ru-RU" b="1" i="1"/>
+                        </m:ctrlPr>
+                      </m:dPr>
+                      <m:e>
+                        <m:r>
+                          <a:rPr lang="en-US" b="1" i="1"/>
+                          <m:t>𝑷</m:t>
+                        </m:r>
+                      </m:e>
+                    </m:d>
+                    <m:r>
+                      <a:rPr lang="en-US" b="1" i="1"/>
+                      <m:t>=</m:t>
+                    </m:r>
+                    <m:r>
+                      <a:rPr lang="en-US" b="1" i="1"/>
+                      <m:t>𝑪𝑬</m:t>
+                    </m:r>
+                    <m:r>
+                      <a:rPr lang="en-US" b="1" i="1"/>
+                      <m:t>(</m:t>
+                    </m:r>
+                    <m:r>
+                      <a:rPr lang="en-US" b="1" i="1"/>
+                      <m:t>𝑷</m:t>
+                    </m:r>
+                    <m:r>
+                      <a:rPr lang="en-US" b="1" i="1"/>
+                      <m:t>,</m:t>
+                    </m:r>
+                    <m:r>
+                      <a:rPr lang="en-US" b="1" i="1"/>
+                      <m:t>𝑸</m:t>
+                    </m:r>
+                    <m:r>
+                      <a:rPr lang="en-US" b="1" i="1"/>
+                      <m:t>)</m:t>
+                    </m:r>
+                  </m:oMath>
+                </a14:m>
+                <a:r>
+                  <a:rPr lang="en-US" b="1" dirty="0"/>
+                  <a:t> </a:t>
+                </a:r>
+                <a:endParaRPr lang="ru-RU" dirty="0"/>
+              </a:p>
+            </p:txBody>
+          </p:sp>
+        </mc:Choice>
+        <mc:Fallback>
+          <p:sp>
+            <p:nvSpPr>
+              <p:cNvPr id="3" name="Объект 2"/>
+              <p:cNvSpPr>
+                <a:spLocks noGrp="1" noRot="1" noChangeAspect="1" noMove="1" noResize="1" noEditPoints="1" noAdjustHandles="1" noChangeArrowheads="1" noChangeShapeType="1" noTextEdit="1"/>
+              </p:cNvSpPr>
+              <p:nvPr>
+                <p:ph idx="1"/>
+              </p:nvPr>
+            </p:nvSpPr>
+            <p:spPr>
+              <a:blipFill rotWithShape="1">
+                <a:blip r:embed="rId2"/>
+                <a:stretch>
+                  <a:fillRect l="-889" t="-659"/>
+                </a:stretch>
+              </a:blipFill>
+            </p:spPr>
+            <p:txBody>
+              <a:bodyPr/>
+              <a:lstStyle/>
+              <a:p>
+                <a:r>
+                  <a:rPr lang="ru-RU">
+                    <a:noFill/>
+                  </a:rPr>
+                  <a:t> </a:t>
+                </a:r>
+              </a:p>
+            </p:txBody>
+          </p:sp>
+        </mc:Fallback>
+      </mc:AlternateContent>
+      <p:sp>
+        <p:nvSpPr>
+          <p:cNvPr id="4" name="Номер слайда 3"/>
+          <p:cNvSpPr>
+            <a:spLocks noGrp="1"/>
+          </p:cNvSpPr>
+          <p:nvPr>
+            <p:ph type="sldNum" sz="quarter" idx="12"/>
+          </p:nvPr>
+        </p:nvSpPr>
+        <p:spPr/>
+        <p:txBody>
+          <a:bodyPr/>
+          <a:lstStyle/>
+          <a:p>
+            <a:fld id="{C453EA42-BA89-4D45-B3D1-7EC11C308921}" type="slidenum">
+              <a:rPr lang="ru-RU" smtClean="0"/>
+              <a:t>7</a:t>
+            </a:fld>
+            <a:endParaRPr lang="ru-RU"/>
+          </a:p>
+        </p:txBody>
+      </p:sp>
+    </p:spTree>
+    <p:extLst>
+      <p:ext uri="{BB962C8B-B14F-4D97-AF65-F5344CB8AC3E}">
+        <p14:creationId xmlns:p14="http://schemas.microsoft.com/office/powerpoint/2010/main" val="3655441200"/>
+      </p:ext>
+    </p:extLst>
+  </p:cSld>
+  <p:clrMapOvr>
+    <a:masterClrMapping/>
+  </p:clrMapOvr>
+</p:sld>
+</file>
+
+<file path=ppt/slides/slide8.xml><?xml version="1.0" encoding="utf-8"?>
+<p:sld xmlns:a="http://schemas.openxmlformats.org/drawingml/2006/main" xmlns:r="http://schemas.openxmlformats.org/officeDocument/2006/relationships" xmlns:p="http://schemas.openxmlformats.org/presentationml/2006/main">
+  <p:cSld>
+    <p:spTree>
+      <p:nvGrpSpPr>
+        <p:cNvPr id="1" name=""/>
+        <p:cNvGrpSpPr/>
+        <p:nvPr/>
+      </p:nvGrpSpPr>
+      <p:grpSpPr>
+        <a:xfrm>
+          <a:off x="0" y="0"/>
+          <a:ext cx="0" cy="0"/>
+          <a:chOff x="0" y="0"/>
+          <a:chExt cx="0" cy="0"/>
+        </a:xfrm>
+      </p:grpSpPr>
+      <p:sp>
+        <p:nvSpPr>
+          <p:cNvPr id="2" name="Заголовок 1"/>
+          <p:cNvSpPr>
+            <a:spLocks noGrp="1"/>
+          </p:cNvSpPr>
+          <p:nvPr>
+            <p:ph type="title"/>
+          </p:nvPr>
+        </p:nvSpPr>
+        <p:spPr/>
+        <p:txBody>
+          <a:bodyPr/>
+          <a:lstStyle/>
+          <a:p>
+            <a:endParaRPr lang="ru-RU"/>
+          </a:p>
+        </p:txBody>
+      </p:sp>
+      <mc:AlternateContent xmlns:mc="http://schemas.openxmlformats.org/markup-compatibility/2006">
+        <mc:Choice xmlns:a14="http://schemas.microsoft.com/office/drawing/2010/main" Requires="a14">
+          <p:sp>
+            <p:nvSpPr>
+              <p:cNvPr id="3" name="Объект 2"/>
+              <p:cNvSpPr>
+                <a:spLocks noGrp="1"/>
+              </p:cNvSpPr>
+              <p:nvPr>
+                <p:ph idx="1"/>
+              </p:nvPr>
+            </p:nvSpPr>
+            <p:spPr/>
+            <p:txBody>
+              <a:bodyPr>
+                <a:normAutofit fontScale="62500" lnSpcReduction="20000"/>
+              </a:bodyPr>
+              <a:lstStyle/>
+              <a:p>
+                <a:pPr marL="118872" indent="0">
+                  <a:buNone/>
+                </a:pPr>
+                <a:r>
+                  <a:rPr lang="en-US" dirty="0" smtClean="0"/>
+                  <a:t>From </a:t>
+                </a:r>
+                <a:r>
+                  <a:rPr lang="en-US" dirty="0"/>
+                  <a:t>practical point of view there are no much difference between using KL of CE in typical machine learning </a:t>
+                </a:r>
+                <a:r>
+                  <a:rPr lang="en-US" dirty="0" smtClean="0"/>
+                  <a:t>settings.</a:t>
+                </a:r>
+              </a:p>
+              <a:p>
+                <a:pPr marL="118872" indent="0">
+                  <a:buNone/>
+                </a:pPr>
+                <a:endParaRPr lang="en-US" dirty="0" smtClean="0"/>
+              </a:p>
+              <a:p>
+                <a:pPr marL="118872" indent="0">
+                  <a:buNone/>
+                </a:pPr>
+                <a:r>
+                  <a:rPr lang="en-US" b="1" dirty="0" smtClean="0"/>
+                  <a:t>Motivation:</a:t>
+                </a:r>
+              </a:p>
+              <a:p>
+                <a:pPr lvl="0"/>
+                <a:endParaRPr lang="en-US" dirty="0" smtClean="0"/>
+              </a:p>
+              <a:p>
+                <a:pPr lvl="0"/>
+                <a:r>
+                  <a:rPr lang="en-US" dirty="0" err="1" smtClean="0"/>
+                  <a:t>Opt.problem</a:t>
+                </a:r>
+                <a:r>
+                  <a:rPr lang="en-US" dirty="0" smtClean="0"/>
+                  <a:t> </a:t>
+                </a:r>
+                <a14:m>
+                  <m:oMath xmlns:m="http://schemas.openxmlformats.org/officeDocument/2006/math">
+                    <m:r>
+                      <a:rPr lang="en-US" b="1" i="1"/>
+                      <m:t>𝒎𝒊𝒏</m:t>
+                    </m:r>
+                    <m:r>
+                      <a:rPr lang="en-US" b="1" i="1"/>
+                      <m:t>.</m:t>
+                    </m:r>
+                    <m:r>
+                      <a:rPr lang="en-US" b="1" i="1"/>
+                      <m:t>𝑲𝑳</m:t>
+                    </m:r>
+                    <m:r>
+                      <a:rPr lang="en-US" b="1" i="1"/>
+                      <m:t>(</m:t>
+                    </m:r>
+                    <m:r>
+                      <a:rPr lang="en-US" b="1" i="1"/>
+                      <m:t>𝑷</m:t>
+                    </m:r>
+                    <m:r>
+                      <a:rPr lang="en-US" b="1" i="1"/>
+                      <m:t>|</m:t>
+                    </m:r>
+                    <m:d>
+                      <m:dPr>
+                        <m:begChr m:val="|"/>
+                        <m:ctrlPr>
+                          <a:rPr lang="ru-RU" b="1" i="1"/>
+                        </m:ctrlPr>
+                      </m:dPr>
+                      <m:e>
+                        <m:r>
+                          <a:rPr lang="en-US" b="1" i="1"/>
+                          <m:t>𝑸</m:t>
+                        </m:r>
+                      </m:e>
+                    </m:d>
+                  </m:oMath>
+                </a14:m>
+                <a:r>
+                  <a:rPr lang="en-US" b="1" dirty="0"/>
+                  <a:t> </a:t>
+                </a:r>
+                <a:r>
+                  <a:rPr lang="en-US" dirty="0"/>
+                  <a:t>with variable</a:t>
+                </a:r>
+                <a:r>
+                  <a:rPr lang="en-US" b="1" dirty="0"/>
+                  <a:t> Q </a:t>
+                </a:r>
+                <a:r>
+                  <a:rPr lang="en-US" dirty="0"/>
+                  <a:t>is the same as</a:t>
+                </a:r>
+                <a:r>
+                  <a:rPr lang="en-US" b="1" dirty="0"/>
+                  <a:t> </a:t>
+                </a:r>
+                <a14:m>
+                  <m:oMath xmlns:m="http://schemas.openxmlformats.org/officeDocument/2006/math">
+                    <m:r>
+                      <a:rPr lang="en-US" b="1" i="1"/>
+                      <m:t>𝒎𝒊𝒏</m:t>
+                    </m:r>
+                    <m:r>
+                      <a:rPr lang="en-US" b="1" i="1"/>
+                      <m:t>.</m:t>
+                    </m:r>
+                    <m:r>
+                      <a:rPr lang="en-US" b="1" i="1"/>
+                      <m:t>𝑲𝑳</m:t>
+                    </m:r>
+                    <m:r>
+                      <a:rPr lang="en-US" b="1" i="1"/>
+                      <m:t>(</m:t>
+                    </m:r>
+                    <m:r>
+                      <a:rPr lang="en-US" b="1" i="1"/>
+                      <m:t>𝑷</m:t>
+                    </m:r>
+                    <m:r>
+                      <a:rPr lang="en-US" b="1" i="1"/>
+                      <m:t>|</m:t>
+                    </m:r>
+                    <m:d>
+                      <m:dPr>
+                        <m:begChr m:val="|"/>
+                        <m:ctrlPr>
+                          <a:rPr lang="ru-RU" b="1" i="1"/>
+                        </m:ctrlPr>
+                      </m:dPr>
+                      <m:e>
+                        <m:r>
+                          <a:rPr lang="en-US" b="1" i="1"/>
+                          <m:t>𝑸</m:t>
+                        </m:r>
+                      </m:e>
+                    </m:d>
+                    <m:r>
+                      <a:rPr lang="en-US" b="1" i="1"/>
+                      <m:t>+</m:t>
+                    </m:r>
+                    <m:r>
+                      <a:rPr lang="en-US" b="1" i="1"/>
+                      <m:t>𝑯</m:t>
+                    </m:r>
+                    <m:d>
+                      <m:dPr>
+                        <m:ctrlPr>
+                          <a:rPr lang="ru-RU" b="1" i="1"/>
+                        </m:ctrlPr>
+                      </m:dPr>
+                      <m:e>
+                        <m:r>
+                          <a:rPr lang="en-US" b="1" i="1"/>
+                          <m:t>𝑷</m:t>
+                        </m:r>
+                      </m:e>
+                    </m:d>
+                  </m:oMath>
+                </a14:m>
+                <a:endParaRPr lang="ru-RU" dirty="0"/>
+              </a:p>
+              <a:p>
+                <a:endParaRPr lang="en-US" dirty="0" smtClean="0"/>
+              </a:p>
+              <a:p>
+                <a:r>
+                  <a:rPr lang="en-US" dirty="0" smtClean="0"/>
+                  <a:t>Because </a:t>
+                </a:r>
+                <a14:m>
+                  <m:oMath xmlns:m="http://schemas.openxmlformats.org/officeDocument/2006/math">
+                    <m:r>
+                      <a:rPr lang="en-US" b="1" i="1"/>
+                      <m:t>𝑯</m:t>
+                    </m:r>
+                    <m:d>
+                      <m:dPr>
+                        <m:ctrlPr>
+                          <a:rPr lang="ru-RU" b="1" i="1"/>
+                        </m:ctrlPr>
+                      </m:dPr>
+                      <m:e>
+                        <m:r>
+                          <a:rPr lang="en-US" b="1" i="1"/>
+                          <m:t>𝑷</m:t>
+                        </m:r>
+                      </m:e>
+                    </m:d>
+                  </m:oMath>
+                </a14:m>
+                <a:r>
+                  <a:rPr lang="en-US" b="1" dirty="0"/>
+                  <a:t> </a:t>
+                </a:r>
+                <a:r>
+                  <a:rPr lang="en-US" dirty="0"/>
+                  <a:t>is just additive </a:t>
+                </a:r>
+                <a:r>
+                  <a:rPr lang="en-US" dirty="0" smtClean="0"/>
+                  <a:t>constant it does not matter for optimization problem</a:t>
+                </a:r>
+              </a:p>
+              <a:p>
+                <a:endParaRPr lang="ru-RU" dirty="0"/>
+              </a:p>
+              <a:p>
+                <a:pPr lvl="0"/>
+                <a:r>
+                  <a:rPr lang="en-US" dirty="0"/>
+                  <a:t>And we come to similar problem </a:t>
+                </a:r>
+                <a14:m>
+                  <m:oMath xmlns:m="http://schemas.openxmlformats.org/officeDocument/2006/math">
+                    <m:r>
+                      <a:rPr lang="en-US" b="1" i="1"/>
+                      <m:t>𝒎𝒊𝒏</m:t>
+                    </m:r>
+                    <m:r>
+                      <a:rPr lang="en-US" b="1" i="1"/>
+                      <m:t>.</m:t>
+                    </m:r>
+                    <m:r>
+                      <a:rPr lang="en-US" b="1" i="1"/>
+                      <m:t>𝑪𝑬</m:t>
+                    </m:r>
+                    <m:r>
+                      <a:rPr lang="en-US" b="1" i="1"/>
+                      <m:t>(</m:t>
+                    </m:r>
+                    <m:r>
+                      <a:rPr lang="en-US" b="1" i="1"/>
+                      <m:t>𝑷</m:t>
+                    </m:r>
+                    <m:r>
+                      <a:rPr lang="en-US" b="1" i="1"/>
+                      <m:t>,</m:t>
+                    </m:r>
+                    <m:r>
+                      <a:rPr lang="en-US" b="1" i="1"/>
+                      <m:t>𝑸</m:t>
+                    </m:r>
+                    <m:r>
+                      <a:rPr lang="en-US" b="1" i="1"/>
+                      <m:t>)</m:t>
+                    </m:r>
+                  </m:oMath>
+                </a14:m>
+                <a:endParaRPr lang="en-US" dirty="0" smtClean="0"/>
+              </a:p>
+              <a:p>
+                <a:pPr lvl="0"/>
+                <a:endParaRPr lang="en-US" dirty="0"/>
+              </a:p>
+              <a:p>
+                <a:pPr lvl="0"/>
+                <a14:m>
+                  <m:oMath xmlns:m="http://schemas.openxmlformats.org/officeDocument/2006/math">
+                    <m:r>
+                      <a:rPr lang="en-US" b="1" i="1" smtClean="0">
+                        <a:solidFill>
+                          <a:srgbClr val="FF0000"/>
+                        </a:solidFill>
+                        <a:latin typeface="Cambria Math"/>
+                      </a:rPr>
+                      <m:t>𝒎𝒊𝒏</m:t>
+                    </m:r>
+                    <m:sSub>
+                      <m:sSubPr>
+                        <m:ctrlPr>
+                          <a:rPr lang="en-US" b="0" i="1" smtClean="0">
+                            <a:solidFill>
+                              <a:srgbClr val="FF0000"/>
+                            </a:solidFill>
+                            <a:latin typeface="Cambria Math"/>
+                          </a:rPr>
+                        </m:ctrlPr>
+                      </m:sSubPr>
+                      <m:e>
+                        <m:r>
+                          <a:rPr lang="en-US" b="1" i="1" smtClean="0">
+                            <a:solidFill>
+                              <a:srgbClr val="FF0000"/>
+                            </a:solidFill>
+                            <a:latin typeface="Cambria Math"/>
+                          </a:rPr>
+                          <m:t>.</m:t>
+                        </m:r>
+                      </m:e>
+                      <m:sub>
+                        <m:r>
+                          <a:rPr lang="en-US" b="0" i="1" smtClean="0">
+                            <a:solidFill>
+                              <a:srgbClr val="FF0000"/>
+                            </a:solidFill>
+                            <a:latin typeface="Cambria Math"/>
+                          </a:rPr>
+                          <m:t>𝑄</m:t>
+                        </m:r>
+                      </m:sub>
+                    </m:sSub>
+                    <m:r>
+                      <a:rPr lang="en-US" i="1" smtClean="0">
+                        <a:solidFill>
+                          <a:srgbClr val="FF0000"/>
+                        </a:solidFill>
+                        <a:latin typeface="Cambria Math"/>
+                      </a:rPr>
+                      <m:t>−</m:t>
+                    </m:r>
+                    <m:nary>
+                      <m:naryPr>
+                        <m:chr m:val="∑"/>
+                        <m:limLoc m:val="undOvr"/>
+                        <m:ctrlPr>
+                          <a:rPr lang="ru-RU" i="1">
+                            <a:solidFill>
+                              <a:srgbClr val="FF0000"/>
+                            </a:solidFill>
+                            <a:latin typeface="Cambria Math"/>
+                          </a:rPr>
+                        </m:ctrlPr>
+                      </m:naryPr>
+                      <m:sub>
+                        <m:r>
+                          <a:rPr lang="en-US" i="1">
+                            <a:solidFill>
+                              <a:srgbClr val="FF0000"/>
+                            </a:solidFill>
+                            <a:latin typeface="Cambria Math"/>
+                          </a:rPr>
+                          <m:t>𝑥</m:t>
+                        </m:r>
+                      </m:sub>
+                      <m:sup/>
+                      <m:e>
+                        <m:r>
+                          <a:rPr lang="en-US" i="1">
+                            <a:solidFill>
+                              <a:srgbClr val="FF0000"/>
+                            </a:solidFill>
+                            <a:latin typeface="Cambria Math"/>
+                          </a:rPr>
+                          <m:t>𝑃</m:t>
+                        </m:r>
+                        <m:d>
+                          <m:dPr>
+                            <m:ctrlPr>
+                              <a:rPr lang="ru-RU" i="1">
+                                <a:solidFill>
+                                  <a:srgbClr val="FF0000"/>
+                                </a:solidFill>
+                                <a:latin typeface="Cambria Math"/>
+                              </a:rPr>
+                            </m:ctrlPr>
+                          </m:dPr>
+                          <m:e>
+                            <m:r>
+                              <a:rPr lang="en-US" i="1">
+                                <a:solidFill>
+                                  <a:srgbClr val="FF0000"/>
+                                </a:solidFill>
+                                <a:latin typeface="Cambria Math"/>
+                              </a:rPr>
+                              <m:t>𝑥</m:t>
+                            </m:r>
+                          </m:e>
+                        </m:d>
+                        <m:func>
+                          <m:funcPr>
+                            <m:ctrlPr>
+                              <a:rPr lang="en-US" i="1">
+                                <a:solidFill>
+                                  <a:srgbClr val="FF0000"/>
+                                </a:solidFill>
+                                <a:latin typeface="Cambria Math"/>
+                              </a:rPr>
+                            </m:ctrlPr>
+                          </m:funcPr>
+                          <m:fName>
+                            <m:r>
+                              <m:rPr>
+                                <m:sty m:val="p"/>
+                              </m:rPr>
+                              <a:rPr lang="en-US">
+                                <a:solidFill>
+                                  <a:srgbClr val="FF0000"/>
+                                </a:solidFill>
+                                <a:latin typeface="Cambria Math"/>
+                              </a:rPr>
+                              <m:t>log</m:t>
+                            </m:r>
+                          </m:fName>
+                          <m:e>
+                            <m:d>
+                              <m:dPr>
+                                <m:ctrlPr>
+                                  <a:rPr lang="en-US" i="1">
+                                    <a:solidFill>
+                                      <a:srgbClr val="FF0000"/>
+                                    </a:solidFill>
+                                    <a:latin typeface="Cambria Math"/>
+                                  </a:rPr>
+                                </m:ctrlPr>
+                              </m:dPr>
+                              <m:e>
+                                <m:r>
+                                  <a:rPr lang="en-US" i="1">
+                                    <a:solidFill>
+                                      <a:srgbClr val="FF0000"/>
+                                    </a:solidFill>
+                                    <a:latin typeface="Cambria Math"/>
+                                  </a:rPr>
+                                  <m:t>𝑄</m:t>
+                                </m:r>
+                                <m:d>
+                                  <m:dPr>
+                                    <m:ctrlPr>
+                                      <a:rPr lang="en-US" i="1">
+                                        <a:solidFill>
+                                          <a:srgbClr val="FF0000"/>
+                                        </a:solidFill>
+                                        <a:latin typeface="Cambria Math"/>
+                                      </a:rPr>
+                                    </m:ctrlPr>
+                                  </m:dPr>
+                                  <m:e>
+                                    <m:r>
+                                      <a:rPr lang="en-US" i="1">
+                                        <a:solidFill>
+                                          <a:srgbClr val="FF0000"/>
+                                        </a:solidFill>
+                                        <a:latin typeface="Cambria Math"/>
+                                      </a:rPr>
+                                      <m:t>𝑥</m:t>
+                                    </m:r>
+                                  </m:e>
+                                </m:d>
+                              </m:e>
+                            </m:d>
+                          </m:e>
+                        </m:func>
+                      </m:e>
+                    </m:nary>
+                  </m:oMath>
+                </a14:m>
+                <a:endParaRPr lang="en-US" dirty="0" smtClean="0">
+                  <a:solidFill>
+                    <a:srgbClr val="FF0000"/>
+                  </a:solidFill>
+                </a:endParaRPr>
+              </a:p>
+              <a:p>
+                <a:pPr lvl="0"/>
+                <a:endParaRPr lang="en-US" dirty="0" smtClean="0"/>
+              </a:p>
+              <a:p>
+                <a:r>
+                  <a:rPr lang="en-US" dirty="0" smtClean="0"/>
+                  <a:t>If name </a:t>
+                </a:r>
+                <a14:m>
+                  <m:oMath xmlns:m="http://schemas.openxmlformats.org/officeDocument/2006/math">
+                    <m:r>
+                      <a:rPr lang="en-US" i="1">
+                        <a:solidFill>
+                          <a:srgbClr val="FF0000"/>
+                        </a:solidFill>
+                        <a:latin typeface="Cambria Math"/>
+                      </a:rPr>
+                      <m:t>𝑄</m:t>
+                    </m:r>
+                    <m:d>
+                      <m:dPr>
+                        <m:ctrlPr>
+                          <a:rPr lang="en-US" i="1">
+                            <a:solidFill>
+                              <a:srgbClr val="FF0000"/>
+                            </a:solidFill>
+                            <a:latin typeface="Cambria Math"/>
+                          </a:rPr>
+                        </m:ctrlPr>
+                      </m:dPr>
+                      <m:e>
+                        <m:r>
+                          <a:rPr lang="en-US" i="1">
+                            <a:solidFill>
+                              <a:srgbClr val="FF0000"/>
+                            </a:solidFill>
+                            <a:latin typeface="Cambria Math"/>
+                          </a:rPr>
+                          <m:t>𝑥</m:t>
+                        </m:r>
+                      </m:e>
+                    </m:d>
+                  </m:oMath>
+                </a14:m>
+                <a:r>
+                  <a:rPr lang="en-US" dirty="0" smtClean="0"/>
+                  <a:t> as </a:t>
+                </a:r>
+                <a14:m>
+                  <m:oMath xmlns:m="http://schemas.openxmlformats.org/officeDocument/2006/math">
+                    <m:acc>
+                      <m:accPr>
+                        <m:chr m:val="̂"/>
+                        <m:ctrlPr>
+                          <a:rPr lang="en-US" b="0" i="1" smtClean="0">
+                            <a:solidFill>
+                              <a:srgbClr val="FF0000"/>
+                            </a:solidFill>
+                            <a:latin typeface="Cambria Math"/>
+                          </a:rPr>
+                        </m:ctrlPr>
+                      </m:accPr>
+                      <m:e>
+                        <m:r>
+                          <a:rPr lang="en-US" i="1">
+                            <a:solidFill>
+                              <a:srgbClr val="FF0000"/>
+                            </a:solidFill>
+                            <a:latin typeface="Cambria Math"/>
+                          </a:rPr>
+                          <m:t>𝑃</m:t>
+                        </m:r>
+                        <m:d>
+                          <m:dPr>
+                            <m:ctrlPr>
+                              <a:rPr lang="en-US" i="1">
+                                <a:solidFill>
+                                  <a:srgbClr val="FF0000"/>
+                                </a:solidFill>
+                                <a:latin typeface="Cambria Math"/>
+                              </a:rPr>
+                            </m:ctrlPr>
+                          </m:dPr>
+                          <m:e>
+                            <m:r>
+                              <a:rPr lang="en-US" i="1">
+                                <a:solidFill>
+                                  <a:srgbClr val="FF0000"/>
+                                </a:solidFill>
+                                <a:latin typeface="Cambria Math"/>
+                              </a:rPr>
+                              <m:t>𝑥</m:t>
+                            </m:r>
+                          </m:e>
+                        </m:d>
+                      </m:e>
+                    </m:acc>
+                  </m:oMath>
+                </a14:m>
+                <a:r>
+                  <a:rPr lang="en-US" dirty="0" smtClean="0"/>
+                  <a:t> then we solve </a:t>
+                </a:r>
+                <a14:m>
+                  <m:oMath xmlns:m="http://schemas.openxmlformats.org/officeDocument/2006/math">
+                    <m:r>
+                      <a:rPr lang="en-US" b="1" i="1">
+                        <a:solidFill>
+                          <a:srgbClr val="FF0000"/>
+                        </a:solidFill>
+                        <a:latin typeface="Cambria Math"/>
+                      </a:rPr>
+                      <m:t>𝒎𝒊𝒏</m:t>
+                    </m:r>
+                    <m:sSub>
+                      <m:sSubPr>
+                        <m:ctrlPr>
+                          <a:rPr lang="en-US" i="1">
+                            <a:solidFill>
+                              <a:srgbClr val="FF0000"/>
+                            </a:solidFill>
+                            <a:latin typeface="Cambria Math"/>
+                          </a:rPr>
+                        </m:ctrlPr>
+                      </m:sSubPr>
+                      <m:e>
+                        <m:r>
+                          <a:rPr lang="en-US" b="1" i="1">
+                            <a:solidFill>
+                              <a:srgbClr val="FF0000"/>
+                            </a:solidFill>
+                            <a:latin typeface="Cambria Math"/>
+                          </a:rPr>
+                          <m:t>.</m:t>
+                        </m:r>
+                      </m:e>
+                      <m:sub>
+                        <m:acc>
+                          <m:accPr>
+                            <m:chr m:val="̂"/>
+                            <m:ctrlPr>
+                              <a:rPr lang="en-US" i="1">
+                                <a:solidFill>
+                                  <a:srgbClr val="FF0000"/>
+                                </a:solidFill>
+                                <a:latin typeface="Cambria Math"/>
+                              </a:rPr>
+                            </m:ctrlPr>
+                          </m:accPr>
+                          <m:e>
+                            <m:r>
+                              <a:rPr lang="en-US" i="1">
+                                <a:solidFill>
+                                  <a:srgbClr val="FF0000"/>
+                                </a:solidFill>
+                                <a:latin typeface="Cambria Math"/>
+                              </a:rPr>
+                              <m:t>𝑃</m:t>
+                            </m:r>
+                            <m:d>
+                              <m:dPr>
+                                <m:ctrlPr>
+                                  <a:rPr lang="en-US" i="1">
+                                    <a:solidFill>
+                                      <a:srgbClr val="FF0000"/>
+                                    </a:solidFill>
+                                    <a:latin typeface="Cambria Math"/>
+                                  </a:rPr>
+                                </m:ctrlPr>
+                              </m:dPr>
+                              <m:e>
+                                <m:r>
+                                  <a:rPr lang="en-US" i="1">
+                                    <a:solidFill>
+                                      <a:srgbClr val="FF0000"/>
+                                    </a:solidFill>
+                                    <a:latin typeface="Cambria Math"/>
+                                  </a:rPr>
+                                  <m:t>𝑥</m:t>
+                                </m:r>
+                              </m:e>
+                            </m:d>
+                          </m:e>
+                        </m:acc>
+                      </m:sub>
+                    </m:sSub>
+                    <m:r>
+                      <a:rPr lang="en-US" i="1">
+                        <a:solidFill>
+                          <a:srgbClr val="FF0000"/>
+                        </a:solidFill>
+                        <a:latin typeface="Cambria Math"/>
+                      </a:rPr>
+                      <m:t>−</m:t>
+                    </m:r>
+                    <m:nary>
+                      <m:naryPr>
+                        <m:chr m:val="∑"/>
+                        <m:limLoc m:val="undOvr"/>
+                        <m:ctrlPr>
+                          <a:rPr lang="ru-RU" i="1">
+                            <a:solidFill>
+                              <a:srgbClr val="FF0000"/>
+                            </a:solidFill>
+                            <a:latin typeface="Cambria Math"/>
+                          </a:rPr>
+                        </m:ctrlPr>
+                      </m:naryPr>
+                      <m:sub>
+                        <m:r>
+                          <a:rPr lang="en-US" i="1">
+                            <a:solidFill>
+                              <a:srgbClr val="FF0000"/>
+                            </a:solidFill>
+                            <a:latin typeface="Cambria Math"/>
+                          </a:rPr>
+                          <m:t>𝑥</m:t>
+                        </m:r>
+                      </m:sub>
+                      <m:sup/>
+                      <m:e>
+                        <m:r>
+                          <a:rPr lang="en-US" i="1">
+                            <a:solidFill>
+                              <a:srgbClr val="FF0000"/>
+                            </a:solidFill>
+                            <a:latin typeface="Cambria Math"/>
+                          </a:rPr>
+                          <m:t>𝑃</m:t>
+                        </m:r>
+                        <m:d>
+                          <m:dPr>
+                            <m:ctrlPr>
+                              <a:rPr lang="ru-RU" i="1">
+                                <a:solidFill>
+                                  <a:srgbClr val="FF0000"/>
+                                </a:solidFill>
+                                <a:latin typeface="Cambria Math"/>
+                              </a:rPr>
+                            </m:ctrlPr>
+                          </m:dPr>
+                          <m:e>
+                            <m:r>
+                              <a:rPr lang="en-US" i="1">
+                                <a:solidFill>
+                                  <a:srgbClr val="FF0000"/>
+                                </a:solidFill>
+                                <a:latin typeface="Cambria Math"/>
+                              </a:rPr>
+                              <m:t>𝑥</m:t>
+                            </m:r>
+                          </m:e>
+                        </m:d>
+                        <m:func>
+                          <m:funcPr>
+                            <m:ctrlPr>
+                              <a:rPr lang="en-US" i="1">
+                                <a:solidFill>
+                                  <a:srgbClr val="FF0000"/>
+                                </a:solidFill>
+                                <a:latin typeface="Cambria Math"/>
+                              </a:rPr>
+                            </m:ctrlPr>
+                          </m:funcPr>
+                          <m:fName>
+                            <m:r>
+                              <m:rPr>
+                                <m:sty m:val="p"/>
+                              </m:rPr>
+                              <a:rPr lang="en-US">
+                                <a:solidFill>
+                                  <a:srgbClr val="FF0000"/>
+                                </a:solidFill>
+                                <a:latin typeface="Cambria Math"/>
+                              </a:rPr>
+                              <m:t>log</m:t>
+                            </m:r>
+                          </m:fName>
+                          <m:e>
+                            <m:d>
+                              <m:dPr>
+                                <m:ctrlPr>
+                                  <a:rPr lang="en-US" i="1">
+                                    <a:solidFill>
+                                      <a:srgbClr val="FF0000"/>
+                                    </a:solidFill>
+                                    <a:latin typeface="Cambria Math"/>
+                                  </a:rPr>
+                                </m:ctrlPr>
+                              </m:dPr>
+                              <m:e>
+                                <m:acc>
+                                  <m:accPr>
+                                    <m:chr m:val="̂"/>
+                                    <m:ctrlPr>
+                                      <a:rPr lang="en-US" i="1">
+                                        <a:solidFill>
+                                          <a:srgbClr val="FF0000"/>
+                                        </a:solidFill>
+                                        <a:latin typeface="Cambria Math"/>
+                                      </a:rPr>
+                                    </m:ctrlPr>
+                                  </m:accPr>
+                                  <m:e>
+                                    <m:r>
+                                      <a:rPr lang="en-US" i="1">
+                                        <a:solidFill>
+                                          <a:srgbClr val="FF0000"/>
+                                        </a:solidFill>
+                                        <a:latin typeface="Cambria Math"/>
+                                      </a:rPr>
+                                      <m:t>𝑃</m:t>
+                                    </m:r>
+                                    <m:d>
+                                      <m:dPr>
+                                        <m:ctrlPr>
+                                          <a:rPr lang="en-US" i="1">
+                                            <a:solidFill>
+                                              <a:srgbClr val="FF0000"/>
+                                            </a:solidFill>
+                                            <a:latin typeface="Cambria Math"/>
+                                          </a:rPr>
+                                        </m:ctrlPr>
+                                      </m:dPr>
+                                      <m:e>
+                                        <m:r>
+                                          <a:rPr lang="en-US" i="1">
+                                            <a:solidFill>
+                                              <a:srgbClr val="FF0000"/>
+                                            </a:solidFill>
+                                            <a:latin typeface="Cambria Math"/>
+                                          </a:rPr>
+                                          <m:t>𝑥</m:t>
+                                        </m:r>
+                                      </m:e>
+                                    </m:d>
+                                  </m:e>
+                                </m:acc>
+                              </m:e>
+                            </m:d>
+                          </m:e>
+                        </m:func>
+                      </m:e>
+                    </m:nary>
+                  </m:oMath>
+                </a14:m>
+                <a:endParaRPr lang="en-US" dirty="0">
+                  <a:solidFill>
+                    <a:srgbClr val="FF0000"/>
+                  </a:solidFill>
+                </a:endParaRPr>
+              </a:p>
+              <a:p>
+                <a:pPr marL="118872" lvl="0" indent="0">
+                  <a:buNone/>
+                </a:pPr>
+                <a:endParaRPr lang="en-US" dirty="0" smtClean="0"/>
+              </a:p>
+              <a:p>
+                <a:pPr lvl="0"/>
+                <a:endParaRPr lang="ru-RU" dirty="0"/>
+              </a:p>
+              <a:p>
+                <a:pPr marL="118872" indent="0">
+                  <a:buNone/>
+                </a:pPr>
+                <a:endParaRPr lang="en-US" dirty="0" smtClean="0"/>
+              </a:p>
+              <a:p>
+                <a:pPr marL="118872" indent="0">
+                  <a:buNone/>
+                </a:pPr>
+                <a:endParaRPr lang="ru-RU" dirty="0"/>
+              </a:p>
+            </p:txBody>
+          </p:sp>
+        </mc:Choice>
+        <mc:Fallback>
+          <p:sp>
+            <p:nvSpPr>
+              <p:cNvPr id="3" name="Объект 2"/>
+              <p:cNvSpPr>
+                <a:spLocks noGrp="1" noRot="1" noChangeAspect="1" noMove="1" noResize="1" noEditPoints="1" noAdjustHandles="1" noChangeArrowheads="1" noChangeShapeType="1" noTextEdit="1"/>
+              </p:cNvSpPr>
+              <p:nvPr>
+                <p:ph idx="1"/>
+              </p:nvPr>
+            </p:nvSpPr>
+            <p:spPr>
+              <a:blipFill rotWithShape="1">
+                <a:blip r:embed="rId2"/>
+                <a:stretch>
+                  <a:fillRect t="-791" r="-7333" b="-6719"/>
+                </a:stretch>
+              </a:blipFill>
+            </p:spPr>
+            <p:txBody>
+              <a:bodyPr/>
+              <a:lstStyle/>
+              <a:p>
+                <a:r>
+                  <a:rPr lang="ru-RU">
+                    <a:noFill/>
+                  </a:rPr>
+                  <a:t> </a:t>
+                </a:r>
+              </a:p>
+            </p:txBody>
+          </p:sp>
+        </mc:Fallback>
+      </mc:AlternateContent>
+      <p:sp>
+        <p:nvSpPr>
+          <p:cNvPr id="4" name="Номер слайда 3"/>
+          <p:cNvSpPr>
+            <a:spLocks noGrp="1"/>
+          </p:cNvSpPr>
+          <p:nvPr>
+            <p:ph type="sldNum" sz="quarter" idx="12"/>
+          </p:nvPr>
+        </p:nvSpPr>
+        <p:spPr/>
+        <p:txBody>
+          <a:bodyPr/>
+          <a:lstStyle/>
+          <a:p>
+            <a:fld id="{C453EA42-BA89-4D45-B3D1-7EC11C308921}" type="slidenum">
+              <a:rPr lang="ru-RU" smtClean="0"/>
+              <a:t>8</a:t>
+            </a:fld>
+            <a:endParaRPr lang="ru-RU"/>
+          </a:p>
+        </p:txBody>
+      </p:sp>
+    </p:spTree>
+    <p:extLst>
+      <p:ext uri="{BB962C8B-B14F-4D97-AF65-F5344CB8AC3E}">
+        <p14:creationId xmlns:p14="http://schemas.microsoft.com/office/powerpoint/2010/main" val="4291268107"/>
+      </p:ext>
+    </p:extLst>
+  </p:cSld>
+  <p:clrMapOvr>
+    <a:masterClrMapping/>
+  </p:clrMapOvr>
+</p:sld>
+</file>
+
+<file path=ppt/slides/slide9.xml><?xml version="1.0" encoding="utf-8"?>
+<p:sld xmlns:a="http://schemas.openxmlformats.org/drawingml/2006/main" xmlns:r="http://schemas.openxmlformats.org/officeDocument/2006/relationships" xmlns:p="http://schemas.openxmlformats.org/presentationml/2006/main">
+  <p:cSld>
+    <p:spTree>
+      <p:nvGrpSpPr>
+        <p:cNvPr id="1" name=""/>
+        <p:cNvGrpSpPr/>
+        <p:nvPr/>
+      </p:nvGrpSpPr>
+      <p:grpSpPr>
+        <a:xfrm>
+          <a:off x="0" y="0"/>
+          <a:ext cx="0" cy="0"/>
+          <a:chOff x="0" y="0"/>
+          <a:chExt cx="0" cy="0"/>
+        </a:xfrm>
+      </p:grpSpPr>
+      <p:sp>
+        <p:nvSpPr>
+          <p:cNvPr id="2" name="Заголовок 1"/>
+          <p:cNvSpPr>
+            <a:spLocks noGrp="1"/>
+          </p:cNvSpPr>
+          <p:nvPr>
+            <p:ph type="title"/>
+          </p:nvPr>
+        </p:nvSpPr>
+        <p:spPr/>
+        <p:txBody>
+          <a:bodyPr/>
+          <a:lstStyle/>
+          <a:p>
+            <a:endParaRPr lang="ru-RU"/>
+          </a:p>
+        </p:txBody>
+      </p:sp>
+      <mc:AlternateContent xmlns:mc="http://schemas.openxmlformats.org/markup-compatibility/2006">
+        <mc:Choice xmlns:a14="http://schemas.microsoft.com/office/drawing/2010/main" Requires="a14">
+          <p:sp>
+            <p:nvSpPr>
+              <p:cNvPr id="3" name="Объект 2"/>
+              <p:cNvSpPr>
+                <a:spLocks noGrp="1"/>
+              </p:cNvSpPr>
+              <p:nvPr>
+                <p:ph idx="1"/>
+              </p:nvPr>
+            </p:nvSpPr>
+            <p:spPr/>
+            <p:txBody>
+              <a:bodyPr>
+                <a:normAutofit fontScale="47500" lnSpcReduction="20000"/>
+              </a:bodyPr>
+              <a:lstStyle/>
+              <a:p>
+                <a:r>
+                  <a:rPr lang="en-US" dirty="0" smtClean="0"/>
+                  <a:t>For two classes it’s the same as Logistic Loss</a:t>
+                </a:r>
+              </a:p>
+              <a:p>
+                <a:endParaRPr lang="en-US" dirty="0"/>
+              </a:p>
+              <a:p>
+                <a:r>
+                  <a:rPr lang="en-US" dirty="0" smtClean="0"/>
+                  <a:t>We can motivate the opt. problem with other motivation if there are only two classes then we have probability of one class </a:t>
+                </a:r>
+                <a:r>
+                  <a:rPr lang="en-US" b="1" dirty="0" smtClean="0"/>
+                  <a:t>p </a:t>
+                </a:r>
+                <a:r>
+                  <a:rPr lang="en-US" dirty="0" smtClean="0"/>
+                  <a:t>and other is</a:t>
+                </a:r>
+                <a:r>
+                  <a:rPr lang="en-US" b="1" dirty="0" smtClean="0"/>
+                  <a:t> 1-p</a:t>
+                </a:r>
+              </a:p>
+              <a:p>
+                <a:endParaRPr lang="en-US" b="1" dirty="0" smtClean="0"/>
+              </a:p>
+              <a:p>
+                <a:pPr marL="118872" indent="0">
+                  <a:buNone/>
+                </a:pPr>
+                <a:r>
+                  <a:rPr lang="en-US" b="1" dirty="0" smtClean="0"/>
+                  <a:t>We can setup </a:t>
+                </a:r>
+                <a:r>
+                  <a:rPr lang="en-US" b="1" dirty="0" err="1" smtClean="0"/>
+                  <a:t>opt.problem</a:t>
+                </a:r>
+                <a:r>
+                  <a:rPr lang="en-US" b="1" dirty="0" smtClean="0"/>
+                  <a:t> with Maximum Likelihood principle:</a:t>
+                </a:r>
+              </a:p>
+              <a:p>
+                <a:pPr marL="118872" indent="0">
+                  <a:buNone/>
+                </a:pPr>
+                <a:r>
+                  <a:rPr lang="en-US" b="1" dirty="0" smtClean="0"/>
+                  <a:t>(examples are independent and obtained from the same distribution)</a:t>
+                </a:r>
+              </a:p>
+              <a:p>
+                <a:pPr marL="118872" indent="0">
+                  <a:buNone/>
+                </a:pPr>
+                <a:endParaRPr lang="en-US" b="1" dirty="0" smtClean="0"/>
+              </a:p>
+              <a:p>
+                <a14:m>
+                  <m:oMath xmlns:m="http://schemas.openxmlformats.org/officeDocument/2006/math">
+                    <m:r>
+                      <a:rPr lang="en-US" b="0" i="1" smtClean="0">
+                        <a:solidFill>
+                          <a:srgbClr val="FF0000"/>
+                        </a:solidFill>
+                        <a:latin typeface="Cambria Math"/>
+                      </a:rPr>
+                      <m:t>𝑚𝑎𝑥</m:t>
+                    </m:r>
+                    <m:r>
+                      <a:rPr lang="en-US" b="0" i="1" smtClean="0">
+                        <a:solidFill>
+                          <a:srgbClr val="FF0000"/>
+                        </a:solidFill>
+                        <a:latin typeface="Cambria Math"/>
+                      </a:rPr>
+                      <m:t>.</m:t>
+                    </m:r>
+                    <m:nary>
+                      <m:naryPr>
+                        <m:chr m:val="∏"/>
+                        <m:subHide m:val="on"/>
+                        <m:supHide m:val="on"/>
+                        <m:ctrlPr>
+                          <a:rPr lang="en-US" b="0" i="1" smtClean="0">
+                            <a:solidFill>
+                              <a:srgbClr val="FF0000"/>
+                            </a:solidFill>
+                            <a:latin typeface="Cambria Math"/>
+                          </a:rPr>
+                        </m:ctrlPr>
+                      </m:naryPr>
+                      <m:sub/>
+                      <m:sup/>
+                      <m:e>
+                        <m:acc>
+                          <m:accPr>
+                            <m:chr m:val="̂"/>
+                            <m:ctrlPr>
+                              <a:rPr lang="en-US" i="1">
+                                <a:solidFill>
+                                  <a:srgbClr val="FF0000"/>
+                                </a:solidFill>
+                                <a:latin typeface="Cambria Math"/>
+                              </a:rPr>
+                            </m:ctrlPr>
+                          </m:accPr>
+                          <m:e>
+                            <m:r>
+                              <a:rPr lang="en-US" i="1">
+                                <a:solidFill>
+                                  <a:srgbClr val="FF0000"/>
+                                </a:solidFill>
+                                <a:latin typeface="Cambria Math"/>
+                              </a:rPr>
+                              <m:t>𝑃</m:t>
+                            </m:r>
+                            <m:d>
+                              <m:dPr>
+                                <m:ctrlPr>
+                                  <a:rPr lang="en-US" i="1">
+                                    <a:solidFill>
+                                      <a:srgbClr val="FF0000"/>
+                                    </a:solidFill>
+                                    <a:latin typeface="Cambria Math"/>
+                                  </a:rPr>
+                                </m:ctrlPr>
+                              </m:dPr>
+                              <m:e>
+                                <m:r>
+                                  <a:rPr lang="en-US" i="1">
+                                    <a:solidFill>
+                                      <a:srgbClr val="FF0000"/>
+                                    </a:solidFill>
+                                    <a:latin typeface="Cambria Math"/>
+                                  </a:rPr>
+                                  <m:t>𝑥</m:t>
+                                </m:r>
+                              </m:e>
+                            </m:d>
+                          </m:e>
+                        </m:acc>
+                      </m:e>
+                    </m:nary>
+                  </m:oMath>
+                </a14:m>
+                <a:r>
+                  <a:rPr lang="en-US" dirty="0" smtClean="0"/>
+                  <a:t> for classes with class “1”</a:t>
+                </a:r>
+              </a:p>
+              <a:p>
+                <a14:m>
+                  <m:oMath xmlns:m="http://schemas.openxmlformats.org/officeDocument/2006/math">
+                    <m:r>
+                      <a:rPr lang="en-US" i="1">
+                        <a:solidFill>
+                          <a:srgbClr val="FF0000"/>
+                        </a:solidFill>
+                        <a:latin typeface="Cambria Math"/>
+                      </a:rPr>
+                      <m:t>𝑚𝑎𝑥</m:t>
+                    </m:r>
+                    <m:r>
+                      <a:rPr lang="en-US" i="1">
+                        <a:solidFill>
+                          <a:srgbClr val="FF0000"/>
+                        </a:solidFill>
+                        <a:latin typeface="Cambria Math"/>
+                      </a:rPr>
+                      <m:t>.</m:t>
+                    </m:r>
+                    <m:nary>
+                      <m:naryPr>
+                        <m:chr m:val="∏"/>
+                        <m:subHide m:val="on"/>
+                        <m:supHide m:val="on"/>
+                        <m:ctrlPr>
+                          <a:rPr lang="en-US" i="1">
+                            <a:solidFill>
+                              <a:srgbClr val="FF0000"/>
+                            </a:solidFill>
+                            <a:latin typeface="Cambria Math"/>
+                          </a:rPr>
+                        </m:ctrlPr>
+                      </m:naryPr>
+                      <m:sub/>
+                      <m:sup/>
+                      <m:e>
+                        <m:acc>
+                          <m:accPr>
+                            <m:chr m:val="̂"/>
+                            <m:ctrlPr>
+                              <a:rPr lang="en-US" i="1">
+                                <a:solidFill>
+                                  <a:srgbClr val="FF0000"/>
+                                </a:solidFill>
+                                <a:latin typeface="Cambria Math"/>
+                              </a:rPr>
+                            </m:ctrlPr>
+                          </m:accPr>
+                          <m:e>
+                            <m:r>
+                              <a:rPr lang="en-US" b="0" i="1" smtClean="0">
+                                <a:solidFill>
+                                  <a:srgbClr val="FF0000"/>
+                                </a:solidFill>
+                                <a:latin typeface="Cambria Math"/>
+                              </a:rPr>
+                              <m:t>1−</m:t>
+                            </m:r>
+                            <m:r>
+                              <a:rPr lang="en-US" i="1">
+                                <a:solidFill>
+                                  <a:srgbClr val="FF0000"/>
+                                </a:solidFill>
+                                <a:latin typeface="Cambria Math"/>
+                              </a:rPr>
+                              <m:t>𝑃</m:t>
+                            </m:r>
+                            <m:d>
+                              <m:dPr>
+                                <m:ctrlPr>
+                                  <a:rPr lang="en-US" i="1">
+                                    <a:solidFill>
+                                      <a:srgbClr val="FF0000"/>
+                                    </a:solidFill>
+                                    <a:latin typeface="Cambria Math"/>
+                                  </a:rPr>
+                                </m:ctrlPr>
+                              </m:dPr>
+                              <m:e>
+                                <m:r>
+                                  <a:rPr lang="en-US" i="1">
+                                    <a:solidFill>
+                                      <a:srgbClr val="FF0000"/>
+                                    </a:solidFill>
+                                    <a:latin typeface="Cambria Math"/>
+                                  </a:rPr>
+                                  <m:t>𝑥</m:t>
+                                </m:r>
+                              </m:e>
+                            </m:d>
+                          </m:e>
+                        </m:acc>
+                      </m:e>
+                    </m:nary>
+                  </m:oMath>
+                </a14:m>
+                <a:r>
+                  <a:rPr lang="en-US" dirty="0"/>
+                  <a:t>for classes with class </a:t>
+                </a:r>
+                <a:r>
+                  <a:rPr lang="en-US" dirty="0" smtClean="0"/>
+                  <a:t>“0”</a:t>
+                </a:r>
+                <a:endParaRPr lang="en-US" dirty="0"/>
+              </a:p>
+              <a:p>
+                <a:pPr marL="118872" indent="0">
+                  <a:buNone/>
+                </a:pPr>
+                <a:endParaRPr lang="en-US" dirty="0" smtClean="0"/>
+              </a:p>
+              <a:p>
+                <a:pPr marL="118872" indent="0">
+                  <a:buNone/>
+                </a:pPr>
+                <a:r>
+                  <a:rPr lang="en-US" dirty="0" smtClean="0"/>
+                  <a:t>It can be encoded as:</a:t>
+                </a:r>
+              </a:p>
+              <a:p>
+                <a:pPr marL="118872" indent="0">
+                  <a:buNone/>
+                </a:pPr>
+                <a14:m>
+                  <m:oMath xmlns:m="http://schemas.openxmlformats.org/officeDocument/2006/math">
+                    <m:r>
+                      <a:rPr lang="en-US" i="1">
+                        <a:solidFill>
+                          <a:srgbClr val="FF0000"/>
+                        </a:solidFill>
+                        <a:latin typeface="Cambria Math"/>
+                      </a:rPr>
+                      <m:t>𝑚𝑎𝑥</m:t>
+                    </m:r>
+                    <m:r>
+                      <a:rPr lang="en-US" i="1">
+                        <a:solidFill>
+                          <a:srgbClr val="FF0000"/>
+                        </a:solidFill>
+                        <a:latin typeface="Cambria Math"/>
+                      </a:rPr>
+                      <m:t>.</m:t>
+                    </m:r>
+                    <m:sSup>
+                      <m:sSupPr>
+                        <m:ctrlPr>
+                          <a:rPr lang="en-US" b="0" i="1" smtClean="0">
+                            <a:solidFill>
+                              <a:srgbClr val="FF0000"/>
+                            </a:solidFill>
+                            <a:latin typeface="Cambria Math"/>
+                          </a:rPr>
+                        </m:ctrlPr>
+                      </m:sSupPr>
+                      <m:e>
+                        <m:nary>
+                          <m:naryPr>
+                            <m:chr m:val="∏"/>
+                            <m:subHide m:val="on"/>
+                            <m:supHide m:val="on"/>
+                            <m:ctrlPr>
+                              <a:rPr lang="en-US" i="1">
+                                <a:solidFill>
+                                  <a:srgbClr val="FF0000"/>
+                                </a:solidFill>
+                                <a:latin typeface="Cambria Math"/>
+                              </a:rPr>
+                            </m:ctrlPr>
+                          </m:naryPr>
+                          <m:sub/>
+                          <m:sup/>
+                          <m:e>
+                            <m:acc>
+                              <m:accPr>
+                                <m:chr m:val="̂"/>
+                                <m:ctrlPr>
+                                  <a:rPr lang="en-US" i="1">
+                                    <a:solidFill>
+                                      <a:srgbClr val="FF0000"/>
+                                    </a:solidFill>
+                                    <a:latin typeface="Cambria Math"/>
+                                  </a:rPr>
+                                </m:ctrlPr>
+                              </m:accPr>
+                              <m:e>
+                                <m:r>
+                                  <a:rPr lang="en-US" i="1">
+                                    <a:solidFill>
+                                      <a:srgbClr val="FF0000"/>
+                                    </a:solidFill>
+                                    <a:latin typeface="Cambria Math"/>
+                                  </a:rPr>
+                                  <m:t>𝑃</m:t>
+                                </m:r>
+                                <m:d>
+                                  <m:dPr>
+                                    <m:ctrlPr>
+                                      <a:rPr lang="en-US" i="1">
+                                        <a:solidFill>
+                                          <a:srgbClr val="FF0000"/>
+                                        </a:solidFill>
+                                        <a:latin typeface="Cambria Math"/>
+                                      </a:rPr>
+                                    </m:ctrlPr>
+                                  </m:dPr>
+                                  <m:e>
+                                    <m:r>
+                                      <a:rPr lang="en-US" i="1">
+                                        <a:solidFill>
+                                          <a:srgbClr val="FF0000"/>
+                                        </a:solidFill>
+                                        <a:latin typeface="Cambria Math"/>
+                                      </a:rPr>
+                                      <m:t>𝑥</m:t>
+                                    </m:r>
+                                  </m:e>
+                                </m:d>
+                              </m:e>
+                            </m:acc>
+                          </m:e>
+                        </m:nary>
+                      </m:e>
+                      <m:sup>
+                        <m:r>
+                          <a:rPr lang="en-US" b="0" i="1" smtClean="0">
+                            <a:solidFill>
+                              <a:srgbClr val="FF0000"/>
+                            </a:solidFill>
+                            <a:latin typeface="Cambria Math"/>
+                          </a:rPr>
+                          <m:t>𝑃</m:t>
+                        </m:r>
+                        <m:r>
+                          <a:rPr lang="en-US" b="0" i="1" smtClean="0">
+                            <a:solidFill>
+                              <a:srgbClr val="FF0000"/>
+                            </a:solidFill>
+                            <a:latin typeface="Cambria Math"/>
+                          </a:rPr>
+                          <m:t>(</m:t>
+                        </m:r>
+                        <m:r>
+                          <a:rPr lang="en-US" b="0" i="1" smtClean="0">
+                            <a:solidFill>
+                              <a:srgbClr val="FF0000"/>
+                            </a:solidFill>
+                            <a:latin typeface="Cambria Math"/>
+                          </a:rPr>
+                          <m:t>𝑥</m:t>
+                        </m:r>
+                        <m:r>
+                          <a:rPr lang="en-US" b="0" i="1" smtClean="0">
+                            <a:solidFill>
+                              <a:srgbClr val="FF0000"/>
+                            </a:solidFill>
+                            <a:latin typeface="Cambria Math"/>
+                          </a:rPr>
+                          <m:t>)</m:t>
+                        </m:r>
+                      </m:sup>
+                    </m:sSup>
+                  </m:oMath>
+                </a14:m>
+                <a:r>
+                  <a:rPr lang="en-US" dirty="0"/>
+                  <a:t> for classes with class “1</a:t>
+                </a:r>
+                <a:r>
+                  <a:rPr lang="en-US" dirty="0" smtClean="0"/>
+                  <a:t>”</a:t>
+                </a:r>
+              </a:p>
+              <a:p>
+                <a:pPr marL="118872" indent="0">
+                  <a:buNone/>
+                </a:pPr>
+                <a:endParaRPr lang="en-US" dirty="0"/>
+              </a:p>
+              <a:p>
+                <a:pPr marL="118872" indent="0">
+                  <a:buNone/>
+                </a:pPr>
+                <a14:m>
+                  <m:oMath xmlns:m="http://schemas.openxmlformats.org/officeDocument/2006/math">
+                    <m:r>
+                      <a:rPr lang="en-US" i="1">
+                        <a:solidFill>
+                          <a:srgbClr val="FF0000"/>
+                        </a:solidFill>
+                        <a:latin typeface="Cambria Math"/>
+                      </a:rPr>
+                      <m:t>𝑚𝑎𝑥</m:t>
+                    </m:r>
+                    <m:r>
+                      <a:rPr lang="en-US" i="1">
+                        <a:solidFill>
+                          <a:srgbClr val="FF0000"/>
+                        </a:solidFill>
+                        <a:latin typeface="Cambria Math"/>
+                      </a:rPr>
+                      <m:t>.</m:t>
+                    </m:r>
+                    <m:nary>
+                      <m:naryPr>
+                        <m:chr m:val="∏"/>
+                        <m:subHide m:val="on"/>
+                        <m:supHide m:val="on"/>
+                        <m:ctrlPr>
+                          <a:rPr lang="en-US" i="1">
+                            <a:solidFill>
+                              <a:srgbClr val="FF0000"/>
+                            </a:solidFill>
+                            <a:latin typeface="Cambria Math"/>
+                          </a:rPr>
+                        </m:ctrlPr>
+                      </m:naryPr>
+                      <m:sub/>
+                      <m:sup/>
+                      <m:e>
+                        <m:sSup>
+                          <m:sSupPr>
+                            <m:ctrlPr>
+                              <a:rPr lang="en-US" b="0" i="1" smtClean="0">
+                                <a:solidFill>
+                                  <a:srgbClr val="FF0000"/>
+                                </a:solidFill>
+                                <a:latin typeface="Cambria Math"/>
+                              </a:rPr>
+                            </m:ctrlPr>
+                          </m:sSupPr>
+                          <m:e>
+                            <m:acc>
+                              <m:accPr>
+                                <m:chr m:val="̂"/>
+                                <m:ctrlPr>
+                                  <a:rPr lang="en-US" i="1">
+                                    <a:solidFill>
+                                      <a:srgbClr val="FF0000"/>
+                                    </a:solidFill>
+                                    <a:latin typeface="Cambria Math"/>
+                                  </a:rPr>
+                                </m:ctrlPr>
+                              </m:accPr>
+                              <m:e>
+                                <m:r>
+                                  <a:rPr lang="en-US" i="1">
+                                    <a:solidFill>
+                                      <a:srgbClr val="FF0000"/>
+                                    </a:solidFill>
+                                    <a:latin typeface="Cambria Math"/>
+                                  </a:rPr>
+                                  <m:t>1−</m:t>
+                                </m:r>
+                                <m:r>
+                                  <a:rPr lang="en-US" i="1">
+                                    <a:solidFill>
+                                      <a:srgbClr val="FF0000"/>
+                                    </a:solidFill>
+                                    <a:latin typeface="Cambria Math"/>
+                                  </a:rPr>
+                                  <m:t>𝑃</m:t>
+                                </m:r>
+                                <m:d>
+                                  <m:dPr>
+                                    <m:ctrlPr>
+                                      <a:rPr lang="en-US" i="1">
+                                        <a:solidFill>
+                                          <a:srgbClr val="FF0000"/>
+                                        </a:solidFill>
+                                        <a:latin typeface="Cambria Math"/>
+                                      </a:rPr>
+                                    </m:ctrlPr>
+                                  </m:dPr>
+                                  <m:e>
+                                    <m:r>
+                                      <a:rPr lang="en-US" i="1">
+                                        <a:solidFill>
+                                          <a:srgbClr val="FF0000"/>
+                                        </a:solidFill>
+                                        <a:latin typeface="Cambria Math"/>
+                                      </a:rPr>
+                                      <m:t>𝑥</m:t>
+                                    </m:r>
+                                  </m:e>
+                                </m:d>
+                              </m:e>
+                            </m:acc>
+                          </m:e>
+                          <m:sup>
+                            <m:r>
+                              <a:rPr lang="en-US" b="0" i="1" smtClean="0">
+                                <a:solidFill>
+                                  <a:srgbClr val="FF0000"/>
+                                </a:solidFill>
+                                <a:latin typeface="Cambria Math"/>
+                              </a:rPr>
+                              <m:t>1−</m:t>
+                            </m:r>
+                            <m:r>
+                              <a:rPr lang="en-US" b="0" i="1" smtClean="0">
+                                <a:solidFill>
+                                  <a:srgbClr val="FF0000"/>
+                                </a:solidFill>
+                                <a:latin typeface="Cambria Math"/>
+                              </a:rPr>
+                              <m:t>𝑃</m:t>
+                            </m:r>
+                            <m:r>
+                              <a:rPr lang="en-US" b="0" i="1" smtClean="0">
+                                <a:solidFill>
+                                  <a:srgbClr val="FF0000"/>
+                                </a:solidFill>
+                                <a:latin typeface="Cambria Math"/>
+                              </a:rPr>
+                              <m:t>(</m:t>
+                            </m:r>
+                            <m:r>
+                              <a:rPr lang="en-US" b="0" i="1" smtClean="0">
+                                <a:solidFill>
+                                  <a:srgbClr val="FF0000"/>
+                                </a:solidFill>
+                                <a:latin typeface="Cambria Math"/>
+                              </a:rPr>
+                              <m:t>𝑥</m:t>
+                            </m:r>
+                            <m:r>
+                              <a:rPr lang="en-US" b="0" i="1" smtClean="0">
+                                <a:solidFill>
+                                  <a:srgbClr val="FF0000"/>
+                                </a:solidFill>
+                                <a:latin typeface="Cambria Math"/>
+                              </a:rPr>
+                              <m:t>)</m:t>
+                            </m:r>
+                          </m:sup>
+                        </m:sSup>
+                      </m:e>
+                    </m:nary>
+                  </m:oMath>
+                </a14:m>
+                <a:r>
+                  <a:rPr lang="en-US" dirty="0"/>
+                  <a:t>for classes with class </a:t>
+                </a:r>
+                <a:r>
+                  <a:rPr lang="en-US" dirty="0"/>
+                  <a:t>“0</a:t>
+                </a:r>
+                <a:r>
+                  <a:rPr lang="en-US" dirty="0" smtClean="0"/>
+                  <a:t>”</a:t>
+                </a:r>
+              </a:p>
+              <a:p>
+                <a:pPr marL="118872" indent="0">
+                  <a:buNone/>
+                </a:pPr>
+                <a:endParaRPr lang="en-US" dirty="0" smtClean="0"/>
+              </a:p>
+              <a:p>
+                <a:pPr marL="118872" indent="0">
+                  <a:buNone/>
+                </a:pPr>
+                <a:r>
+                  <a:rPr lang="en-US" dirty="0" smtClean="0"/>
+                  <a:t>If combine and apply log then we will have:</a:t>
+                </a:r>
+              </a:p>
+              <a:p>
+                <a:pPr marL="118872" indent="0">
+                  <a:buNone/>
+                </a:pPr>
+                <a14:m>
+                  <m:oMathPara xmlns:m="http://schemas.openxmlformats.org/officeDocument/2006/math">
+                    <m:oMathParaPr>
+                      <m:jc m:val="left"/>
+                    </m:oMathParaPr>
+                    <m:oMath xmlns:m="http://schemas.openxmlformats.org/officeDocument/2006/math">
+                      <m:r>
+                        <a:rPr lang="en-US" b="0" i="1">
+                          <a:solidFill>
+                            <a:srgbClr val="FF0000"/>
+                          </a:solidFill>
+                          <a:latin typeface="Cambria Math"/>
+                        </a:rPr>
+                        <m:t>𝑚𝑖𝑛</m:t>
+                      </m:r>
+                      <m:sSub>
+                        <m:sSubPr>
+                          <m:ctrlPr>
+                            <a:rPr lang="en-US" i="1">
+                              <a:solidFill>
+                                <a:srgbClr val="FF0000"/>
+                              </a:solidFill>
+                              <a:latin typeface="Cambria Math"/>
+                            </a:rPr>
+                          </m:ctrlPr>
+                        </m:sSubPr>
+                        <m:e>
+                          <m:r>
+                            <a:rPr lang="en-US" b="0" i="1">
+                              <a:solidFill>
+                                <a:srgbClr val="FF0000"/>
+                              </a:solidFill>
+                              <a:latin typeface="Cambria Math"/>
+                            </a:rPr>
+                            <m:t>.</m:t>
+                          </m:r>
+                        </m:e>
+                        <m:sub>
+                          <m:acc>
+                            <m:accPr>
+                              <m:chr m:val="̂"/>
+                              <m:ctrlPr>
+                                <a:rPr lang="en-US" i="1">
+                                  <a:solidFill>
+                                    <a:srgbClr val="FF0000"/>
+                                  </a:solidFill>
+                                  <a:latin typeface="Cambria Math"/>
+                                </a:rPr>
+                              </m:ctrlPr>
+                            </m:accPr>
+                            <m:e>
+                              <m:r>
+                                <a:rPr lang="en-US" b="0" i="1">
+                                  <a:solidFill>
+                                    <a:srgbClr val="FF0000"/>
+                                  </a:solidFill>
+                                  <a:latin typeface="Cambria Math"/>
+                                </a:rPr>
+                                <m:t>𝑃</m:t>
+                              </m:r>
+                              <m:d>
+                                <m:dPr>
+                                  <m:ctrlPr>
+                                    <a:rPr lang="en-US" i="1">
+                                      <a:solidFill>
+                                        <a:srgbClr val="FF0000"/>
+                                      </a:solidFill>
+                                      <a:latin typeface="Cambria Math"/>
+                                    </a:rPr>
+                                  </m:ctrlPr>
+                                </m:dPr>
+                                <m:e>
+                                  <m:r>
+                                    <a:rPr lang="en-US" b="0" i="1">
+                                      <a:solidFill>
+                                        <a:srgbClr val="FF0000"/>
+                                      </a:solidFill>
+                                      <a:latin typeface="Cambria Math"/>
+                                    </a:rPr>
+                                    <m:t>𝑥</m:t>
+                                  </m:r>
+                                </m:e>
+                              </m:d>
+                            </m:e>
+                          </m:acc>
+                        </m:sub>
+                      </m:sSub>
+                      <m:r>
+                        <a:rPr lang="en-US" b="0" i="1">
+                          <a:solidFill>
+                            <a:srgbClr val="FF0000"/>
+                          </a:solidFill>
+                          <a:latin typeface="Cambria Math"/>
+                        </a:rPr>
+                        <m:t>−</m:t>
+                      </m:r>
+                      <m:nary>
+                        <m:naryPr>
+                          <m:chr m:val="∑"/>
+                          <m:limLoc m:val="undOvr"/>
+                          <m:ctrlPr>
+                            <a:rPr lang="ru-RU" i="1">
+                              <a:solidFill>
+                                <a:srgbClr val="FF0000"/>
+                              </a:solidFill>
+                              <a:latin typeface="Cambria Math"/>
+                            </a:rPr>
+                          </m:ctrlPr>
+                        </m:naryPr>
+                        <m:sub>
+                          <m:r>
+                            <a:rPr lang="en-US" b="0" i="1">
+                              <a:solidFill>
+                                <a:srgbClr val="FF0000"/>
+                              </a:solidFill>
+                              <a:latin typeface="Cambria Math"/>
+                            </a:rPr>
+                            <m:t>𝑥</m:t>
+                          </m:r>
+                        </m:sub>
+                        <m:sup/>
+                        <m:e>
+                          <m:r>
+                            <a:rPr lang="en-US" b="0" i="1">
+                              <a:solidFill>
+                                <a:srgbClr val="FF0000"/>
+                              </a:solidFill>
+                              <a:latin typeface="Cambria Math"/>
+                            </a:rPr>
+                            <m:t>𝑃</m:t>
+                          </m:r>
+                          <m:d>
+                            <m:dPr>
+                              <m:ctrlPr>
+                                <a:rPr lang="ru-RU" i="1">
+                                  <a:solidFill>
+                                    <a:srgbClr val="FF0000"/>
+                                  </a:solidFill>
+                                  <a:latin typeface="Cambria Math"/>
+                                </a:rPr>
+                              </m:ctrlPr>
+                            </m:dPr>
+                            <m:e>
+                              <m:r>
+                                <a:rPr lang="en-US" b="0" i="1">
+                                  <a:solidFill>
+                                    <a:srgbClr val="FF0000"/>
+                                  </a:solidFill>
+                                  <a:latin typeface="Cambria Math"/>
+                                </a:rPr>
+                                <m:t>𝑥</m:t>
+                              </m:r>
+                            </m:e>
+                          </m:d>
+                          <m:func>
+                            <m:funcPr>
+                              <m:ctrlPr>
+                                <a:rPr lang="en-US" i="1">
+                                  <a:solidFill>
+                                    <a:srgbClr val="FF0000"/>
+                                  </a:solidFill>
+                                  <a:latin typeface="Cambria Math"/>
+                                </a:rPr>
+                              </m:ctrlPr>
+                            </m:funcPr>
+                            <m:fName>
+                              <m:r>
+                                <m:rPr>
+                                  <m:sty m:val="p"/>
+                                </m:rPr>
+                                <a:rPr lang="en-US" b="0">
+                                  <a:solidFill>
+                                    <a:srgbClr val="FF0000"/>
+                                  </a:solidFill>
+                                  <a:latin typeface="Cambria Math"/>
+                                </a:rPr>
+                                <m:t>log</m:t>
+                              </m:r>
+                            </m:fName>
+                            <m:e>
+                              <m:d>
+                                <m:dPr>
+                                  <m:ctrlPr>
+                                    <a:rPr lang="en-US" i="1">
+                                      <a:solidFill>
+                                        <a:srgbClr val="FF0000"/>
+                                      </a:solidFill>
+                                      <a:latin typeface="Cambria Math"/>
+                                    </a:rPr>
+                                  </m:ctrlPr>
+                                </m:dPr>
+                                <m:e>
+                                  <m:acc>
+                                    <m:accPr>
+                                      <m:chr m:val="̂"/>
+                                      <m:ctrlPr>
+                                        <a:rPr lang="en-US" i="1">
+                                          <a:solidFill>
+                                            <a:srgbClr val="FF0000"/>
+                                          </a:solidFill>
+                                          <a:latin typeface="Cambria Math"/>
+                                        </a:rPr>
+                                      </m:ctrlPr>
+                                    </m:accPr>
+                                    <m:e>
+                                      <m:r>
+                                        <a:rPr lang="en-US" b="0" i="1">
+                                          <a:solidFill>
+                                            <a:srgbClr val="FF0000"/>
+                                          </a:solidFill>
+                                          <a:latin typeface="Cambria Math"/>
+                                        </a:rPr>
+                                        <m:t>𝑃</m:t>
+                                      </m:r>
+                                      <m:d>
+                                        <m:dPr>
+                                          <m:ctrlPr>
+                                            <a:rPr lang="en-US" i="1">
+                                              <a:solidFill>
+                                                <a:srgbClr val="FF0000"/>
+                                              </a:solidFill>
+                                              <a:latin typeface="Cambria Math"/>
+                                            </a:rPr>
+                                          </m:ctrlPr>
+                                        </m:dPr>
+                                        <m:e>
+                                          <m:r>
+                                            <a:rPr lang="en-US" b="0" i="1">
+                                              <a:solidFill>
+                                                <a:srgbClr val="FF0000"/>
+                                              </a:solidFill>
+                                              <a:latin typeface="Cambria Math"/>
+                                            </a:rPr>
+                                            <m:t>𝑥</m:t>
+                                          </m:r>
+                                        </m:e>
+                                      </m:d>
+                                    </m:e>
+                                  </m:acc>
+                                </m:e>
+                              </m:d>
+                            </m:e>
+                          </m:func>
+                        </m:e>
+                      </m:nary>
+                    </m:oMath>
+                  </m:oMathPara>
+                </a14:m>
+                <a:endParaRPr lang="en-US" dirty="0" smtClean="0"/>
+              </a:p>
+            </p:txBody>
+          </p:sp>
+        </mc:Choice>
+        <mc:Fallback>
+          <p:sp>
+            <p:nvSpPr>
+              <p:cNvPr id="3" name="Объект 2"/>
+              <p:cNvSpPr>
+                <a:spLocks noGrp="1" noRot="1" noChangeAspect="1" noMove="1" noResize="1" noEditPoints="1" noAdjustHandles="1" noChangeArrowheads="1" noChangeShapeType="1" noTextEdit="1"/>
+              </p:cNvSpPr>
+              <p:nvPr>
+                <p:ph idx="1"/>
+              </p:nvPr>
+            </p:nvSpPr>
+            <p:spPr>
+              <a:blipFill rotWithShape="1">
+                <a:blip r:embed="rId2"/>
+                <a:stretch>
+                  <a:fillRect/>
+                </a:stretch>
+              </a:blipFill>
+            </p:spPr>
+            <p:txBody>
+              <a:bodyPr/>
+              <a:lstStyle/>
+              <a:p>
+                <a:r>
+                  <a:rPr lang="ru-RU">
+                    <a:noFill/>
+                  </a:rPr>
+                  <a:t> </a:t>
+                </a:r>
+              </a:p>
+            </p:txBody>
+          </p:sp>
+        </mc:Fallback>
+      </mc:AlternateContent>
+      <p:sp>
+        <p:nvSpPr>
+          <p:cNvPr id="4" name="Номер слайда 3"/>
+          <p:cNvSpPr>
+            <a:spLocks noGrp="1"/>
+          </p:cNvSpPr>
+          <p:nvPr>
+            <p:ph type="sldNum" sz="quarter" idx="12"/>
+          </p:nvPr>
+        </p:nvSpPr>
+        <p:spPr/>
+        <p:txBody>
+          <a:bodyPr/>
+          <a:lstStyle/>
+          <a:p>
+            <a:fld id="{C453EA42-BA89-4D45-B3D1-7EC11C308921}" type="slidenum">
+              <a:rPr lang="ru-RU" smtClean="0"/>
+              <a:t>9</a:t>
+            </a:fld>
+            <a:endParaRPr lang="ru-RU"/>
+          </a:p>
+        </p:txBody>
+      </p:sp>
+    </p:spTree>
+    <p:extLst>
+      <p:ext uri="{BB962C8B-B14F-4D97-AF65-F5344CB8AC3E}">
+        <p14:creationId xmlns:p14="http://schemas.microsoft.com/office/powerpoint/2010/main" val="1469515107"/>
+      </p:ext>
+    </p:extLst>
+  </p:cSld>
+  <p:clrMapOvr>
+    <a:masterClrMapping/>
+  </p:clrMapOvr>
 </p:sld>
 </file>
 

--- a/lectures/L9_multilayer_nn_forward_and_backward.pptx
+++ b/lectures/L9_multilayer_nn_forward_and_backward.pptx
@@ -4489,8 +4489,8 @@
           </a:p>
         </p:txBody>
       </p:sp>
-      <mc:AlternateContent xmlns:mc="http://schemas.openxmlformats.org/markup-compatibility/2006">
-        <mc:Choice xmlns:a14="http://schemas.microsoft.com/office/drawing/2010/main" Requires="a14">
+      <mc:AlternateContent xmlns:mc="http://schemas.openxmlformats.org/markup-compatibility/2006" xmlns:a14="http://schemas.microsoft.com/office/drawing/2010/main">
+        <mc:Choice Requires="a14">
           <p:sp>
             <p:nvSpPr>
               <p:cNvPr id="3" name="Объект 2"/>
@@ -5087,15 +5087,7 @@
                 </a:r>
                 <a:r>
                   <a:rPr lang="en-US" b="1" dirty="0" smtClean="0"/>
-                  <a:t>           </a:t>
-                </a:r>
-                <a:r>
-                  <a:rPr lang="en-US" b="1" dirty="0" smtClean="0"/>
-                  <a:t>         </a:t>
-                </a:r>
-                <a:r>
-                  <a:rPr lang="en-US" b="1" dirty="0" smtClean="0"/>
-                  <a:t>(</a:t>
+                  <a:t>                    (</a:t>
                 </a:r>
                 <a14:m>
                   <m:oMath xmlns:m="http://schemas.openxmlformats.org/officeDocument/2006/math">
@@ -5615,7 +5607,7 @@
             </p:txBody>
           </p:sp>
         </mc:Choice>
-        <mc:Fallback>
+        <mc:Fallback xmlns="">
           <p:sp>
             <p:nvSpPr>
               <p:cNvPr id="3" name="Объект 2"/>
@@ -5889,6 +5881,12 @@
                             </m:r>
                           </m:e>
                         </m:d>
+                        <m:r>
+                          <a:rPr lang="en-US" b="0" i="1" smtClean="0">
+                            <a:latin typeface="Cambria Math"/>
+                          </a:rPr>
+                          <m:t>′</m:t>
+                        </m:r>
                       </m:sup>
                     </m:sSup>
                     <m:r>
@@ -5944,19 +5942,11 @@
                 </a:r>
                 <a:r>
                   <a:rPr lang="en-US" i="1" dirty="0" err="1" smtClean="0"/>
-                  <a:t>E</a:t>
-                </a:r>
-                <a:r>
-                  <a:rPr lang="en-US" i="1" dirty="0" err="1" smtClean="0"/>
-                  <a:t>lementwise</a:t>
+                  <a:t>Elementwise</a:t>
                 </a:r>
                 <a:r>
                   <a:rPr lang="en-US" i="1" dirty="0" smtClean="0"/>
-                  <a:t> </a:t>
-                </a:r>
-                <a:r>
-                  <a:rPr lang="en-US" i="1" dirty="0" smtClean="0"/>
-                  <a:t>multiplication</a:t>
+                  <a:t> multiplication</a:t>
                 </a:r>
                 <a:r>
                   <a:rPr lang="en-US" dirty="0" smtClean="0"/>
@@ -6115,12 +6105,43 @@
                       </a:rPr>
                       <m:t>𝑑</m:t>
                     </m:r>
-                    <m:r>
-                      <a:rPr lang="en-US" i="1" smtClean="0">
-                        <a:latin typeface="Cambria Math"/>
-                      </a:rPr>
-                      <m:t>𝑊</m:t>
-                    </m:r>
+                    <m:sSup>
+                      <m:sSupPr>
+                        <m:ctrlPr>
+                          <a:rPr lang="en-US" b="0" i="1" smtClean="0">
+                            <a:latin typeface="Cambria Math"/>
+                          </a:rPr>
+                        </m:ctrlPr>
+                      </m:sSupPr>
+                      <m:e>
+                        <m:r>
+                          <a:rPr lang="en-US" i="1" smtClean="0">
+                            <a:latin typeface="Cambria Math"/>
+                          </a:rPr>
+                          <m:t>𝑊</m:t>
+                        </m:r>
+                      </m:e>
+                      <m:sup>
+                        <m:r>
+                          <a:rPr lang="en-US" b="0" i="1" smtClean="0">
+                            <a:latin typeface="Cambria Math"/>
+                          </a:rPr>
+                          <m:t>[</m:t>
+                        </m:r>
+                        <m:r>
+                          <a:rPr lang="en-US" b="0" i="1" smtClean="0">
+                            <a:latin typeface="Cambria Math"/>
+                          </a:rPr>
+                          <m:t>𝑙</m:t>
+                        </m:r>
+                        <m:r>
+                          <a:rPr lang="en-US" b="0" i="1" smtClean="0">
+                            <a:latin typeface="Cambria Math"/>
+                          </a:rPr>
+                          <m:t>]</m:t>
+                        </m:r>
+                      </m:sup>
+                    </m:sSup>
                     <m:r>
                       <a:rPr lang="en-US" i="1">
                         <a:latin typeface="Cambria Math"/>
@@ -6590,11 +6611,7 @@
                 </a14:m>
                 <a:r>
                   <a:rPr lang="en-US" dirty="0" smtClean="0"/>
-                  <a:t> is column vector which consist of all ones</a:t>
-                </a:r>
-                <a:r>
-                  <a:rPr lang="en-US" dirty="0" smtClean="0"/>
-                  <a:t>)</a:t>
+                  <a:t> is column vector which consist of all ones)</a:t>
                 </a:r>
               </a:p>
               <a:p>
@@ -6668,11 +6685,7 @@
                 </a:r>
                 <a:r>
                   <a:rPr lang="en-US" dirty="0" smtClean="0"/>
-                  <a:t> properly for last </a:t>
-                </a:r>
-                <a:r>
-                  <a:rPr lang="en-US" dirty="0" smtClean="0"/>
-                  <a:t>layer</a:t>
+                  <a:t> properly for last layer</a:t>
                 </a:r>
               </a:p>
               <a:p>
@@ -6810,9 +6823,6 @@
                     </m:r>
                   </m:oMath>
                 </a14:m>
-                <a:endParaRPr lang="en-US" dirty="0"/>
-              </a:p>
-              <a:p>
                 <a:endParaRPr lang="en-US" dirty="0" smtClean="0"/>
               </a:p>
               <a:p>
@@ -6950,8 +6960,8 @@
           </a:p>
         </p:txBody>
       </p:sp>
-      <mc:AlternateContent xmlns:mc="http://schemas.openxmlformats.org/markup-compatibility/2006">
-        <mc:Choice xmlns:a14="http://schemas.microsoft.com/office/drawing/2010/main" Requires="a14">
+      <mc:AlternateContent xmlns:mc="http://schemas.openxmlformats.org/markup-compatibility/2006" xmlns:a14="http://schemas.microsoft.com/office/drawing/2010/main">
+        <mc:Choice Requires="a14">
           <p:sp>
             <p:nvSpPr>
               <p:cNvPr id="3" name="Объект 2"/>
@@ -6981,7 +6991,7 @@
                     <m:sSub>
                       <m:sSubPr>
                         <m:ctrlPr>
-                          <a:rPr lang="ru-RU">
+                          <a:rPr lang="ru-RU" i="1">
                             <a:latin typeface="Cambria Math"/>
                           </a:rPr>
                         </m:ctrlPr>
@@ -7026,7 +7036,9 @@
                 <a14:m>
                   <m:oMath xmlns:m="http://schemas.openxmlformats.org/officeDocument/2006/math">
                     <m:r>
-                      <a:rPr lang="en-US" i="1"/>
+                      <a:rPr lang="en-US" i="1">
+                        <a:latin typeface="Cambria Math"/>
+                      </a:rPr>
                       <m:t>𝐻</m:t>
                     </m:r>
                     <m:d>
@@ -7034,18 +7046,24 @@
                         <m:begChr m:val="["/>
                         <m:endChr m:val="]"/>
                         <m:ctrlPr>
-                          <a:rPr lang="ru-RU" i="1"/>
+                          <a:rPr lang="ru-RU" i="1">
+                            <a:latin typeface="Cambria Math"/>
+                          </a:rPr>
                         </m:ctrlPr>
                       </m:dPr>
                       <m:e>
                         <m:r>
-                          <a:rPr lang="ru-RU" i="1"/>
+                          <a:rPr lang="ru-RU" i="1">
+                            <a:latin typeface="Cambria Math"/>
+                          </a:rPr>
                           <m:t>𝑋</m:t>
                         </m:r>
                       </m:e>
                     </m:d>
                     <m:r>
-                      <a:rPr lang="en-US" i="1"/>
+                      <a:rPr lang="en-US" i="1">
+                        <a:latin typeface="Cambria Math"/>
+                      </a:rPr>
                       <m:t>=−</m:t>
                     </m:r>
                     <m:nary>
@@ -7053,12 +7071,16 @@
                         <m:chr m:val="∑"/>
                         <m:limLoc m:val="undOvr"/>
                         <m:ctrlPr>
-                          <a:rPr lang="ru-RU" i="1"/>
+                          <a:rPr lang="ru-RU" i="1">
+                            <a:latin typeface="Cambria Math"/>
+                          </a:rPr>
                         </m:ctrlPr>
                       </m:naryPr>
                       <m:sub>
                         <m:r>
-                          <a:rPr lang="ru-RU" i="1"/>
+                          <a:rPr lang="ru-RU" i="1">
+                            <a:latin typeface="Cambria Math"/>
+                          </a:rPr>
                           <m:t>𝑖</m:t>
                         </m:r>
                       </m:sub>
@@ -7067,30 +7089,40 @@
                         <m:sSub>
                           <m:sSubPr>
                             <m:ctrlPr>
-                              <a:rPr lang="ru-RU" i="1"/>
+                              <a:rPr lang="ru-RU" i="1">
+                                <a:latin typeface="Cambria Math"/>
+                              </a:rPr>
                             </m:ctrlPr>
                           </m:sSubPr>
                           <m:e>
                             <m:r>
-                              <a:rPr lang="ru-RU" i="1"/>
+                              <a:rPr lang="ru-RU" i="1">
+                                <a:latin typeface="Cambria Math"/>
+                              </a:rPr>
                               <m:t>𝑝</m:t>
                             </m:r>
                           </m:e>
                           <m:sub>
                             <m:r>
-                              <a:rPr lang="ru-RU" i="1"/>
+                              <a:rPr lang="ru-RU" i="1">
+                                <a:latin typeface="Cambria Math"/>
+                              </a:rPr>
                               <m:t>𝑖</m:t>
                             </m:r>
                           </m:sub>
                         </m:sSub>
                         <m:r>
-                          <a:rPr lang="en-US" i="1"/>
+                          <a:rPr lang="en-US" i="1">
+                            <a:latin typeface="Cambria Math"/>
+                          </a:rPr>
                           <m:t>∙</m:t>
                         </m:r>
                         <m:func>
                           <m:funcPr>
                             <m:ctrlPr>
-                              <a:rPr lang="ru-RU" i="1"/>
+                              <a:rPr lang="ru-RU" i="1">
+                                <a:latin typeface="Cambria Math"/>
+                              </a:rPr>
                             </m:ctrlPr>
                           </m:funcPr>
                           <m:fName>
@@ -7098,7 +7130,9 @@
                               <m:rPr>
                                 <m:sty m:val="p"/>
                               </m:rPr>
-                              <a:rPr lang="en-US"/>
+                              <a:rPr lang="en-US">
+                                <a:latin typeface="Cambria Math"/>
+                              </a:rPr>
                               <m:t>log</m:t>
                             </m:r>
                           </m:fName>
@@ -7106,25 +7140,33 @@
                             <m:d>
                               <m:dPr>
                                 <m:ctrlPr>
-                                  <a:rPr lang="ru-RU" i="1"/>
+                                  <a:rPr lang="ru-RU" i="1">
+                                    <a:latin typeface="Cambria Math"/>
+                                  </a:rPr>
                                 </m:ctrlPr>
                               </m:dPr>
                               <m:e>
                                 <m:sSub>
                                   <m:sSubPr>
                                     <m:ctrlPr>
-                                      <a:rPr lang="ru-RU" i="1"/>
+                                      <a:rPr lang="ru-RU" i="1">
+                                        <a:latin typeface="Cambria Math"/>
+                                      </a:rPr>
                                     </m:ctrlPr>
                                   </m:sSubPr>
                                   <m:e>
                                     <m:r>
-                                      <a:rPr lang="ru-RU" i="1"/>
+                                      <a:rPr lang="ru-RU" i="1">
+                                        <a:latin typeface="Cambria Math"/>
+                                      </a:rPr>
                                       <m:t>𝑝</m:t>
                                     </m:r>
                                   </m:e>
                                   <m:sub>
                                     <m:r>
-                                      <a:rPr lang="ru-RU" i="1"/>
+                                      <a:rPr lang="ru-RU" i="1">
+                                        <a:latin typeface="Cambria Math"/>
+                                      </a:rPr>
                                       <m:t>𝑖</m:t>
                                     </m:r>
                                   </m:sub>
@@ -7168,13 +7210,23 @@
                 <a14:m>
                   <m:oMath xmlns:m="http://schemas.openxmlformats.org/officeDocument/2006/math">
                     <m:r>
-                      <a:rPr lang="en-US" i="1"/>
-                      <m:t>0∙</m:t>
+                      <a:rPr lang="en-US" i="1">
+                        <a:latin typeface="Cambria Math"/>
+                      </a:rPr>
+                      <m:t>0</m:t>
+                    </m:r>
+                    <m:r>
+                      <a:rPr lang="en-US" i="1">
+                        <a:latin typeface="Cambria Math"/>
+                      </a:rPr>
+                      <m:t>∙</m:t>
                     </m:r>
                     <m:func>
                       <m:funcPr>
                         <m:ctrlPr>
-                          <a:rPr lang="ru-RU" i="1"/>
+                          <a:rPr lang="ru-RU" i="1">
+                            <a:latin typeface="Cambria Math"/>
+                          </a:rPr>
                         </m:ctrlPr>
                       </m:funcPr>
                       <m:fName>
@@ -7182,7 +7234,9 @@
                           <m:rPr>
                             <m:sty m:val="p"/>
                           </m:rPr>
-                          <a:rPr lang="en-US"/>
+                          <a:rPr lang="en-US">
+                            <a:latin typeface="Cambria Math"/>
+                          </a:rPr>
                           <m:t>log</m:t>
                         </m:r>
                       </m:fName>
@@ -7190,12 +7244,16 @@
                         <m:d>
                           <m:dPr>
                             <m:ctrlPr>
-                              <a:rPr lang="ru-RU" i="1"/>
+                              <a:rPr lang="ru-RU" i="1">
+                                <a:latin typeface="Cambria Math"/>
+                              </a:rPr>
                             </m:ctrlPr>
                           </m:dPr>
                           <m:e>
                             <m:r>
-                              <a:rPr lang="en-US" i="1"/>
+                              <a:rPr lang="en-US" i="1">
+                                <a:latin typeface="Cambria Math"/>
+                              </a:rPr>
                               <m:t>0</m:t>
                             </m:r>
                           </m:e>
@@ -7203,8 +7261,16 @@
                       </m:e>
                     </m:func>
                     <m:r>
-                      <a:rPr lang="en-US" i="1"/>
-                      <m:t>=0</m:t>
+                      <a:rPr lang="en-US" i="1">
+                        <a:latin typeface="Cambria Math"/>
+                      </a:rPr>
+                      <m:t>=</m:t>
+                    </m:r>
+                    <m:r>
+                      <a:rPr lang="en-US" i="1">
+                        <a:latin typeface="Cambria Math"/>
+                      </a:rPr>
+                      <m:t>0</m:t>
                     </m:r>
                   </m:oMath>
                 </a14:m>
@@ -7223,7 +7289,9 @@
                     <m:func>
                       <m:funcPr>
                         <m:ctrlPr>
-                          <a:rPr lang="ru-RU" i="1"/>
+                          <a:rPr lang="ru-RU" i="1">
+                            <a:latin typeface="Cambria Math"/>
+                          </a:rPr>
                         </m:ctrlPr>
                       </m:funcPr>
                       <m:fName>
@@ -7231,7 +7299,9 @@
                           <m:rPr>
                             <m:sty m:val="p"/>
                           </m:rPr>
-                          <a:rPr lang="en-US"/>
+                          <a:rPr lang="en-US">
+                            <a:latin typeface="Cambria Math"/>
+                          </a:rPr>
                           <m:t>log</m:t>
                         </m:r>
                       </m:fName>
@@ -7239,25 +7309,33 @@
                         <m:d>
                           <m:dPr>
                             <m:ctrlPr>
-                              <a:rPr lang="ru-RU" i="1"/>
+                              <a:rPr lang="ru-RU" i="1">
+                                <a:latin typeface="Cambria Math"/>
+                              </a:rPr>
                             </m:ctrlPr>
                           </m:dPr>
                           <m:e>
                             <m:sSub>
                               <m:sSubPr>
                                 <m:ctrlPr>
-                                  <a:rPr lang="ru-RU" i="1"/>
+                                  <a:rPr lang="ru-RU" i="1">
+                                    <a:latin typeface="Cambria Math"/>
+                                  </a:rPr>
                                 </m:ctrlPr>
                               </m:sSubPr>
                               <m:e>
                                 <m:r>
-                                  <a:rPr lang="ru-RU" i="1"/>
+                                  <a:rPr lang="ru-RU" i="1">
+                                    <a:latin typeface="Cambria Math"/>
+                                  </a:rPr>
                                   <m:t>𝑝</m:t>
                                 </m:r>
                               </m:e>
                               <m:sub>
                                 <m:r>
-                                  <a:rPr lang="ru-RU" i="1"/>
+                                  <a:rPr lang="ru-RU" i="1">
+                                    <a:latin typeface="Cambria Math"/>
+                                  </a:rPr>
                                   <m:t>𝑖</m:t>
                                 </m:r>
                               </m:sub>
@@ -7281,14 +7359,18 @@
                     <m:func>
                       <m:funcPr>
                         <m:ctrlPr>
-                          <a:rPr lang="ru-RU" i="1"/>
+                          <a:rPr lang="ru-RU" i="1">
+                            <a:latin typeface="Cambria Math"/>
+                          </a:rPr>
                         </m:ctrlPr>
                       </m:funcPr>
                       <m:fName>
                         <m:sSub>
                           <m:sSubPr>
                             <m:ctrlPr>
-                              <a:rPr lang="ru-RU" i="1"/>
+                              <a:rPr lang="ru-RU" i="1">
+                                <a:latin typeface="Cambria Math"/>
+                              </a:rPr>
                             </m:ctrlPr>
                           </m:sSubPr>
                           <m:e>
@@ -7296,13 +7378,17 @@
                               <m:rPr>
                                 <m:sty m:val="p"/>
                               </m:rPr>
-                              <a:rPr lang="en-US"/>
+                              <a:rPr lang="en-US">
+                                <a:latin typeface="Cambria Math"/>
+                              </a:rPr>
                               <m:t>log</m:t>
                             </m:r>
                           </m:e>
                           <m:sub>
                             <m:r>
-                              <a:rPr lang="en-US"/>
+                              <a:rPr lang="en-US">
+                                <a:latin typeface="Cambria Math"/>
+                              </a:rPr>
                               <m:t>2</m:t>
                             </m:r>
                           </m:sub>
@@ -7312,25 +7398,33 @@
                         <m:d>
                           <m:dPr>
                             <m:ctrlPr>
-                              <a:rPr lang="ru-RU" i="1"/>
+                              <a:rPr lang="ru-RU" i="1">
+                                <a:latin typeface="Cambria Math"/>
+                              </a:rPr>
                             </m:ctrlPr>
                           </m:dPr>
                           <m:e>
                             <m:sSub>
                               <m:sSubPr>
                                 <m:ctrlPr>
-                                  <a:rPr lang="ru-RU" i="1"/>
+                                  <a:rPr lang="ru-RU" i="1">
+                                    <a:latin typeface="Cambria Math"/>
+                                  </a:rPr>
                                 </m:ctrlPr>
                               </m:sSubPr>
                               <m:e>
                                 <m:r>
-                                  <a:rPr lang="ru-RU" i="1"/>
+                                  <a:rPr lang="ru-RU" i="1">
+                                    <a:latin typeface="Cambria Math"/>
+                                  </a:rPr>
                                   <m:t>𝑝</m:t>
                                 </m:r>
                               </m:e>
                               <m:sub>
                                 <m:r>
-                                  <a:rPr lang="ru-RU" i="1"/>
+                                  <a:rPr lang="ru-RU" i="1">
+                                    <a:latin typeface="Cambria Math"/>
+                                  </a:rPr>
                                   <m:t>𝑖</m:t>
                                 </m:r>
                               </m:sub>
@@ -7391,41 +7485,55 @@
                     <m:sSub>
                       <m:sSubPr>
                         <m:ctrlPr>
-                          <a:rPr lang="ru-RU" i="1"/>
+                          <a:rPr lang="ru-RU" i="1">
+                            <a:latin typeface="Cambria Math"/>
+                          </a:rPr>
                         </m:ctrlPr>
                       </m:sSubPr>
                       <m:e>
                         <m:r>
-                          <a:rPr lang="ru-RU" i="1"/>
+                          <a:rPr lang="ru-RU" i="1">
+                            <a:latin typeface="Cambria Math"/>
+                          </a:rPr>
                           <m:t>𝑝</m:t>
                         </m:r>
                       </m:e>
                       <m:sub>
                         <m:r>
-                          <a:rPr lang="ru-RU" i="1"/>
+                          <a:rPr lang="ru-RU" i="1">
+                            <a:latin typeface="Cambria Math"/>
+                          </a:rPr>
                           <m:t>𝑖</m:t>
                         </m:r>
                       </m:sub>
                     </m:sSub>
                     <m:r>
-                      <a:rPr lang="en-US" i="1"/>
+                      <a:rPr lang="en-US" i="1">
+                        <a:latin typeface="Cambria Math"/>
+                      </a:rPr>
                       <m:t>=</m:t>
                     </m:r>
                     <m:f>
                       <m:fPr>
                         <m:ctrlPr>
-                          <a:rPr lang="ru-RU" i="1"/>
+                          <a:rPr lang="ru-RU" i="1">
+                            <a:latin typeface="Cambria Math"/>
+                          </a:rPr>
                         </m:ctrlPr>
                       </m:fPr>
                       <m:num>
                         <m:r>
-                          <a:rPr lang="en-US" i="1"/>
+                          <a:rPr lang="en-US" i="1">
+                            <a:latin typeface="Cambria Math"/>
+                          </a:rPr>
                           <m:t>1</m:t>
                         </m:r>
                       </m:num>
                       <m:den>
                         <m:r>
-                          <a:rPr lang="en-US" i="1"/>
+                          <a:rPr lang="en-US" i="1">
+                            <a:latin typeface="Cambria Math"/>
+                          </a:rPr>
                           <m:t>𝑛</m:t>
                         </m:r>
                       </m:den>
@@ -7439,7 +7547,9 @@
                 <a14:m>
                   <m:oMath xmlns:m="http://schemas.openxmlformats.org/officeDocument/2006/math">
                     <m:r>
-                      <a:rPr lang="en-US" i="1"/>
+                      <a:rPr lang="en-US" i="1">
+                        <a:latin typeface="Cambria Math"/>
+                      </a:rPr>
                       <m:t>𝐻</m:t>
                     </m:r>
                     <m:d>
@@ -7447,18 +7557,24 @@
                         <m:begChr m:val="["/>
                         <m:endChr m:val="]"/>
                         <m:ctrlPr>
-                          <a:rPr lang="ru-RU" i="1"/>
+                          <a:rPr lang="ru-RU" i="1">
+                            <a:latin typeface="Cambria Math"/>
+                          </a:rPr>
                         </m:ctrlPr>
                       </m:dPr>
                       <m:e>
                         <m:r>
-                          <a:rPr lang="ru-RU" i="1"/>
+                          <a:rPr lang="ru-RU" i="1">
+                            <a:latin typeface="Cambria Math"/>
+                          </a:rPr>
                           <m:t>𝑋</m:t>
                         </m:r>
                       </m:e>
                     </m:d>
                     <m:r>
-                      <a:rPr lang="en-US" i="1"/>
+                      <a:rPr lang="en-US" i="1">
+                        <a:latin typeface="Cambria Math"/>
+                      </a:rPr>
                       <m:t>=−</m:t>
                     </m:r>
                     <m:nary>
@@ -7466,12 +7582,16 @@
                         <m:chr m:val="∑"/>
                         <m:limLoc m:val="undOvr"/>
                         <m:ctrlPr>
-                          <a:rPr lang="ru-RU" i="1"/>
+                          <a:rPr lang="ru-RU" i="1">
+                            <a:latin typeface="Cambria Math"/>
+                          </a:rPr>
                         </m:ctrlPr>
                       </m:naryPr>
                       <m:sub>
                         <m:r>
-                          <a:rPr lang="ru-RU" i="1"/>
+                          <a:rPr lang="ru-RU" i="1">
+                            <a:latin typeface="Cambria Math"/>
+                          </a:rPr>
                           <m:t>𝑖</m:t>
                         </m:r>
                       </m:sub>
@@ -7480,30 +7600,40 @@
                         <m:f>
                           <m:fPr>
                             <m:ctrlPr>
-                              <a:rPr lang="ru-RU" i="1"/>
+                              <a:rPr lang="ru-RU" i="1">
+                                <a:latin typeface="Cambria Math"/>
+                              </a:rPr>
                             </m:ctrlPr>
                           </m:fPr>
                           <m:num>
                             <m:r>
-                              <a:rPr lang="en-US" i="1"/>
+                              <a:rPr lang="en-US" i="1">
+                                <a:latin typeface="Cambria Math"/>
+                              </a:rPr>
                               <m:t>1</m:t>
                             </m:r>
                           </m:num>
                           <m:den>
                             <m:r>
-                              <a:rPr lang="ru-RU" i="1"/>
+                              <a:rPr lang="ru-RU" i="1">
+                                <a:latin typeface="Cambria Math"/>
+                              </a:rPr>
                               <m:t>𝑛</m:t>
                             </m:r>
                           </m:den>
                         </m:f>
                         <m:r>
-                          <a:rPr lang="en-US" i="1"/>
+                          <a:rPr lang="en-US" i="1">
+                            <a:latin typeface="Cambria Math"/>
+                          </a:rPr>
                           <m:t>∙</m:t>
                         </m:r>
                         <m:func>
                           <m:funcPr>
                             <m:ctrlPr>
-                              <a:rPr lang="ru-RU" i="1"/>
+                              <a:rPr lang="ru-RU" i="1">
+                                <a:latin typeface="Cambria Math"/>
+                              </a:rPr>
                             </m:ctrlPr>
                           </m:funcPr>
                           <m:fName>
@@ -7511,7 +7641,9 @@
                               <m:rPr>
                                 <m:sty m:val="p"/>
                               </m:rPr>
-                              <a:rPr lang="en-US"/>
+                              <a:rPr lang="en-US">
+                                <a:latin typeface="Cambria Math"/>
+                              </a:rPr>
                               <m:t>log</m:t>
                             </m:r>
                           </m:fName>
@@ -7519,25 +7651,33 @@
                             <m:d>
                               <m:dPr>
                                 <m:ctrlPr>
-                                  <a:rPr lang="ru-RU" i="1"/>
+                                  <a:rPr lang="ru-RU" i="1">
+                                    <a:latin typeface="Cambria Math"/>
+                                  </a:rPr>
                                 </m:ctrlPr>
                               </m:dPr>
                               <m:e>
                                 <m:f>
                                   <m:fPr>
                                     <m:ctrlPr>
-                                      <a:rPr lang="ru-RU" i="1"/>
+                                      <a:rPr lang="ru-RU" i="1">
+                                        <a:latin typeface="Cambria Math"/>
+                                      </a:rPr>
                                     </m:ctrlPr>
                                   </m:fPr>
                                   <m:num>
                                     <m:r>
-                                      <a:rPr lang="en-US" i="1"/>
+                                      <a:rPr lang="en-US" i="1">
+                                        <a:latin typeface="Cambria Math"/>
+                                      </a:rPr>
                                       <m:t>1</m:t>
                                     </m:r>
                                   </m:num>
                                   <m:den>
                                     <m:r>
-                                      <a:rPr lang="ru-RU" i="1"/>
+                                      <a:rPr lang="ru-RU" i="1">
+                                        <a:latin typeface="Cambria Math"/>
+                                      </a:rPr>
                                       <m:t>𝑛</m:t>
                                     </m:r>
                                   </m:den>
@@ -7549,13 +7689,17 @@
                       </m:e>
                     </m:nary>
                     <m:r>
-                      <a:rPr lang="en-US" i="1"/>
+                      <a:rPr lang="en-US" i="1">
+                        <a:latin typeface="Cambria Math"/>
+                      </a:rPr>
                       <m:t>=−</m:t>
                     </m:r>
                     <m:func>
                       <m:funcPr>
                         <m:ctrlPr>
-                          <a:rPr lang="ru-RU" i="1"/>
+                          <a:rPr lang="ru-RU" i="1">
+                            <a:latin typeface="Cambria Math"/>
+                          </a:rPr>
                         </m:ctrlPr>
                       </m:funcPr>
                       <m:fName>
@@ -7563,7 +7707,9 @@
                           <m:rPr>
                             <m:sty m:val="p"/>
                           </m:rPr>
-                          <a:rPr lang="en-US"/>
+                          <a:rPr lang="en-US">
+                            <a:latin typeface="Cambria Math"/>
+                          </a:rPr>
                           <m:t>log</m:t>
                         </m:r>
                       </m:fName>
@@ -7571,25 +7717,33 @@
                         <m:d>
                           <m:dPr>
                             <m:ctrlPr>
-                              <a:rPr lang="ru-RU" i="1"/>
+                              <a:rPr lang="ru-RU" i="1">
+                                <a:latin typeface="Cambria Math"/>
+                              </a:rPr>
                             </m:ctrlPr>
                           </m:dPr>
                           <m:e>
                             <m:f>
                               <m:fPr>
                                 <m:ctrlPr>
-                                  <a:rPr lang="ru-RU" i="1"/>
+                                  <a:rPr lang="ru-RU" i="1">
+                                    <a:latin typeface="Cambria Math"/>
+                                  </a:rPr>
                                 </m:ctrlPr>
                               </m:fPr>
                               <m:num>
                                 <m:r>
-                                  <a:rPr lang="en-US" i="1"/>
+                                  <a:rPr lang="en-US" i="1">
+                                    <a:latin typeface="Cambria Math"/>
+                                  </a:rPr>
                                   <m:t>1</m:t>
                                 </m:r>
                               </m:num>
                               <m:den>
                                 <m:r>
-                                  <a:rPr lang="ru-RU" i="1"/>
+                                  <a:rPr lang="ru-RU" i="1">
+                                    <a:latin typeface="Cambria Math"/>
+                                  </a:rPr>
                                   <m:t>𝑛</m:t>
                                 </m:r>
                               </m:den>
@@ -7599,14 +7753,18 @@
                       </m:e>
                     </m:func>
                     <m:r>
-                      <a:rPr lang="en-US" i="1"/>
+                      <a:rPr lang="en-US" i="1">
+                        <a:latin typeface="Cambria Math"/>
+                      </a:rPr>
                       <m:t>=</m:t>
                     </m:r>
                     <m:r>
                       <m:rPr>
                         <m:sty m:val="p"/>
                       </m:rPr>
-                      <a:rPr lang="en-US"/>
+                      <a:rPr lang="en-US">
+                        <a:latin typeface="Cambria Math"/>
+                      </a:rPr>
                       <m:t>log</m:t>
                     </m:r>
                     <m:d>
@@ -7653,7 +7811,9 @@
                 <a14:m>
                   <m:oMath xmlns:m="http://schemas.openxmlformats.org/officeDocument/2006/math">
                     <m:r>
-                      <a:rPr lang="ru-RU" i="1"/>
+                      <a:rPr lang="ru-RU" i="1">
+                        <a:latin typeface="Cambria Math"/>
+                      </a:rPr>
                       <m:t>𝑝</m:t>
                     </m:r>
                   </m:oMath>
@@ -7669,12 +7829,88 @@
                 <a14:m>
                   <m:oMath xmlns:m="http://schemas.openxmlformats.org/officeDocument/2006/math">
                     <m:r>
-                      <a:rPr lang="ru-RU" i="1"/>
+                      <a:rPr lang="ru-RU" i="1">
+                        <a:latin typeface="Cambria Math"/>
+                      </a:rPr>
                       <m:t>𝑝</m:t>
                     </m:r>
                     <m:r>
-                      <a:rPr lang="en-US" i="1"/>
-                      <m:t>=[0,0,..,0,1,0,..0]</m:t>
+                      <a:rPr lang="en-US" i="1">
+                        <a:latin typeface="Cambria Math"/>
+                      </a:rPr>
+                      <m:t>=[</m:t>
+                    </m:r>
+                    <m:r>
+                      <a:rPr lang="en-US" i="1">
+                        <a:latin typeface="Cambria Math"/>
+                      </a:rPr>
+                      <m:t>0</m:t>
+                    </m:r>
+                    <m:r>
+                      <a:rPr lang="en-US" i="1">
+                        <a:latin typeface="Cambria Math"/>
+                      </a:rPr>
+                      <m:t>,</m:t>
+                    </m:r>
+                    <m:r>
+                      <a:rPr lang="en-US" i="1">
+                        <a:latin typeface="Cambria Math"/>
+                      </a:rPr>
+                      <m:t>0</m:t>
+                    </m:r>
+                    <m:r>
+                      <a:rPr lang="en-US" i="1">
+                        <a:latin typeface="Cambria Math"/>
+                      </a:rPr>
+                      <m:t>,..,</m:t>
+                    </m:r>
+                    <m:r>
+                      <a:rPr lang="en-US" i="1">
+                        <a:latin typeface="Cambria Math"/>
+                      </a:rPr>
+                      <m:t>0</m:t>
+                    </m:r>
+                    <m:r>
+                      <a:rPr lang="en-US" i="1">
+                        <a:latin typeface="Cambria Math"/>
+                      </a:rPr>
+                      <m:t>,</m:t>
+                    </m:r>
+                    <m:r>
+                      <a:rPr lang="en-US" i="1">
+                        <a:latin typeface="Cambria Math"/>
+                      </a:rPr>
+                      <m:t>1</m:t>
+                    </m:r>
+                    <m:r>
+                      <a:rPr lang="en-US" i="1">
+                        <a:latin typeface="Cambria Math"/>
+                      </a:rPr>
+                      <m:t>,</m:t>
+                    </m:r>
+                    <m:r>
+                      <a:rPr lang="en-US" i="1">
+                        <a:latin typeface="Cambria Math"/>
+                      </a:rPr>
+                      <m:t>0</m:t>
+                    </m:r>
+                    <m:r>
+                      <a:rPr lang="en-US" i="1">
+                        <a:latin typeface="Cambria Math"/>
+                      </a:rPr>
+                      <m:t>,..</m:t>
+                    </m:r>
+                    <m:r>
+                      <a:rPr lang="en-US" i="1">
+                        <a:latin typeface="Cambria Math"/>
+                      </a:rPr>
+                      <m:t>0</m:t>
+                    </m:r>
+                    <m:r>
+                      <a:rPr lang="en-US" i="1">
+                        <a:latin typeface="Cambria Math"/>
+                      </a:rPr>
+                      <m:t>]</m:t>
                     </m:r>
                   </m:oMath>
                 </a14:m>
@@ -7714,7 +7950,7 @@
             </p:txBody>
           </p:sp>
         </mc:Choice>
-        <mc:Fallback>
+        <mc:Fallback xmlns="">
           <p:sp>
             <p:nvSpPr>
               <p:cNvPr id="3" name="Объект 2"/>
@@ -7830,8 +8066,8 @@
           </a:p>
         </p:txBody>
       </p:sp>
-      <mc:AlternateContent xmlns:mc="http://schemas.openxmlformats.org/markup-compatibility/2006">
-        <mc:Choice xmlns:a14="http://schemas.microsoft.com/office/drawing/2010/main" Requires="a14">
+      <mc:AlternateContent xmlns:mc="http://schemas.openxmlformats.org/markup-compatibility/2006" xmlns:a14="http://schemas.microsoft.com/office/drawing/2010/main">
+        <mc:Choice Requires="a14">
           <p:sp>
             <p:nvSpPr>
               <p:cNvPr id="3" name="Объект 2"/>
@@ -7855,32 +8091,44 @@
                 <a14:m>
                   <m:oMath xmlns:m="http://schemas.openxmlformats.org/officeDocument/2006/math">
                     <m:r>
-                      <a:rPr lang="en-US" i="1" smtClean="0"/>
+                      <a:rPr lang="en-US" i="1" smtClean="0">
+                        <a:latin typeface="Cambria Math"/>
+                      </a:rPr>
                       <m:t>𝐾𝐿</m:t>
                     </m:r>
                     <m:d>
                       <m:dPr>
                         <m:ctrlPr>
-                          <a:rPr lang="ru-RU" i="1"/>
+                          <a:rPr lang="ru-RU" i="1">
+                            <a:latin typeface="Cambria Math"/>
+                          </a:rPr>
                         </m:ctrlPr>
                       </m:dPr>
                       <m:e>
                         <m:r>
-                          <a:rPr lang="en-US" i="1"/>
+                          <a:rPr lang="en-US" i="1">
+                            <a:latin typeface="Cambria Math"/>
+                          </a:rPr>
                           <m:t>𝑃</m:t>
                         </m:r>
                         <m:r>
-                          <a:rPr lang="en-US" i="1"/>
+                          <a:rPr lang="en-US" i="1">
+                            <a:latin typeface="Cambria Math"/>
+                          </a:rPr>
                           <m:t>||</m:t>
                         </m:r>
                         <m:r>
-                          <a:rPr lang="en-US" i="1"/>
+                          <a:rPr lang="en-US" i="1">
+                            <a:latin typeface="Cambria Math"/>
+                          </a:rPr>
                           <m:t>𝑄</m:t>
                         </m:r>
                       </m:e>
                     </m:d>
                     <m:r>
-                      <a:rPr lang="en-US" i="1"/>
+                      <a:rPr lang="en-US" i="1">
+                        <a:latin typeface="Cambria Math"/>
+                      </a:rPr>
                       <m:t>=</m:t>
                     </m:r>
                     <m:nary>
@@ -7888,30 +8136,40 @@
                         <m:chr m:val="∑"/>
                         <m:limLoc m:val="undOvr"/>
                         <m:ctrlPr>
-                          <a:rPr lang="ru-RU" i="1"/>
+                          <a:rPr lang="ru-RU" i="1">
+                            <a:latin typeface="Cambria Math"/>
+                          </a:rPr>
                         </m:ctrlPr>
                       </m:naryPr>
                       <m:sub>
                         <m:r>
-                          <a:rPr lang="en-US" i="1"/>
+                          <a:rPr lang="en-US" i="1">
+                            <a:latin typeface="Cambria Math"/>
+                          </a:rPr>
                           <m:t>𝑥</m:t>
                         </m:r>
                       </m:sub>
                       <m:sup/>
                       <m:e>
                         <m:r>
-                          <a:rPr lang="en-US" i="1"/>
+                          <a:rPr lang="en-US" i="1">
+                            <a:latin typeface="Cambria Math"/>
+                          </a:rPr>
                           <m:t>𝑃</m:t>
                         </m:r>
                         <m:d>
                           <m:dPr>
                             <m:ctrlPr>
-                              <a:rPr lang="ru-RU" i="1"/>
+                              <a:rPr lang="ru-RU" i="1">
+                                <a:latin typeface="Cambria Math"/>
+                              </a:rPr>
                             </m:ctrlPr>
                           </m:dPr>
                           <m:e>
                             <m:r>
-                              <a:rPr lang="en-US" i="1"/>
+                              <a:rPr lang="en-US" i="1">
+                                <a:latin typeface="Cambria Math"/>
+                              </a:rPr>
                               <m:t>𝑥</m:t>
                             </m:r>
                           </m:e>
@@ -7920,13 +8178,15 @@
                           <m:rPr>
                             <m:sty m:val="p"/>
                           </m:rPr>
-                          <a:rPr lang="en-US"/>
+                          <a:rPr lang="en-US">
+                            <a:latin typeface="Cambria Math"/>
+                          </a:rPr>
                           <m:t>log</m:t>
                         </m:r>
                         <m:d>
                           <m:dPr>
                             <m:ctrlPr>
-                              <a:rPr lang="en-US" b="0" i="0" smtClean="0">
+                              <a:rPr lang="en-US" b="0" i="1" smtClean="0">
                                 <a:latin typeface="Cambria Math"/>
                               </a:rPr>
                             </m:ctrlPr>
@@ -8025,13 +8285,17 @@
                 <a14:m>
                   <m:oMath xmlns:m="http://schemas.openxmlformats.org/officeDocument/2006/math">
                     <m:r>
-                      <a:rPr lang="en-US" i="1"/>
+                      <a:rPr lang="en-US" i="1">
+                        <a:latin typeface="Cambria Math"/>
+                      </a:rPr>
                       <m:t>0</m:t>
                     </m:r>
                     <m:func>
                       <m:funcPr>
                         <m:ctrlPr>
-                          <a:rPr lang="ru-RU" i="1"/>
+                          <a:rPr lang="ru-RU" i="1">
+                            <a:latin typeface="Cambria Math"/>
+                          </a:rPr>
                         </m:ctrlPr>
                       </m:funcPr>
                       <m:fName>
@@ -8039,7 +8303,9 @@
                           <m:rPr>
                             <m:sty m:val="p"/>
                           </m:rPr>
-                          <a:rPr lang="en-US"/>
+                          <a:rPr lang="en-US">
+                            <a:latin typeface="Cambria Math"/>
+                          </a:rPr>
                           <m:t>log</m:t>
                         </m:r>
                       </m:fName>
@@ -8047,25 +8313,33 @@
                         <m:d>
                           <m:dPr>
                             <m:ctrlPr>
-                              <a:rPr lang="ru-RU" i="1"/>
+                              <a:rPr lang="ru-RU" i="1">
+                                <a:latin typeface="Cambria Math"/>
+                              </a:rPr>
                             </m:ctrlPr>
                           </m:dPr>
                           <m:e>
                             <m:f>
                               <m:fPr>
                                 <m:ctrlPr>
-                                  <a:rPr lang="ru-RU" i="1"/>
+                                  <a:rPr lang="ru-RU" i="1">
+                                    <a:latin typeface="Cambria Math"/>
+                                  </a:rPr>
                                 </m:ctrlPr>
                               </m:fPr>
                               <m:num>
                                 <m:r>
-                                  <a:rPr lang="en-US" i="1"/>
+                                  <a:rPr lang="en-US" i="1">
+                                    <a:latin typeface="Cambria Math"/>
+                                  </a:rPr>
                                   <m:t>0</m:t>
                                 </m:r>
                               </m:num>
                               <m:den>
                                 <m:r>
-                                  <a:rPr lang="en-US" i="1"/>
+                                  <a:rPr lang="en-US" i="1">
+                                    <a:latin typeface="Cambria Math"/>
+                                  </a:rPr>
                                   <m:t>0</m:t>
                                 </m:r>
                               </m:den>
@@ -8075,12 +8349,10 @@
                       </m:e>
                     </m:func>
                     <m:r>
-                      <a:rPr lang="en-US" i="1"/>
-                      <m:t>=</m:t>
-                    </m:r>
-                    <m:r>
-                      <a:rPr lang="en-US" i="1"/>
-                      <m:t>0</m:t>
+                      <a:rPr lang="en-US" i="1">
+                        <a:latin typeface="Cambria Math"/>
+                      </a:rPr>
+                      <m:t>=0</m:t>
                     </m:r>
                   </m:oMath>
                 </a14:m>
@@ -8100,13 +8372,17 @@
                 <a14:m>
                   <m:oMath xmlns:m="http://schemas.openxmlformats.org/officeDocument/2006/math">
                     <m:r>
-                      <a:rPr lang="en-US" i="1"/>
+                      <a:rPr lang="en-US" i="1">
+                        <a:latin typeface="Cambria Math"/>
+                      </a:rPr>
                       <m:t>𝑝</m:t>
                     </m:r>
                     <m:func>
                       <m:funcPr>
                         <m:ctrlPr>
-                          <a:rPr lang="ru-RU" i="1"/>
+                          <a:rPr lang="ru-RU" i="1">
+                            <a:latin typeface="Cambria Math"/>
+                          </a:rPr>
                         </m:ctrlPr>
                       </m:funcPr>
                       <m:fName>
@@ -8114,7 +8390,9 @@
                           <m:rPr>
                             <m:sty m:val="p"/>
                           </m:rPr>
-                          <a:rPr lang="en-US"/>
+                          <a:rPr lang="en-US">
+                            <a:latin typeface="Cambria Math"/>
+                          </a:rPr>
                           <m:t>log</m:t>
                         </m:r>
                       </m:fName>
@@ -8122,25 +8400,33 @@
                         <m:d>
                           <m:dPr>
                             <m:ctrlPr>
-                              <a:rPr lang="ru-RU" i="1"/>
+                              <a:rPr lang="ru-RU" i="1">
+                                <a:latin typeface="Cambria Math"/>
+                              </a:rPr>
                             </m:ctrlPr>
                           </m:dPr>
                           <m:e>
                             <m:f>
                               <m:fPr>
                                 <m:ctrlPr>
-                                  <a:rPr lang="ru-RU" i="1"/>
+                                  <a:rPr lang="ru-RU" i="1">
+                                    <a:latin typeface="Cambria Math"/>
+                                  </a:rPr>
                                 </m:ctrlPr>
                               </m:fPr>
                               <m:num>
                                 <m:r>
-                                  <a:rPr lang="en-US" i="1"/>
+                                  <a:rPr lang="en-US" i="1">
+                                    <a:latin typeface="Cambria Math"/>
+                                  </a:rPr>
                                   <m:t>𝑝</m:t>
                                 </m:r>
                               </m:num>
                               <m:den>
                                 <m:r>
-                                  <a:rPr lang="en-US" i="1"/>
+                                  <a:rPr lang="en-US" i="1">
+                                    <a:latin typeface="Cambria Math"/>
+                                  </a:rPr>
                                   <m:t>0</m:t>
                                 </m:r>
                               </m:den>
@@ -8150,36 +8436,46 @@
                       </m:e>
                     </m:func>
                     <m:r>
-                      <a:rPr lang="en-US" i="1"/>
+                      <a:rPr lang="en-US" i="1">
+                        <a:latin typeface="Cambria Math"/>
+                      </a:rPr>
                       <m:t>=∞,</m:t>
                     </m:r>
                     <m:r>
-                      <a:rPr lang="en-US" i="1"/>
+                      <a:rPr lang="en-US" i="1">
+                        <a:latin typeface="Cambria Math"/>
+                      </a:rPr>
                       <m:t>𝑓𝑜𝑟</m:t>
                     </m:r>
                     <m:r>
-                      <a:rPr lang="en-US" i="1"/>
+                      <a:rPr lang="en-US" i="1">
+                        <a:latin typeface="Cambria Math"/>
+                      </a:rPr>
                       <m:t> </m:t>
                     </m:r>
                     <m:r>
-                      <a:rPr lang="en-US" i="1"/>
+                      <a:rPr lang="en-US" i="1">
+                        <a:latin typeface="Cambria Math"/>
+                      </a:rPr>
                       <m:t>𝑎𝑛𝑦</m:t>
                     </m:r>
                     <m:r>
-                      <a:rPr lang="en-US" i="1"/>
+                      <a:rPr lang="en-US" i="1">
+                        <a:latin typeface="Cambria Math"/>
+                      </a:rPr>
                       <m:t> </m:t>
                     </m:r>
                     <m:r>
-                      <a:rPr lang="en-US" i="1"/>
+                      <a:rPr lang="en-US" i="1">
+                        <a:latin typeface="Cambria Math"/>
+                      </a:rPr>
                       <m:t>𝑝</m:t>
                     </m:r>
                     <m:r>
-                      <a:rPr lang="en-US" i="1"/>
-                      <m:t>≠</m:t>
-                    </m:r>
-                    <m:r>
-                      <a:rPr lang="en-US" i="1"/>
-                      <m:t>0</m:t>
+                      <a:rPr lang="en-US" i="1">
+                        <a:latin typeface="Cambria Math"/>
+                      </a:rPr>
+                      <m:t>≠0</m:t>
                     </m:r>
                   </m:oMath>
                 </a14:m>
@@ -8209,37 +8505,45 @@
                 <a14:m>
                   <m:oMath xmlns:m="http://schemas.openxmlformats.org/officeDocument/2006/math">
                     <m:r>
-                      <a:rPr lang="en-US" i="1"/>
+                      <a:rPr lang="en-US" i="1">
+                        <a:latin typeface="Cambria Math"/>
+                      </a:rPr>
                       <m:t>𝐾𝐿</m:t>
                     </m:r>
                     <m:d>
                       <m:dPr>
                         <m:ctrlPr>
-                          <a:rPr lang="ru-RU" i="1"/>
+                          <a:rPr lang="ru-RU" i="1">
+                            <a:latin typeface="Cambria Math"/>
+                          </a:rPr>
                         </m:ctrlPr>
                       </m:dPr>
                       <m:e>
                         <m:r>
-                          <a:rPr lang="en-US" i="1"/>
+                          <a:rPr lang="en-US" i="1">
+                            <a:latin typeface="Cambria Math"/>
+                          </a:rPr>
                           <m:t>𝑝</m:t>
                         </m:r>
                         <m:r>
-                          <a:rPr lang="en-US" i="1"/>
+                          <a:rPr lang="en-US" i="1">
+                            <a:latin typeface="Cambria Math"/>
+                          </a:rPr>
                           <m:t>||</m:t>
                         </m:r>
                         <m:r>
-                          <a:rPr lang="en-US" i="1"/>
+                          <a:rPr lang="en-US" i="1">
+                            <a:latin typeface="Cambria Math"/>
+                          </a:rPr>
                           <m:t>𝑞</m:t>
                         </m:r>
                       </m:e>
                     </m:d>
                     <m:r>
-                      <a:rPr lang="en-US" i="1"/>
-                      <m:t>≥</m:t>
-                    </m:r>
-                    <m:r>
-                      <a:rPr lang="en-US" i="1"/>
-                      <m:t>0</m:t>
+                      <a:rPr lang="en-US" i="1">
+                        <a:latin typeface="Cambria Math"/>
+                      </a:rPr>
+                      <m:t>≥0</m:t>
                     </m:r>
                   </m:oMath>
                 </a14:m>
@@ -8256,52 +8560,62 @@
                 <a14:m>
                   <m:oMath xmlns:m="http://schemas.openxmlformats.org/officeDocument/2006/math">
                     <m:r>
-                      <a:rPr lang="en-US" i="1"/>
+                      <a:rPr lang="en-US" i="1">
+                        <a:latin typeface="Cambria Math"/>
+                      </a:rPr>
                       <m:t>𝐾𝐿</m:t>
                     </m:r>
                     <m:d>
                       <m:dPr>
                         <m:ctrlPr>
-                          <a:rPr lang="ru-RU" i="1"/>
+                          <a:rPr lang="ru-RU" i="1">
+                            <a:latin typeface="Cambria Math"/>
+                          </a:rPr>
                         </m:ctrlPr>
                       </m:dPr>
                       <m:e>
                         <m:r>
-                          <a:rPr lang="en-US" i="1"/>
+                          <a:rPr lang="en-US" i="1">
+                            <a:latin typeface="Cambria Math"/>
+                          </a:rPr>
                           <m:t>𝑝</m:t>
                         </m:r>
                         <m:r>
-                          <a:rPr lang="en-US" i="1"/>
+                          <a:rPr lang="en-US" i="1">
+                            <a:latin typeface="Cambria Math"/>
+                          </a:rPr>
                           <m:t>||</m:t>
                         </m:r>
                         <m:r>
-                          <a:rPr lang="en-US" i="1"/>
+                          <a:rPr lang="en-US" i="1">
+                            <a:latin typeface="Cambria Math"/>
+                          </a:rPr>
                           <m:t>𝑞</m:t>
                         </m:r>
                       </m:e>
                     </m:d>
                     <m:r>
-                      <a:rPr lang="en-US" i="1"/>
+                      <a:rPr lang="en-US" i="1">
+                        <a:latin typeface="Cambria Math"/>
+                      </a:rPr>
+                      <m:t>=0 &lt;=&gt; </m:t>
+                    </m:r>
+                    <m:r>
+                      <a:rPr lang="en-US" i="1">
+                        <a:latin typeface="Cambria Math"/>
+                      </a:rPr>
+                      <m:t>𝑝</m:t>
+                    </m:r>
+                    <m:r>
+                      <a:rPr lang="en-US" i="1">
+                        <a:latin typeface="Cambria Math"/>
+                      </a:rPr>
                       <m:t>=</m:t>
                     </m:r>
                     <m:r>
-                      <a:rPr lang="en-US" i="1"/>
-                      <m:t>0</m:t>
-                    </m:r>
-                    <m:r>
-                      <a:rPr lang="en-US" i="1"/>
-                      <m:t> &lt;=&gt; </m:t>
-                    </m:r>
-                    <m:r>
-                      <a:rPr lang="en-US" i="1"/>
-                      <m:t>𝑝</m:t>
-                    </m:r>
-                    <m:r>
-                      <a:rPr lang="en-US" i="1"/>
-                      <m:t>=</m:t>
-                    </m:r>
-                    <m:r>
-                      <a:rPr lang="en-US" i="1"/>
+                      <a:rPr lang="en-US" i="1">
+                        <a:latin typeface="Cambria Math"/>
+                      </a:rPr>
                       <m:t>𝑞</m:t>
                     </m:r>
                   </m:oMath>
@@ -8326,26 +8640,36 @@
                 <a14:m>
                   <m:oMath xmlns:m="http://schemas.openxmlformats.org/officeDocument/2006/math">
                     <m:r>
-                      <a:rPr lang="en-US" i="1"/>
+                      <a:rPr lang="en-US" i="1">
+                        <a:latin typeface="Cambria Math"/>
+                      </a:rPr>
                       <m:t>𝐾𝐿</m:t>
                     </m:r>
                     <m:d>
                       <m:dPr>
                         <m:ctrlPr>
-                          <a:rPr lang="ru-RU" i="1"/>
+                          <a:rPr lang="ru-RU" i="1">
+                            <a:latin typeface="Cambria Math"/>
+                          </a:rPr>
                         </m:ctrlPr>
                       </m:dPr>
                       <m:e>
                         <m:r>
-                          <a:rPr lang="en-US" i="1"/>
+                          <a:rPr lang="en-US" i="1">
+                            <a:latin typeface="Cambria Math"/>
+                          </a:rPr>
                           <m:t>𝑝</m:t>
                         </m:r>
                         <m:r>
-                          <a:rPr lang="en-US" i="1"/>
+                          <a:rPr lang="en-US" i="1">
+                            <a:latin typeface="Cambria Math"/>
+                          </a:rPr>
                           <m:t>||</m:t>
                         </m:r>
                         <m:r>
-                          <a:rPr lang="en-US" i="1"/>
+                          <a:rPr lang="en-US" i="1">
+                            <a:latin typeface="Cambria Math"/>
+                          </a:rPr>
                           <m:t>𝑞</m:t>
                         </m:r>
                       </m:e>
@@ -8378,7 +8702,7 @@
             </p:txBody>
           </p:sp>
         </mc:Choice>
-        <mc:Fallback>
+        <mc:Fallback xmlns="">
           <p:sp>
             <p:nvSpPr>
               <p:cNvPr id="3" name="Объект 2"/>
@@ -8488,8 +8812,8 @@
           </a:p>
         </p:txBody>
       </p:sp>
-      <mc:AlternateContent xmlns:mc="http://schemas.openxmlformats.org/markup-compatibility/2006">
-        <mc:Choice xmlns:a14="http://schemas.microsoft.com/office/drawing/2010/main" Requires="a14">
+      <mc:AlternateContent xmlns:mc="http://schemas.openxmlformats.org/markup-compatibility/2006" xmlns:a14="http://schemas.microsoft.com/office/drawing/2010/main">
+        <mc:Choice Requires="a14">
           <p:sp>
             <p:nvSpPr>
               <p:cNvPr id="3" name="Объект 2"/>
@@ -8531,37 +8855,51 @@
                 <a14:m>
                   <m:oMath xmlns:m="http://schemas.openxmlformats.org/officeDocument/2006/math">
                     <m:r>
-                      <a:rPr lang="en-US" sz="2400" i="1"/>
+                      <a:rPr lang="en-US" sz="2400" i="1">
+                        <a:latin typeface="Cambria Math"/>
+                      </a:rPr>
                       <m:t>𝐾𝐿</m:t>
                     </m:r>
                     <m:r>
-                      <a:rPr lang="en-US" sz="2400" i="1"/>
+                      <a:rPr lang="en-US" sz="2400" i="1">
+                        <a:latin typeface="Cambria Math"/>
+                      </a:rPr>
                       <m:t>(</m:t>
                     </m:r>
                     <m:r>
-                      <a:rPr lang="en-US" sz="2400" i="1"/>
+                      <a:rPr lang="en-US" sz="2400" i="1">
+                        <a:latin typeface="Cambria Math"/>
+                      </a:rPr>
                       <m:t>𝑃</m:t>
                     </m:r>
                     <m:r>
-                      <a:rPr lang="en-US" sz="2400" i="1"/>
+                      <a:rPr lang="en-US" sz="2400" i="1">
+                        <a:latin typeface="Cambria Math"/>
+                      </a:rPr>
                       <m:t>|</m:t>
                     </m:r>
                     <m:d>
                       <m:dPr>
                         <m:begChr m:val="|"/>
                         <m:ctrlPr>
-                          <a:rPr lang="ru-RU" sz="2400" i="1"/>
+                          <a:rPr lang="ru-RU" sz="2400" i="1">
+                            <a:latin typeface="Cambria Math"/>
+                          </a:rPr>
                         </m:ctrlPr>
                       </m:dPr>
                       <m:e>
                         <m:r>
-                          <a:rPr lang="en-US" sz="2400" i="1"/>
+                          <a:rPr lang="en-US" sz="2400" i="1">
+                            <a:latin typeface="Cambria Math"/>
+                          </a:rPr>
                           <m:t>𝑄</m:t>
                         </m:r>
                       </m:e>
                     </m:d>
                     <m:r>
-                      <a:rPr lang="en-US" sz="2400" i="1"/>
+                      <a:rPr lang="en-US" sz="2400" i="1">
+                        <a:latin typeface="Cambria Math"/>
+                      </a:rPr>
                       <m:t>=</m:t>
                     </m:r>
                     <m:nary>
@@ -8569,30 +8907,40 @@
                         <m:chr m:val="∑"/>
                         <m:limLoc m:val="undOvr"/>
                         <m:ctrlPr>
-                          <a:rPr lang="ru-RU" sz="2400" i="1"/>
+                          <a:rPr lang="ru-RU" sz="2400" i="1">
+                            <a:latin typeface="Cambria Math"/>
+                          </a:rPr>
                         </m:ctrlPr>
                       </m:naryPr>
                       <m:sub>
                         <m:r>
-                          <a:rPr lang="en-US" sz="2400" i="1"/>
+                          <a:rPr lang="en-US" sz="2400" i="1">
+                            <a:latin typeface="Cambria Math"/>
+                          </a:rPr>
                           <m:t>𝑥</m:t>
                         </m:r>
                       </m:sub>
                       <m:sup/>
                       <m:e>
                         <m:r>
-                          <a:rPr lang="en-US" sz="2400" i="1"/>
+                          <a:rPr lang="en-US" sz="2400" i="1">
+                            <a:latin typeface="Cambria Math"/>
+                          </a:rPr>
                           <m:t>𝑃</m:t>
                         </m:r>
                         <m:d>
                           <m:dPr>
                             <m:ctrlPr>
-                              <a:rPr lang="ru-RU" sz="2400" i="1"/>
+                              <a:rPr lang="ru-RU" sz="2400" i="1">
+                                <a:latin typeface="Cambria Math"/>
+                              </a:rPr>
                             </m:ctrlPr>
                           </m:dPr>
                           <m:e>
                             <m:r>
-                              <a:rPr lang="en-US" sz="2400" i="1"/>
+                              <a:rPr lang="en-US" sz="2400" i="1">
+                                <a:latin typeface="Cambria Math"/>
+                              </a:rPr>
                               <m:t>𝑥</m:t>
                             </m:r>
                           </m:e>
@@ -8601,7 +8949,9 @@
                           <m:rPr>
                             <m:sty m:val="p"/>
                           </m:rPr>
-                          <a:rPr lang="en-US" sz="2400"/>
+                          <a:rPr lang="en-US" sz="2400">
+                            <a:latin typeface="Cambria Math"/>
+                          </a:rPr>
                           <m:t>log</m:t>
                         </m:r>
                         <m:d>
@@ -8645,6 +8995,7 @@
                         <a:solidFill>
                           <a:srgbClr val="FF0000"/>
                         </a:solidFill>
+                        <a:latin typeface="Cambria Math"/>
                       </a:rPr>
                       <m:t>−</m:t>
                     </m:r>
@@ -8657,6 +9008,7 @@
                             <a:solidFill>
                               <a:srgbClr val="FF0000"/>
                             </a:solidFill>
+                            <a:latin typeface="Cambria Math"/>
                           </a:rPr>
                         </m:ctrlPr>
                       </m:naryPr>
@@ -8666,6 +9018,7 @@
                             <a:solidFill>
                               <a:srgbClr val="FF0000"/>
                             </a:solidFill>
+                            <a:latin typeface="Cambria Math"/>
                           </a:rPr>
                           <m:t>𝑥</m:t>
                         </m:r>
@@ -8677,6 +9030,7 @@
                             <a:solidFill>
                               <a:srgbClr val="FF0000"/>
                             </a:solidFill>
+                            <a:latin typeface="Cambria Math"/>
                           </a:rPr>
                           <m:t>𝑃</m:t>
                         </m:r>
@@ -8687,6 +9041,7 @@
                                 <a:solidFill>
                                   <a:srgbClr val="FF0000"/>
                                 </a:solidFill>
+                                <a:latin typeface="Cambria Math"/>
                               </a:rPr>
                             </m:ctrlPr>
                           </m:dPr>
@@ -8696,6 +9051,7 @@
                                 <a:solidFill>
                                   <a:srgbClr val="FF0000"/>
                                 </a:solidFill>
+                                <a:latin typeface="Cambria Math"/>
                               </a:rPr>
                               <m:t>𝑥</m:t>
                             </m:r>
@@ -8709,6 +9065,7 @@
                             <a:solidFill>
                               <a:srgbClr val="FF0000"/>
                             </a:solidFill>
+                            <a:latin typeface="Cambria Math"/>
                           </a:rPr>
                           <m:t>log</m:t>
                         </m:r>
@@ -9081,27 +9438,39 @@
                 <a14:m>
                   <m:oMath xmlns:m="http://schemas.openxmlformats.org/officeDocument/2006/math">
                     <m:r>
-                      <a:rPr lang="en-US" i="1"/>
+                      <a:rPr lang="en-US" i="1">
+                        <a:latin typeface="Cambria Math"/>
+                      </a:rPr>
                       <m:t>𝐶𝐸</m:t>
                     </m:r>
                     <m:r>
-                      <a:rPr lang="en-US" i="1"/>
+                      <a:rPr lang="en-US" i="1">
+                        <a:latin typeface="Cambria Math"/>
+                      </a:rPr>
                       <m:t>(</m:t>
                     </m:r>
                     <m:r>
-                      <a:rPr lang="en-US" i="1"/>
+                      <a:rPr lang="en-US" i="1">
+                        <a:latin typeface="Cambria Math"/>
+                      </a:rPr>
                       <m:t>𝑃</m:t>
                     </m:r>
                     <m:r>
-                      <a:rPr lang="en-US" i="1"/>
+                      <a:rPr lang="en-US" i="1">
+                        <a:latin typeface="Cambria Math"/>
+                      </a:rPr>
                       <m:t>,</m:t>
                     </m:r>
                     <m:r>
-                      <a:rPr lang="en-US" i="1"/>
+                      <a:rPr lang="en-US" i="1">
+                        <a:latin typeface="Cambria Math"/>
+                      </a:rPr>
                       <m:t>𝑄</m:t>
                     </m:r>
                     <m:r>
-                      <a:rPr lang="en-US" i="1"/>
+                      <a:rPr lang="en-US" i="1">
+                        <a:latin typeface="Cambria Math"/>
+                      </a:rPr>
                       <m:t>)=−</m:t>
                     </m:r>
                     <m:nary>
@@ -9109,30 +9478,40 @@
                         <m:chr m:val="∑"/>
                         <m:limLoc m:val="undOvr"/>
                         <m:ctrlPr>
-                          <a:rPr lang="ru-RU" i="1"/>
+                          <a:rPr lang="ru-RU" i="1">
+                            <a:latin typeface="Cambria Math"/>
+                          </a:rPr>
                         </m:ctrlPr>
                       </m:naryPr>
                       <m:sub>
                         <m:r>
-                          <a:rPr lang="en-US" i="1"/>
+                          <a:rPr lang="en-US" i="1">
+                            <a:latin typeface="Cambria Math"/>
+                          </a:rPr>
                           <m:t>𝑥</m:t>
                         </m:r>
                       </m:sub>
                       <m:sup/>
                       <m:e>
                         <m:r>
-                          <a:rPr lang="en-US" i="1"/>
+                          <a:rPr lang="en-US" i="1">
+                            <a:latin typeface="Cambria Math"/>
+                          </a:rPr>
                           <m:t>𝑃</m:t>
                         </m:r>
                         <m:d>
                           <m:dPr>
                             <m:ctrlPr>
-                              <a:rPr lang="ru-RU" i="1"/>
+                              <a:rPr lang="ru-RU" i="1">
+                                <a:latin typeface="Cambria Math"/>
+                              </a:rPr>
                             </m:ctrlPr>
                           </m:dPr>
                           <m:e>
                             <m:r>
-                              <a:rPr lang="en-US" i="1"/>
+                              <a:rPr lang="en-US" i="1">
+                                <a:latin typeface="Cambria Math"/>
+                              </a:rPr>
                               <m:t>𝑥</m:t>
                             </m:r>
                           </m:e>
@@ -9141,7 +9520,9 @@
                           <m:rPr>
                             <m:sty m:val="p"/>
                           </m:rPr>
-                          <a:rPr lang="en-US"/>
+                          <a:rPr lang="en-US">
+                            <a:latin typeface="Cambria Math"/>
+                          </a:rPr>
                           <m:t>log</m:t>
                         </m:r>
                         <m:d>
@@ -9195,82 +9576,116 @@
                 <a14:m>
                   <m:oMath xmlns:m="http://schemas.openxmlformats.org/officeDocument/2006/math">
                     <m:r>
-                      <a:rPr lang="en-US" b="1" i="1"/>
+                      <a:rPr lang="en-US" b="1" i="1">
+                        <a:latin typeface="Cambria Math"/>
+                      </a:rPr>
                       <m:t>𝑲𝑳</m:t>
                     </m:r>
                     <m:r>
-                      <a:rPr lang="en-US" b="1" i="1"/>
+                      <a:rPr lang="en-US" b="1" i="1">
+                        <a:latin typeface="Cambria Math"/>
+                      </a:rPr>
                       <m:t>(</m:t>
                     </m:r>
                     <m:r>
-                      <a:rPr lang="en-US" b="1" i="1"/>
+                      <a:rPr lang="en-US" b="1" i="1">
+                        <a:latin typeface="Cambria Math"/>
+                      </a:rPr>
                       <m:t>𝑷</m:t>
                     </m:r>
                     <m:r>
-                      <a:rPr lang="en-US" b="1" i="1"/>
+                      <a:rPr lang="en-US" b="1" i="1">
+                        <a:latin typeface="Cambria Math"/>
+                      </a:rPr>
                       <m:t>|</m:t>
                     </m:r>
                     <m:d>
                       <m:dPr>
                         <m:begChr m:val="|"/>
                         <m:ctrlPr>
-                          <a:rPr lang="ru-RU" b="1" i="1"/>
+                          <a:rPr lang="ru-RU" b="1" i="1">
+                            <a:latin typeface="Cambria Math"/>
+                          </a:rPr>
                         </m:ctrlPr>
                       </m:dPr>
                       <m:e>
                         <m:r>
-                          <a:rPr lang="en-US" b="1" i="1"/>
+                          <a:rPr lang="en-US" b="1" i="1">
+                            <a:latin typeface="Cambria Math"/>
+                          </a:rPr>
                           <m:t>𝑸</m:t>
                         </m:r>
                       </m:e>
                     </m:d>
                     <m:r>
-                      <a:rPr lang="en-US" b="1" i="1"/>
+                      <a:rPr lang="en-US" b="1" i="1">
+                        <a:latin typeface="Cambria Math"/>
+                      </a:rPr>
                       <m:t>+</m:t>
                     </m:r>
                     <m:r>
-                      <a:rPr lang="en-US" b="1" i="1"/>
+                      <a:rPr lang="en-US" b="1" i="1">
+                        <a:latin typeface="Cambria Math"/>
+                      </a:rPr>
                       <m:t>𝑯</m:t>
                     </m:r>
                     <m:d>
                       <m:dPr>
                         <m:ctrlPr>
-                          <a:rPr lang="ru-RU" b="1" i="1"/>
+                          <a:rPr lang="ru-RU" b="1" i="1">
+                            <a:latin typeface="Cambria Math"/>
+                          </a:rPr>
                         </m:ctrlPr>
                       </m:dPr>
                       <m:e>
                         <m:r>
-                          <a:rPr lang="en-US" b="1" i="1"/>
+                          <a:rPr lang="en-US" b="1" i="1">
+                            <a:latin typeface="Cambria Math"/>
+                          </a:rPr>
                           <m:t>𝑷</m:t>
                         </m:r>
                       </m:e>
                     </m:d>
                     <m:r>
-                      <a:rPr lang="en-US" b="1" i="1"/>
+                      <a:rPr lang="en-US" b="1" i="1">
+                        <a:latin typeface="Cambria Math"/>
+                      </a:rPr>
                       <m:t>=</m:t>
                     </m:r>
                     <m:r>
-                      <a:rPr lang="en-US" b="1" i="1"/>
+                      <a:rPr lang="en-US" b="1" i="1">
+                        <a:latin typeface="Cambria Math"/>
+                      </a:rPr>
                       <m:t>𝑪𝑬</m:t>
                     </m:r>
                     <m:r>
-                      <a:rPr lang="en-US" b="1" i="1"/>
+                      <a:rPr lang="en-US" b="1" i="1">
+                        <a:latin typeface="Cambria Math"/>
+                      </a:rPr>
                       <m:t>(</m:t>
                     </m:r>
                     <m:r>
-                      <a:rPr lang="en-US" b="1" i="1"/>
+                      <a:rPr lang="en-US" b="1" i="1">
+                        <a:latin typeface="Cambria Math"/>
+                      </a:rPr>
                       <m:t>𝑷</m:t>
                     </m:r>
                     <m:r>
-                      <a:rPr lang="en-US" b="1" i="1"/>
+                      <a:rPr lang="en-US" b="1" i="1">
+                        <a:latin typeface="Cambria Math"/>
+                      </a:rPr>
                       <m:t>,</m:t>
                     </m:r>
                     <m:r>
-                      <a:rPr lang="en-US" b="1" i="1"/>
+                      <a:rPr lang="en-US" b="1" i="1">
+                        <a:latin typeface="Cambria Math"/>
+                      </a:rPr>
                       <m:t>𝑸</m:t>
                     </m:r>
                     <m:r>
-                      <a:rPr lang="en-US" b="1" i="1"/>
+                      <a:rPr lang="en-US" b="1" i="1">
+                        <a:latin typeface="Cambria Math"/>
+                      </a:rPr>
                       <m:t>)</m:t>
                     </m:r>
                   </m:oMath>
@@ -9284,7 +9699,7 @@
             </p:txBody>
           </p:sp>
         </mc:Choice>
-        <mc:Fallback>
+        <mc:Fallback xmlns="">
           <p:sp>
             <p:nvSpPr>
               <p:cNvPr id="3" name="Объект 2"/>
@@ -9383,10 +9798,20 @@
         </p:nvSpPr>
         <p:spPr/>
         <p:txBody>
-          <a:bodyPr/>
+          <a:bodyPr>
+            <a:normAutofit fontScale="90000"/>
+          </a:bodyPr>
           <a:lstStyle/>
           <a:p>
-            <a:endParaRPr lang="ru-RU"/>
+            <a:r>
+              <a:rPr lang="en-US" dirty="0"/>
+              <a:t>About CE (Cross-Entropy</a:t>
+            </a:r>
+            <a:r>
+              <a:rPr lang="en-US" dirty="0" smtClean="0"/>
+              <a:t>) application for classification loss</a:t>
+            </a:r>
+            <a:endParaRPr lang="ru-RU" dirty="0"/>
           </a:p>
         </p:txBody>
       </p:sp>
@@ -9457,39 +9882,55 @@
                 <a14:m>
                   <m:oMath xmlns:m="http://schemas.openxmlformats.org/officeDocument/2006/math">
                     <m:r>
-                      <a:rPr lang="en-US" b="1" i="1"/>
+                      <a:rPr lang="en-US" b="1" i="1">
+                        <a:latin typeface="Cambria Math"/>
+                      </a:rPr>
                       <m:t>𝒎𝒊𝒏</m:t>
                     </m:r>
                     <m:r>
-                      <a:rPr lang="en-US" b="1" i="1"/>
+                      <a:rPr lang="en-US" b="1" i="1">
+                        <a:latin typeface="Cambria Math"/>
+                      </a:rPr>
                       <m:t>.</m:t>
                     </m:r>
                     <m:r>
-                      <a:rPr lang="en-US" b="1" i="1"/>
+                      <a:rPr lang="en-US" b="1" i="1">
+                        <a:latin typeface="Cambria Math"/>
+                      </a:rPr>
                       <m:t>𝑲𝑳</m:t>
                     </m:r>
                     <m:r>
-                      <a:rPr lang="en-US" b="1" i="1"/>
+                      <a:rPr lang="en-US" b="1" i="1">
+                        <a:latin typeface="Cambria Math"/>
+                      </a:rPr>
                       <m:t>(</m:t>
                     </m:r>
                     <m:r>
-                      <a:rPr lang="en-US" b="1" i="1"/>
+                      <a:rPr lang="en-US" b="1" i="1">
+                        <a:latin typeface="Cambria Math"/>
+                      </a:rPr>
                       <m:t>𝑷</m:t>
                     </m:r>
                     <m:r>
-                      <a:rPr lang="en-US" b="1" i="1"/>
+                      <a:rPr lang="en-US" b="1" i="1">
+                        <a:latin typeface="Cambria Math"/>
+                      </a:rPr>
                       <m:t>|</m:t>
                     </m:r>
                     <m:d>
                       <m:dPr>
                         <m:begChr m:val="|"/>
                         <m:ctrlPr>
-                          <a:rPr lang="ru-RU" b="1" i="1"/>
+                          <a:rPr lang="ru-RU" b="1" i="1">
+                            <a:latin typeface="Cambria Math"/>
+                          </a:rPr>
                         </m:ctrlPr>
                       </m:dPr>
                       <m:e>
                         <m:r>
-                          <a:rPr lang="en-US" b="1" i="1"/>
+                          <a:rPr lang="en-US" b="1" i="1">
+                            <a:latin typeface="Cambria Math"/>
+                          </a:rPr>
                           <m:t>𝑸</m:t>
                         </m:r>
                       </m:e>
@@ -9519,60 +9960,84 @@
                 <a14:m>
                   <m:oMath xmlns:m="http://schemas.openxmlformats.org/officeDocument/2006/math">
                     <m:r>
-                      <a:rPr lang="en-US" b="1" i="1"/>
+                      <a:rPr lang="en-US" b="1" i="1">
+                        <a:latin typeface="Cambria Math"/>
+                      </a:rPr>
                       <m:t>𝒎𝒊𝒏</m:t>
                     </m:r>
                     <m:r>
-                      <a:rPr lang="en-US" b="1" i="1"/>
+                      <a:rPr lang="en-US" b="1" i="1">
+                        <a:latin typeface="Cambria Math"/>
+                      </a:rPr>
                       <m:t>.</m:t>
                     </m:r>
                     <m:r>
-                      <a:rPr lang="en-US" b="1" i="1"/>
-                      <m:t>𝑲𝑳</m:t>
-                    </m:r>
-                    <m:r>
-                      <a:rPr lang="en-US" b="1" i="1"/>
+                      <a:rPr lang="en-US" b="1" i="1" smtClean="0">
+                        <a:latin typeface="Cambria Math"/>
+                      </a:rPr>
+                      <m:t>𝑪𝑬</m:t>
+                    </m:r>
+                    <m:r>
+                      <a:rPr lang="en-US" b="1" i="1">
+                        <a:latin typeface="Cambria Math"/>
+                      </a:rPr>
                       <m:t>(</m:t>
                     </m:r>
                     <m:r>
-                      <a:rPr lang="en-US" b="1" i="1"/>
+                      <a:rPr lang="en-US" b="1" i="1">
+                        <a:latin typeface="Cambria Math"/>
+                      </a:rPr>
                       <m:t>𝑷</m:t>
                     </m:r>
                     <m:r>
-                      <a:rPr lang="en-US" b="1" i="1"/>
+                      <a:rPr lang="en-US" b="1" i="1">
+                        <a:latin typeface="Cambria Math"/>
+                      </a:rPr>
                       <m:t>|</m:t>
                     </m:r>
                     <m:d>
                       <m:dPr>
                         <m:begChr m:val="|"/>
                         <m:ctrlPr>
-                          <a:rPr lang="ru-RU" b="1" i="1"/>
+                          <a:rPr lang="ru-RU" b="1" i="1">
+                            <a:latin typeface="Cambria Math"/>
+                          </a:rPr>
                         </m:ctrlPr>
                       </m:dPr>
                       <m:e>
                         <m:r>
-                          <a:rPr lang="en-US" b="1" i="1"/>
+                          <a:rPr lang="en-US" b="1" i="1">
+                            <a:latin typeface="Cambria Math"/>
+                          </a:rPr>
                           <m:t>𝑸</m:t>
                         </m:r>
                       </m:e>
                     </m:d>
                     <m:r>
-                      <a:rPr lang="en-US" b="1" i="1"/>
-                      <m:t>+</m:t>
-                    </m:r>
-                    <m:r>
-                      <a:rPr lang="en-US" b="1" i="1"/>
+                      <a:rPr lang="en-US" b="1" i="1" smtClean="0">
+                        <a:latin typeface="Cambria Math"/>
+                      </a:rPr>
+                      <m:t>−</m:t>
+                    </m:r>
+                    <m:r>
+                      <a:rPr lang="en-US" b="1" i="1">
+                        <a:latin typeface="Cambria Math"/>
+                      </a:rPr>
                       <m:t>𝑯</m:t>
                     </m:r>
                     <m:d>
                       <m:dPr>
                         <m:ctrlPr>
-                          <a:rPr lang="ru-RU" b="1" i="1"/>
+                          <a:rPr lang="ru-RU" b="1" i="1">
+                            <a:latin typeface="Cambria Math"/>
+                          </a:rPr>
                         </m:ctrlPr>
                       </m:dPr>
                       <m:e>
                         <m:r>
-                          <a:rPr lang="en-US" b="1" i="1"/>
+                          <a:rPr lang="en-US" b="1" i="1">
+                            <a:latin typeface="Cambria Math"/>
+                          </a:rPr>
                           <m:t>𝑷</m:t>
                         </m:r>
                       </m:e>
@@ -9592,18 +10057,24 @@
                 <a14:m>
                   <m:oMath xmlns:m="http://schemas.openxmlformats.org/officeDocument/2006/math">
                     <m:r>
-                      <a:rPr lang="en-US" b="1" i="1"/>
+                      <a:rPr lang="en-US" b="1" i="1">
+                        <a:latin typeface="Cambria Math"/>
+                      </a:rPr>
                       <m:t>𝑯</m:t>
                     </m:r>
                     <m:d>
                       <m:dPr>
                         <m:ctrlPr>
-                          <a:rPr lang="ru-RU" b="1" i="1"/>
+                          <a:rPr lang="ru-RU" b="1" i="1">
+                            <a:latin typeface="Cambria Math"/>
+                          </a:rPr>
                         </m:ctrlPr>
                       </m:dPr>
                       <m:e>
                         <m:r>
-                          <a:rPr lang="en-US" b="1" i="1"/>
+                          <a:rPr lang="en-US" b="1" i="1">
+                            <a:latin typeface="Cambria Math"/>
+                          </a:rPr>
                           <m:t>𝑷</m:t>
                         </m:r>
                       </m:e>
@@ -9635,35 +10106,51 @@
                 <a14:m>
                   <m:oMath xmlns:m="http://schemas.openxmlformats.org/officeDocument/2006/math">
                     <m:r>
-                      <a:rPr lang="en-US" b="1" i="1"/>
+                      <a:rPr lang="en-US" b="1" i="1">
+                        <a:latin typeface="Cambria Math"/>
+                      </a:rPr>
                       <m:t>𝒎𝒊𝒏</m:t>
                     </m:r>
                     <m:r>
-                      <a:rPr lang="en-US" b="1" i="1"/>
+                      <a:rPr lang="en-US" b="1" i="1">
+                        <a:latin typeface="Cambria Math"/>
+                      </a:rPr>
                       <m:t>.</m:t>
                     </m:r>
                     <m:r>
-                      <a:rPr lang="en-US" b="1" i="1"/>
+                      <a:rPr lang="en-US" b="1" i="1">
+                        <a:latin typeface="Cambria Math"/>
+                      </a:rPr>
                       <m:t>𝑪𝑬</m:t>
                     </m:r>
                     <m:r>
-                      <a:rPr lang="en-US" b="1" i="1"/>
+                      <a:rPr lang="en-US" b="1" i="1">
+                        <a:latin typeface="Cambria Math"/>
+                      </a:rPr>
                       <m:t>(</m:t>
                     </m:r>
                     <m:r>
-                      <a:rPr lang="en-US" b="1" i="1"/>
+                      <a:rPr lang="en-US" b="1" i="1">
+                        <a:latin typeface="Cambria Math"/>
+                      </a:rPr>
                       <m:t>𝑷</m:t>
                     </m:r>
                     <m:r>
-                      <a:rPr lang="en-US" b="1" i="1"/>
+                      <a:rPr lang="en-US" b="1" i="1">
+                        <a:latin typeface="Cambria Math"/>
+                      </a:rPr>
                       <m:t>,</m:t>
                     </m:r>
                     <m:r>
-                      <a:rPr lang="en-US" b="1" i="1"/>
+                      <a:rPr lang="en-US" b="1" i="1">
+                        <a:latin typeface="Cambria Math"/>
+                      </a:rPr>
                       <m:t>𝑸</m:t>
                     </m:r>
                     <m:r>
-                      <a:rPr lang="en-US" b="1" i="1"/>
+                      <a:rPr lang="en-US" b="1" i="1">
+                        <a:latin typeface="Cambria Math"/>
+                      </a:rPr>
                       <m:t>)</m:t>
                     </m:r>
                   </m:oMath>
@@ -10349,15 +10836,38 @@
         </p:nvSpPr>
         <p:spPr/>
         <p:txBody>
-          <a:bodyPr/>
+          <a:bodyPr>
+            <a:normAutofit fontScale="90000"/>
+          </a:bodyPr>
           <a:lstStyle/>
           <a:p>
-            <a:endParaRPr lang="ru-RU"/>
+            <a:pPr defTabSz="895350">
+              <a:tabLst>
+                <a:tab pos="981075" algn="l"/>
+              </a:tabLst>
+            </a:pPr>
+            <a:r>
+              <a:rPr lang="en-US" dirty="0" smtClean="0"/>
+              <a:t>Motivation of the logistic loss from </a:t>
+            </a:r>
+            <a:r>
+              <a:rPr lang="en-US" dirty="0" err="1" smtClean="0"/>
+              <a:t>from</a:t>
+            </a:r>
+            <a:r>
+              <a:rPr lang="en-US" dirty="0" smtClean="0"/>
+              <a:t> </a:t>
+            </a:r>
+            <a:r>
+              <a:rPr lang="en-US" smtClean="0"/>
+              <a:t>ML principle</a:t>
+            </a:r>
+            <a:endParaRPr lang="ru-RU" dirty="0"/>
           </a:p>
         </p:txBody>
       </p:sp>
-      <mc:AlternateContent xmlns:mc="http://schemas.openxmlformats.org/markup-compatibility/2006">
-        <mc:Choice xmlns:a14="http://schemas.microsoft.com/office/drawing/2010/main" Requires="a14">
+      <mc:AlternateContent xmlns:mc="http://schemas.openxmlformats.org/markup-compatibility/2006" xmlns:a14="http://schemas.microsoft.com/office/drawing/2010/main">
+        <mc:Choice Requires="a14">
           <p:sp>
             <p:nvSpPr>
               <p:cNvPr id="3" name="Объект 2"/>
@@ -10976,11 +11486,7 @@
                 </a14:m>
                 <a:r>
                   <a:rPr lang="en-US" dirty="0"/>
-                  <a:t>for classes with class </a:t>
-                </a:r>
-                <a:r>
-                  <a:rPr lang="en-US" dirty="0"/>
-                  <a:t>“0</a:t>
+                  <a:t>for classes with class “0</a:t>
                 </a:r>
                 <a:r>
                   <a:rPr lang="en-US" dirty="0" smtClean="0"/>
@@ -11259,7 +11765,7 @@
             </p:txBody>
           </p:sp>
         </mc:Choice>
-        <mc:Fallback>
+        <mc:Fallback xmlns="">
           <p:sp>
             <p:nvSpPr>
               <p:cNvPr id="3" name="Объект 2"/>
